--- a/Projet Virtual Tag.pptx
+++ b/Projet Virtual Tag.pptx
@@ -20,8 +20,7 @@
     <p:sldId id="264" r:id="rId14"/>
     <p:sldId id="265" r:id="rId15"/>
     <p:sldId id="272" r:id="rId16"/>
-    <p:sldId id="267" r:id="rId17"/>
-    <p:sldId id="266" r:id="rId18"/>
+    <p:sldId id="266" r:id="rId17"/>
   </p:sldIdLst>
   <p:sldSz cx="12192000" cy="6858000"/>
   <p:notesSz cx="6858000" cy="9144000"/>
@@ -120,6 +119,11 @@
       </a:defRPr>
     </a:lvl9pPr>
   </p:defaultTextStyle>
+  <p:extLst>
+    <p:ext uri="{EFAFB233-063F-42B5-8137-9DF3F51BA10A}">
+      <p15:sldGuideLst xmlns:p15="http://schemas.microsoft.com/office/powerpoint/2012/main"/>
+    </p:ext>
+  </p:extLst>
 </p:presentation>
 </file>
 
@@ -173,7 +177,7 @@
           <a:noFill/>
           <a:extLst>
             <a:ext uri="{909E8E84-426E-40dd-AFC4-6F175D3DCCD1}">
-              <a14:hiddenFill xmlns:a14="http://schemas.microsoft.com/office/drawing/2010/main" xmlns="">
+              <a14:hiddenFill xmlns="" xmlns:a14="http://schemas.microsoft.com/office/drawing/2010/main">
                 <a:solidFill>
                   <a:srgbClr val="FFFFFF"/>
                 </a:solidFill>
@@ -233,7 +237,7 @@
             </a:ln>
             <a:extLst>
               <a:ext uri="{91240B29-F687-4f45-9708-019B960494DF}">
-                <a14:hiddenLine xmlns:a14="http://schemas.microsoft.com/office/drawing/2010/main" xmlns="" w="9525">
+                <a14:hiddenLine xmlns="" xmlns:a14="http://schemas.microsoft.com/office/drawing/2010/main" w="9525">
                   <a:solidFill>
                     <a:srgbClr val="000000"/>
                   </a:solidFill>
@@ -323,7 +327,7 @@
             </a:ln>
             <a:extLst>
               <a:ext uri="{91240B29-F687-4f45-9708-019B960494DF}">
-                <a14:hiddenLine xmlns:a14="http://schemas.microsoft.com/office/drawing/2010/main" xmlns="" w="9525">
+                <a14:hiddenLine xmlns="" xmlns:a14="http://schemas.microsoft.com/office/drawing/2010/main" w="9525">
                   <a:solidFill>
                     <a:srgbClr val="000000"/>
                   </a:solidFill>
@@ -413,7 +417,7 @@
             </a:ln>
             <a:extLst>
               <a:ext uri="{91240B29-F687-4f45-9708-019B960494DF}">
-                <a14:hiddenLine xmlns:a14="http://schemas.microsoft.com/office/drawing/2010/main" xmlns="" w="9525">
+                <a14:hiddenLine xmlns="" xmlns:a14="http://schemas.microsoft.com/office/drawing/2010/main" w="9525">
                   <a:solidFill>
                     <a:srgbClr val="000000"/>
                   </a:solidFill>
@@ -447,7 +451,7 @@
             </a:ln>
             <a:extLst>
               <a:ext uri="{91240B29-F687-4f45-9708-019B960494DF}">
-                <a14:hiddenLine xmlns:a14="http://schemas.microsoft.com/office/drawing/2010/main" xmlns="" w="9525">
+                <a14:hiddenLine xmlns="" xmlns:a14="http://schemas.microsoft.com/office/drawing/2010/main" w="9525">
                   <a:solidFill>
                     <a:srgbClr val="000000"/>
                   </a:solidFill>
@@ -537,7 +541,7 @@
             </a:ln>
             <a:extLst>
               <a:ext uri="{91240B29-F687-4f45-9708-019B960494DF}">
-                <a14:hiddenLine xmlns:a14="http://schemas.microsoft.com/office/drawing/2010/main" xmlns="" w="9525">
+                <a14:hiddenLine xmlns="" xmlns:a14="http://schemas.microsoft.com/office/drawing/2010/main" w="9525">
                   <a:solidFill>
                     <a:srgbClr val="000000"/>
                   </a:solidFill>
@@ -599,7 +603,7 @@
             </a:ln>
             <a:extLst>
               <a:ext uri="{91240B29-F687-4f45-9708-019B960494DF}">
-                <a14:hiddenLine xmlns:a14="http://schemas.microsoft.com/office/drawing/2010/main" xmlns="" w="9525">
+                <a14:hiddenLine xmlns="" xmlns:a14="http://schemas.microsoft.com/office/drawing/2010/main" w="9525">
                   <a:solidFill>
                     <a:srgbClr val="000000"/>
                   </a:solidFill>
@@ -661,7 +665,7 @@
             </a:ln>
             <a:extLst>
               <a:ext uri="{91240B29-F687-4f45-9708-019B960494DF}">
-                <a14:hiddenLine xmlns:a14="http://schemas.microsoft.com/office/drawing/2010/main" xmlns="" w="9525">
+                <a14:hiddenLine xmlns="" xmlns:a14="http://schemas.microsoft.com/office/drawing/2010/main" w="9525">
                   <a:solidFill>
                     <a:srgbClr val="000000"/>
                   </a:solidFill>
@@ -751,7 +755,7 @@
             </a:ln>
             <a:extLst>
               <a:ext uri="{91240B29-F687-4f45-9708-019B960494DF}">
-                <a14:hiddenLine xmlns:a14="http://schemas.microsoft.com/office/drawing/2010/main" xmlns="" w="9525">
+                <a14:hiddenLine xmlns="" xmlns:a14="http://schemas.microsoft.com/office/drawing/2010/main" w="9525">
                   <a:solidFill>
                     <a:srgbClr val="000000"/>
                   </a:solidFill>
@@ -813,7 +817,7 @@
             </a:ln>
             <a:extLst>
               <a:ext uri="{91240B29-F687-4f45-9708-019B960494DF}">
-                <a14:hiddenLine xmlns:a14="http://schemas.microsoft.com/office/drawing/2010/main" xmlns="" w="9525">
+                <a14:hiddenLine xmlns="" xmlns:a14="http://schemas.microsoft.com/office/drawing/2010/main" w="9525">
                   <a:solidFill>
                     <a:srgbClr val="000000"/>
                   </a:solidFill>
@@ -875,7 +879,7 @@
             </a:ln>
             <a:extLst>
               <a:ext uri="{91240B29-F687-4f45-9708-019B960494DF}">
-                <a14:hiddenLine xmlns:a14="http://schemas.microsoft.com/office/drawing/2010/main" xmlns="" w="9525">
+                <a14:hiddenLine xmlns="" xmlns:a14="http://schemas.microsoft.com/office/drawing/2010/main" w="9525">
                   <a:solidFill>
                     <a:srgbClr val="000000"/>
                   </a:solidFill>
@@ -965,7 +969,7 @@
             </a:ln>
             <a:extLst>
               <a:ext uri="{91240B29-F687-4f45-9708-019B960494DF}">
-                <a14:hiddenLine xmlns:a14="http://schemas.microsoft.com/office/drawing/2010/main" xmlns="" w="9525">
+                <a14:hiddenLine xmlns="" xmlns:a14="http://schemas.microsoft.com/office/drawing/2010/main" w="9525">
                   <a:solidFill>
                     <a:srgbClr val="000000"/>
                   </a:solidFill>
@@ -1055,7 +1059,7 @@
             </a:ln>
             <a:extLst>
               <a:ext uri="{91240B29-F687-4f45-9708-019B960494DF}">
-                <a14:hiddenLine xmlns:a14="http://schemas.microsoft.com/office/drawing/2010/main" xmlns="" w="9525">
+                <a14:hiddenLine xmlns="" xmlns:a14="http://schemas.microsoft.com/office/drawing/2010/main" w="9525">
                   <a:solidFill>
                     <a:srgbClr val="000000"/>
                   </a:solidFill>
@@ -1117,7 +1121,7 @@
             </a:ln>
             <a:extLst>
               <a:ext uri="{91240B29-F687-4f45-9708-019B960494DF}">
-                <a14:hiddenLine xmlns:a14="http://schemas.microsoft.com/office/drawing/2010/main" xmlns="" w="9525">
+                <a14:hiddenLine xmlns="" xmlns:a14="http://schemas.microsoft.com/office/drawing/2010/main" w="9525">
                   <a:solidFill>
                     <a:srgbClr val="000000"/>
                   </a:solidFill>
@@ -1227,7 +1231,7 @@
             </a:ln>
             <a:extLst>
               <a:ext uri="{91240B29-F687-4f45-9708-019B960494DF}">
-                <a14:hiddenLine xmlns:a14="http://schemas.microsoft.com/office/drawing/2010/main" xmlns="" w="9525">
+                <a14:hiddenLine xmlns="" xmlns:a14="http://schemas.microsoft.com/office/drawing/2010/main" w="9525">
                   <a:solidFill>
                     <a:srgbClr val="000000"/>
                   </a:solidFill>
@@ -1289,7 +1293,7 @@
             </a:ln>
             <a:extLst>
               <a:ext uri="{91240B29-F687-4f45-9708-019B960494DF}">
-                <a14:hiddenLine xmlns:a14="http://schemas.microsoft.com/office/drawing/2010/main" xmlns="" w="9525">
+                <a14:hiddenLine xmlns="" xmlns:a14="http://schemas.microsoft.com/office/drawing/2010/main" w="9525">
                   <a:solidFill>
                     <a:srgbClr val="000000"/>
                   </a:solidFill>
@@ -1379,7 +1383,7 @@
             </a:ln>
             <a:extLst>
               <a:ext uri="{91240B29-F687-4f45-9708-019B960494DF}">
-                <a14:hiddenLine xmlns:a14="http://schemas.microsoft.com/office/drawing/2010/main" xmlns="" w="9525">
+                <a14:hiddenLine xmlns="" xmlns:a14="http://schemas.microsoft.com/office/drawing/2010/main" w="9525">
                   <a:solidFill>
                     <a:srgbClr val="000000"/>
                   </a:solidFill>
@@ -1469,7 +1473,7 @@
             </a:ln>
             <a:extLst>
               <a:ext uri="{91240B29-F687-4f45-9708-019B960494DF}">
-                <a14:hiddenLine xmlns:a14="http://schemas.microsoft.com/office/drawing/2010/main" xmlns="" w="9525">
+                <a14:hiddenLine xmlns="" xmlns:a14="http://schemas.microsoft.com/office/drawing/2010/main" w="9525">
                   <a:solidFill>
                     <a:srgbClr val="000000"/>
                   </a:solidFill>
@@ -1531,7 +1535,7 @@
             </a:ln>
             <a:extLst>
               <a:ext uri="{91240B29-F687-4f45-9708-019B960494DF}">
-                <a14:hiddenLine xmlns:a14="http://schemas.microsoft.com/office/drawing/2010/main" xmlns="" w="9525">
+                <a14:hiddenLine xmlns="" xmlns:a14="http://schemas.microsoft.com/office/drawing/2010/main" w="9525">
                   <a:solidFill>
                     <a:srgbClr val="000000"/>
                   </a:solidFill>
@@ -1621,7 +1625,7 @@
             </a:ln>
             <a:extLst>
               <a:ext uri="{91240B29-F687-4f45-9708-019B960494DF}">
-                <a14:hiddenLine xmlns:a14="http://schemas.microsoft.com/office/drawing/2010/main" xmlns="" w="9525">
+                <a14:hiddenLine xmlns="" xmlns:a14="http://schemas.microsoft.com/office/drawing/2010/main" w="9525">
                   <a:solidFill>
                     <a:srgbClr val="000000"/>
                   </a:solidFill>
@@ -1711,7 +1715,7 @@
             </a:ln>
             <a:extLst>
               <a:ext uri="{91240B29-F687-4f45-9708-019B960494DF}">
-                <a14:hiddenLine xmlns:a14="http://schemas.microsoft.com/office/drawing/2010/main" xmlns="" w="9525">
+                <a14:hiddenLine xmlns="" xmlns:a14="http://schemas.microsoft.com/office/drawing/2010/main" w="9525">
                   <a:solidFill>
                     <a:srgbClr val="000000"/>
                   </a:solidFill>
@@ -1767,7 +1771,7 @@
             </a:ln>
             <a:extLst>
               <a:ext uri="{91240B29-F687-4f45-9708-019B960494DF}">
-                <a14:hiddenLine xmlns:a14="http://schemas.microsoft.com/office/drawing/2010/main" xmlns="" w="9525">
+                <a14:hiddenLine xmlns="" xmlns:a14="http://schemas.microsoft.com/office/drawing/2010/main" w="9525">
                   <a:solidFill>
                     <a:srgbClr val="000000"/>
                   </a:solidFill>
@@ -1857,7 +1861,7 @@
             </a:ln>
             <a:extLst>
               <a:ext uri="{91240B29-F687-4f45-9708-019B960494DF}">
-                <a14:hiddenLine xmlns:a14="http://schemas.microsoft.com/office/drawing/2010/main" xmlns="" w="9525">
+                <a14:hiddenLine xmlns="" xmlns:a14="http://schemas.microsoft.com/office/drawing/2010/main" w="9525">
                   <a:solidFill>
                     <a:srgbClr val="000000"/>
                   </a:solidFill>
@@ -1913,7 +1917,7 @@
             </a:ln>
             <a:extLst>
               <a:ext uri="{91240B29-F687-4f45-9708-019B960494DF}">
-                <a14:hiddenLine xmlns:a14="http://schemas.microsoft.com/office/drawing/2010/main" xmlns="" w="9525">
+                <a14:hiddenLine xmlns="" xmlns:a14="http://schemas.microsoft.com/office/drawing/2010/main" w="9525">
                   <a:solidFill>
                     <a:srgbClr val="000000"/>
                   </a:solidFill>
@@ -2003,7 +2007,7 @@
             </a:ln>
             <a:extLst>
               <a:ext uri="{91240B29-F687-4f45-9708-019B960494DF}">
-                <a14:hiddenLine xmlns:a14="http://schemas.microsoft.com/office/drawing/2010/main" xmlns="" w="9525">
+                <a14:hiddenLine xmlns="" xmlns:a14="http://schemas.microsoft.com/office/drawing/2010/main" w="9525">
                   <a:solidFill>
                     <a:srgbClr val="000000"/>
                   </a:solidFill>
@@ -2071,7 +2075,7 @@
             </a:ln>
             <a:extLst>
               <a:ext uri="{91240B29-F687-4f45-9708-019B960494DF}">
-                <a14:hiddenLine xmlns:a14="http://schemas.microsoft.com/office/drawing/2010/main" xmlns="" w="9525">
+                <a14:hiddenLine xmlns="" xmlns:a14="http://schemas.microsoft.com/office/drawing/2010/main" w="9525">
                   <a:solidFill>
                     <a:srgbClr val="000000"/>
                   </a:solidFill>
@@ -2161,7 +2165,7 @@
             </a:ln>
             <a:extLst>
               <a:ext uri="{91240B29-F687-4f45-9708-019B960494DF}">
-                <a14:hiddenLine xmlns:a14="http://schemas.microsoft.com/office/drawing/2010/main" xmlns="" w="9525">
+                <a14:hiddenLine xmlns="" xmlns:a14="http://schemas.microsoft.com/office/drawing/2010/main" w="9525">
                   <a:solidFill>
                     <a:srgbClr val="000000"/>
                   </a:solidFill>
@@ -2229,7 +2233,7 @@
             </a:ln>
             <a:extLst>
               <a:ext uri="{91240B29-F687-4f45-9708-019B960494DF}">
-                <a14:hiddenLine xmlns:a14="http://schemas.microsoft.com/office/drawing/2010/main" xmlns="" w="9525">
+                <a14:hiddenLine xmlns="" xmlns:a14="http://schemas.microsoft.com/office/drawing/2010/main" w="9525">
                   <a:solidFill>
                     <a:srgbClr val="000000"/>
                   </a:solidFill>
@@ -2319,7 +2323,7 @@
             </a:ln>
             <a:extLst>
               <a:ext uri="{91240B29-F687-4f45-9708-019B960494DF}">
-                <a14:hiddenLine xmlns:a14="http://schemas.microsoft.com/office/drawing/2010/main" xmlns="" w="9525">
+                <a14:hiddenLine xmlns="" xmlns:a14="http://schemas.microsoft.com/office/drawing/2010/main" w="9525">
                   <a:solidFill>
                     <a:srgbClr val="000000"/>
                   </a:solidFill>
@@ -2353,7 +2357,7 @@
             </a:ln>
             <a:extLst>
               <a:ext uri="{91240B29-F687-4f45-9708-019B960494DF}">
-                <a14:hiddenLine xmlns:a14="http://schemas.microsoft.com/office/drawing/2010/main" xmlns="" w="9525">
+                <a14:hiddenLine xmlns="" xmlns:a14="http://schemas.microsoft.com/office/drawing/2010/main" w="9525">
                   <a:solidFill>
                     <a:srgbClr val="000000"/>
                   </a:solidFill>
@@ -2443,7 +2447,7 @@
             </a:ln>
             <a:extLst>
               <a:ext uri="{91240B29-F687-4f45-9708-019B960494DF}">
-                <a14:hiddenLine xmlns:a14="http://schemas.microsoft.com/office/drawing/2010/main" xmlns="" w="9525">
+                <a14:hiddenLine xmlns="" xmlns:a14="http://schemas.microsoft.com/office/drawing/2010/main" w="9525">
                   <a:solidFill>
                     <a:srgbClr val="000000"/>
                   </a:solidFill>
@@ -2505,7 +2509,7 @@
             </a:ln>
             <a:extLst>
               <a:ext uri="{91240B29-F687-4f45-9708-019B960494DF}">
-                <a14:hiddenLine xmlns:a14="http://schemas.microsoft.com/office/drawing/2010/main" xmlns="" w="9525">
+                <a14:hiddenLine xmlns="" xmlns:a14="http://schemas.microsoft.com/office/drawing/2010/main" w="9525">
                   <a:solidFill>
                     <a:srgbClr val="000000"/>
                   </a:solidFill>
@@ -2567,7 +2571,7 @@
             </a:ln>
             <a:extLst>
               <a:ext uri="{91240B29-F687-4f45-9708-019B960494DF}">
-                <a14:hiddenLine xmlns:a14="http://schemas.microsoft.com/office/drawing/2010/main" xmlns="" w="9525">
+                <a14:hiddenLine xmlns="" xmlns:a14="http://schemas.microsoft.com/office/drawing/2010/main" w="9525">
                   <a:solidFill>
                     <a:srgbClr val="000000"/>
                   </a:solidFill>
@@ -2657,7 +2661,7 @@
             </a:ln>
             <a:extLst>
               <a:ext uri="{91240B29-F687-4f45-9708-019B960494DF}">
-                <a14:hiddenLine xmlns:a14="http://schemas.microsoft.com/office/drawing/2010/main" xmlns="" w="9525">
+                <a14:hiddenLine xmlns="" xmlns:a14="http://schemas.microsoft.com/office/drawing/2010/main" w="9525">
                   <a:solidFill>
                     <a:srgbClr val="000000"/>
                   </a:solidFill>
@@ -2725,7 +2729,7 @@
             </a:ln>
             <a:extLst>
               <a:ext uri="{91240B29-F687-4f45-9708-019B960494DF}">
-                <a14:hiddenLine xmlns:a14="http://schemas.microsoft.com/office/drawing/2010/main" xmlns="" w="9525">
+                <a14:hiddenLine xmlns="" xmlns:a14="http://schemas.microsoft.com/office/drawing/2010/main" w="9525">
                   <a:solidFill>
                     <a:srgbClr val="000000"/>
                   </a:solidFill>
@@ -2787,7 +2791,7 @@
             </a:ln>
             <a:extLst>
               <a:ext uri="{91240B29-F687-4f45-9708-019B960494DF}">
-                <a14:hiddenLine xmlns:a14="http://schemas.microsoft.com/office/drawing/2010/main" xmlns="" w="9525">
+                <a14:hiddenLine xmlns="" xmlns:a14="http://schemas.microsoft.com/office/drawing/2010/main" w="9525">
                   <a:solidFill>
                     <a:srgbClr val="000000"/>
                   </a:solidFill>
@@ -2877,7 +2881,7 @@
             </a:ln>
             <a:extLst>
               <a:ext uri="{91240B29-F687-4f45-9708-019B960494DF}">
-                <a14:hiddenLine xmlns:a14="http://schemas.microsoft.com/office/drawing/2010/main" xmlns="" w="9525">
+                <a14:hiddenLine xmlns="" xmlns:a14="http://schemas.microsoft.com/office/drawing/2010/main" w="9525">
                   <a:solidFill>
                     <a:srgbClr val="000000"/>
                   </a:solidFill>
@@ -2939,7 +2943,7 @@
             </a:ln>
             <a:extLst>
               <a:ext uri="{91240B29-F687-4f45-9708-019B960494DF}">
-                <a14:hiddenLine xmlns:a14="http://schemas.microsoft.com/office/drawing/2010/main" xmlns="" w="9525">
+                <a14:hiddenLine xmlns="" xmlns:a14="http://schemas.microsoft.com/office/drawing/2010/main" w="9525">
                   <a:solidFill>
                     <a:srgbClr val="000000"/>
                   </a:solidFill>
@@ -3029,7 +3033,7 @@
             </a:ln>
             <a:extLst>
               <a:ext uri="{91240B29-F687-4f45-9708-019B960494DF}">
-                <a14:hiddenLine xmlns:a14="http://schemas.microsoft.com/office/drawing/2010/main" xmlns="" w="9525">
+                <a14:hiddenLine xmlns="" xmlns:a14="http://schemas.microsoft.com/office/drawing/2010/main" w="9525">
                   <a:solidFill>
                     <a:srgbClr val="000000"/>
                   </a:solidFill>
@@ -3091,7 +3095,7 @@
             </a:ln>
             <a:extLst>
               <a:ext uri="{91240B29-F687-4f45-9708-019B960494DF}">
-                <a14:hiddenLine xmlns:a14="http://schemas.microsoft.com/office/drawing/2010/main" xmlns="" w="9525">
+                <a14:hiddenLine xmlns="" xmlns:a14="http://schemas.microsoft.com/office/drawing/2010/main" w="9525">
                   <a:solidFill>
                     <a:srgbClr val="000000"/>
                   </a:solidFill>
@@ -3181,7 +3185,7 @@
             </a:ln>
             <a:extLst>
               <a:ext uri="{91240B29-F687-4f45-9708-019B960494DF}">
-                <a14:hiddenLine xmlns:a14="http://schemas.microsoft.com/office/drawing/2010/main" xmlns="" w="9525">
+                <a14:hiddenLine xmlns="" xmlns:a14="http://schemas.microsoft.com/office/drawing/2010/main" w="9525">
                   <a:solidFill>
                     <a:srgbClr val="000000"/>
                   </a:solidFill>
@@ -3215,7 +3219,7 @@
             </a:ln>
             <a:extLst>
               <a:ext uri="{91240B29-F687-4f45-9708-019B960494DF}">
-                <a14:hiddenLine xmlns:a14="http://schemas.microsoft.com/office/drawing/2010/main" xmlns="" w="9525">
+                <a14:hiddenLine xmlns="" xmlns:a14="http://schemas.microsoft.com/office/drawing/2010/main" w="9525">
                   <a:solidFill>
                     <a:srgbClr val="000000"/>
                   </a:solidFill>
@@ -3280,7 +3284,7 @@
             </a:ln>
             <a:extLst>
               <a:ext uri="{91240B29-F687-4f45-9708-019B960494DF}">
-                <a14:hiddenLine xmlns:a14="http://schemas.microsoft.com/office/drawing/2010/main" xmlns="" w="9525">
+                <a14:hiddenLine xmlns="" xmlns:a14="http://schemas.microsoft.com/office/drawing/2010/main" w="9525">
                   <a:solidFill>
                     <a:srgbClr val="000000"/>
                   </a:solidFill>
@@ -3370,7 +3374,7 @@
             </a:ln>
             <a:extLst>
               <a:ext uri="{91240B29-F687-4f45-9708-019B960494DF}">
-                <a14:hiddenLine xmlns:a14="http://schemas.microsoft.com/office/drawing/2010/main" xmlns="" w="9525">
+                <a14:hiddenLine xmlns="" xmlns:a14="http://schemas.microsoft.com/office/drawing/2010/main" w="9525">
                   <a:solidFill>
                     <a:srgbClr val="000000"/>
                   </a:solidFill>
@@ -3432,7 +3436,7 @@
             </a:ln>
             <a:extLst>
               <a:ext uri="{91240B29-F687-4f45-9708-019B960494DF}">
-                <a14:hiddenLine xmlns:a14="http://schemas.microsoft.com/office/drawing/2010/main" xmlns="" w="9525">
+                <a14:hiddenLine xmlns="" xmlns:a14="http://schemas.microsoft.com/office/drawing/2010/main" w="9525">
                   <a:solidFill>
                     <a:srgbClr val="000000"/>
                   </a:solidFill>
@@ -3522,7 +3526,7 @@
             </a:ln>
             <a:extLst>
               <a:ext uri="{91240B29-F687-4f45-9708-019B960494DF}">
-                <a14:hiddenLine xmlns:a14="http://schemas.microsoft.com/office/drawing/2010/main" xmlns="" w="9525">
+                <a14:hiddenLine xmlns="" xmlns:a14="http://schemas.microsoft.com/office/drawing/2010/main" w="9525">
                   <a:solidFill>
                     <a:srgbClr val="000000"/>
                   </a:solidFill>
@@ -3612,7 +3616,7 @@
             </a:ln>
             <a:extLst>
               <a:ext uri="{91240B29-F687-4f45-9708-019B960494DF}">
-                <a14:hiddenLine xmlns:a14="http://schemas.microsoft.com/office/drawing/2010/main" xmlns="" w="9525">
+                <a14:hiddenLine xmlns="" xmlns:a14="http://schemas.microsoft.com/office/drawing/2010/main" w="9525">
                   <a:solidFill>
                     <a:srgbClr val="000000"/>
                   </a:solidFill>
@@ -3677,7 +3681,7 @@
             </a:ln>
             <a:extLst>
               <a:ext uri="{91240B29-F687-4f45-9708-019B960494DF}">
-                <a14:hiddenLine xmlns:a14="http://schemas.microsoft.com/office/drawing/2010/main" xmlns="" w="9525">
+                <a14:hiddenLine xmlns="" xmlns:a14="http://schemas.microsoft.com/office/drawing/2010/main" w="9525">
                   <a:solidFill>
                     <a:srgbClr val="000000"/>
                   </a:solidFill>
@@ -3739,7 +3743,7 @@
             </a:ln>
             <a:extLst>
               <a:ext uri="{91240B29-F687-4f45-9708-019B960494DF}">
-                <a14:hiddenLine xmlns:a14="http://schemas.microsoft.com/office/drawing/2010/main" xmlns="" w="9525">
+                <a14:hiddenLine xmlns="" xmlns:a14="http://schemas.microsoft.com/office/drawing/2010/main" w="9525">
                   <a:solidFill>
                     <a:srgbClr val="000000"/>
                   </a:solidFill>
@@ -3829,7 +3833,7 @@
             </a:ln>
             <a:extLst>
               <a:ext uri="{91240B29-F687-4f45-9708-019B960494DF}">
-                <a14:hiddenLine xmlns:a14="http://schemas.microsoft.com/office/drawing/2010/main" xmlns="" w="9525">
+                <a14:hiddenLine xmlns="" xmlns:a14="http://schemas.microsoft.com/office/drawing/2010/main" w="9525">
                   <a:solidFill>
                     <a:srgbClr val="000000"/>
                   </a:solidFill>
@@ -3919,7 +3923,7 @@
             </a:ln>
             <a:extLst>
               <a:ext uri="{91240B29-F687-4f45-9708-019B960494DF}">
-                <a14:hiddenLine xmlns:a14="http://schemas.microsoft.com/office/drawing/2010/main" xmlns="" w="9525">
+                <a14:hiddenLine xmlns="" xmlns:a14="http://schemas.microsoft.com/office/drawing/2010/main" w="9525">
                   <a:solidFill>
                     <a:srgbClr val="000000"/>
                   </a:solidFill>
@@ -3981,7 +3985,7 @@
             </a:ln>
             <a:extLst>
               <a:ext uri="{91240B29-F687-4f45-9708-019B960494DF}">
-                <a14:hiddenLine xmlns:a14="http://schemas.microsoft.com/office/drawing/2010/main" xmlns="" w="9525">
+                <a14:hiddenLine xmlns="" xmlns:a14="http://schemas.microsoft.com/office/drawing/2010/main" w="9525">
                   <a:solidFill>
                     <a:srgbClr val="000000"/>
                   </a:solidFill>
@@ -4101,7 +4105,7 @@
             </a:ln>
             <a:extLst>
               <a:ext uri="{91240B29-F687-4f45-9708-019B960494DF}">
-                <a14:hiddenLine xmlns:a14="http://schemas.microsoft.com/office/drawing/2010/main" xmlns="" w="9525">
+                <a14:hiddenLine xmlns="" xmlns:a14="http://schemas.microsoft.com/office/drawing/2010/main" w="9525">
                   <a:solidFill>
                     <a:srgbClr val="000000"/>
                   </a:solidFill>
@@ -4169,7 +4173,7 @@
             </a:ln>
             <a:extLst>
               <a:ext uri="{91240B29-F687-4f45-9708-019B960494DF}">
-                <a14:hiddenLine xmlns:a14="http://schemas.microsoft.com/office/drawing/2010/main" xmlns="" w="9525">
+                <a14:hiddenLine xmlns="" xmlns:a14="http://schemas.microsoft.com/office/drawing/2010/main" w="9525">
                   <a:solidFill>
                     <a:srgbClr val="000000"/>
                   </a:solidFill>
@@ -4259,7 +4263,7 @@
             </a:ln>
             <a:extLst>
               <a:ext uri="{91240B29-F687-4f45-9708-019B960494DF}">
-                <a14:hiddenLine xmlns:a14="http://schemas.microsoft.com/office/drawing/2010/main" xmlns="" w="9525">
+                <a14:hiddenLine xmlns="" xmlns:a14="http://schemas.microsoft.com/office/drawing/2010/main" w="9525">
                   <a:solidFill>
                     <a:srgbClr val="000000"/>
                   </a:solidFill>
@@ -4399,7 +4403,7 @@
           <a:p>
             <a:fld id="{48A87A34-81AB-432B-8DAE-1953F412C126}" type="datetimeFigureOut">
               <a:rPr lang="en-US" dirty="0"/>
-              <a:t>1/17/2022</a:t>
+              <a:t>1/20/2022</a:t>
             </a:fld>
             <a:endParaRPr lang="en-US" dirty="0"/>
           </a:p>
@@ -4661,7 +4665,7 @@
           <a:p>
             <a:fld id="{48A87A34-81AB-432B-8DAE-1953F412C126}" type="datetimeFigureOut">
               <a:rPr lang="en-US" dirty="0"/>
-              <a:t>1/17/2022</a:t>
+              <a:t>1/20/2022</a:t>
             </a:fld>
             <a:endParaRPr lang="en-US" dirty="0"/>
           </a:p>
@@ -4852,7 +4856,7 @@
           <a:p>
             <a:fld id="{48A87A34-81AB-432B-8DAE-1953F412C126}" type="datetimeFigureOut">
               <a:rPr lang="en-US" dirty="0"/>
-              <a:t>1/17/2022</a:t>
+              <a:t>1/20/2022</a:t>
             </a:fld>
             <a:endParaRPr lang="en-US" dirty="0"/>
           </a:p>
@@ -5110,7 +5114,7 @@
           <a:p>
             <a:fld id="{48A87A34-81AB-432B-8DAE-1953F412C126}" type="datetimeFigureOut">
               <a:rPr lang="en-US" dirty="0"/>
-              <a:t>1/17/2022</a:t>
+              <a:t>1/20/2022</a:t>
             </a:fld>
             <a:endParaRPr lang="en-US" dirty="0"/>
           </a:p>
@@ -5539,7 +5543,7 @@
           <a:p>
             <a:fld id="{48A87A34-81AB-432B-8DAE-1953F412C126}" type="datetimeFigureOut">
               <a:rPr lang="en-US" dirty="0"/>
-              <a:t>1/17/2022</a:t>
+              <a:t>1/20/2022</a:t>
             </a:fld>
             <a:endParaRPr lang="en-US" dirty="0"/>
           </a:p>
@@ -6080,7 +6084,7 @@
           <a:p>
             <a:fld id="{48A87A34-81AB-432B-8DAE-1953F412C126}" type="datetimeFigureOut">
               <a:rPr lang="en-US" dirty="0"/>
-              <a:t>1/17/2022</a:t>
+              <a:t>1/20/2022</a:t>
             </a:fld>
             <a:endParaRPr lang="en-US" dirty="0"/>
           </a:p>
@@ -6795,7 +6799,7 @@
           <a:p>
             <a:fld id="{48A87A34-81AB-432B-8DAE-1953F412C126}" type="datetimeFigureOut">
               <a:rPr lang="en-US" dirty="0"/>
-              <a:t>1/17/2022</a:t>
+              <a:t>1/20/2022</a:t>
             </a:fld>
             <a:endParaRPr lang="en-US" dirty="0"/>
           </a:p>
@@ -6960,7 +6964,7 @@
           <a:p>
             <a:fld id="{48A87A34-81AB-432B-8DAE-1953F412C126}" type="datetimeFigureOut">
               <a:rPr lang="en-US" dirty="0"/>
-              <a:t>1/17/2022</a:t>
+              <a:t>1/20/2022</a:t>
             </a:fld>
             <a:endParaRPr lang="en-US" dirty="0"/>
           </a:p>
@@ -7135,7 +7139,7 @@
           <a:p>
             <a:fld id="{48A87A34-81AB-432B-8DAE-1953F412C126}" type="datetimeFigureOut">
               <a:rPr lang="en-US" dirty="0"/>
-              <a:t>1/17/2022</a:t>
+              <a:t>1/20/2022</a:t>
             </a:fld>
             <a:endParaRPr lang="en-US" dirty="0"/>
           </a:p>
@@ -7300,7 +7304,7 @@
           <a:p>
             <a:fld id="{48A87A34-81AB-432B-8DAE-1953F412C126}" type="datetimeFigureOut">
               <a:rPr lang="en-US" dirty="0"/>
-              <a:t>1/17/2022</a:t>
+              <a:t>1/20/2022</a:t>
             </a:fld>
             <a:endParaRPr lang="en-US" dirty="0"/>
           </a:p>
@@ -7545,7 +7549,7 @@
           <a:p>
             <a:fld id="{48A87A34-81AB-432B-8DAE-1953F412C126}" type="datetimeFigureOut">
               <a:rPr lang="en-US" dirty="0"/>
-              <a:t>1/17/2022</a:t>
+              <a:t>1/20/2022</a:t>
             </a:fld>
             <a:endParaRPr lang="en-US" dirty="0"/>
           </a:p>
@@ -7772,7 +7776,7 @@
           <a:p>
             <a:fld id="{48A87A34-81AB-432B-8DAE-1953F412C126}" type="datetimeFigureOut">
               <a:rPr lang="en-US" dirty="0"/>
-              <a:t>1/17/2022</a:t>
+              <a:t>1/20/2022</a:t>
             </a:fld>
             <a:endParaRPr lang="en-US" dirty="0"/>
           </a:p>
@@ -8148,7 +8152,7 @@
           <a:p>
             <a:fld id="{48A87A34-81AB-432B-8DAE-1953F412C126}" type="datetimeFigureOut">
               <a:rPr lang="en-US" dirty="0"/>
-              <a:t>1/17/2022</a:t>
+              <a:t>1/20/2022</a:t>
             </a:fld>
             <a:endParaRPr lang="en-US" dirty="0"/>
           </a:p>
@@ -8261,7 +8265,7 @@
           <a:p>
             <a:fld id="{48A87A34-81AB-432B-8DAE-1953F412C126}" type="datetimeFigureOut">
               <a:rPr lang="en-US" dirty="0"/>
-              <a:t>1/17/2022</a:t>
+              <a:t>1/20/2022</a:t>
             </a:fld>
             <a:endParaRPr lang="en-US" dirty="0"/>
           </a:p>
@@ -8351,7 +8355,7 @@
           <a:p>
             <a:fld id="{48A87A34-81AB-432B-8DAE-1953F412C126}" type="datetimeFigureOut">
               <a:rPr lang="en-US" dirty="0"/>
-              <a:t>1/17/2022</a:t>
+              <a:t>1/20/2022</a:t>
             </a:fld>
             <a:endParaRPr lang="en-US" dirty="0"/>
           </a:p>
@@ -8595,7 +8599,7 @@
           <a:p>
             <a:fld id="{48A87A34-81AB-432B-8DAE-1953F412C126}" type="datetimeFigureOut">
               <a:rPr lang="en-US" dirty="0"/>
-              <a:t>1/17/2022</a:t>
+              <a:t>1/20/2022</a:t>
             </a:fld>
             <a:endParaRPr lang="en-US" dirty="0"/>
           </a:p>
@@ -8870,7 +8874,7 @@
           <a:p>
             <a:fld id="{48A87A34-81AB-432B-8DAE-1953F412C126}" type="datetimeFigureOut">
               <a:rPr lang="en-US" dirty="0"/>
-              <a:t>1/17/2022</a:t>
+              <a:t>1/20/2022</a:t>
             </a:fld>
             <a:endParaRPr lang="en-US" dirty="0"/>
           </a:p>
@@ -8981,7 +8985,7 @@
           <a:noFill/>
           <a:extLst>
             <a:ext uri="{909E8E84-426E-40dd-AFC4-6F175D3DCCD1}">
-              <a14:hiddenFill xmlns:a14="http://schemas.microsoft.com/office/drawing/2010/main" xmlns="">
+              <a14:hiddenFill xmlns="" xmlns:a14="http://schemas.microsoft.com/office/drawing/2010/main">
                 <a:solidFill>
                   <a:srgbClr val="FFFFFF"/>
                 </a:solidFill>
@@ -9055,7 +9059,7 @@
               </a:ln>
               <a:extLst>
                 <a:ext uri="{91240B29-F687-4f45-9708-019B960494DF}">
-                  <a14:hiddenLine xmlns:a14="http://schemas.microsoft.com/office/drawing/2010/main" xmlns="" w="9525">
+                  <a14:hiddenLine xmlns="" xmlns:a14="http://schemas.microsoft.com/office/drawing/2010/main" w="9525">
                     <a:solidFill>
                       <a:srgbClr val="000000"/>
                     </a:solidFill>
@@ -9145,7 +9149,7 @@
               </a:ln>
               <a:extLst>
                 <a:ext uri="{91240B29-F687-4f45-9708-019B960494DF}">
-                  <a14:hiddenLine xmlns:a14="http://schemas.microsoft.com/office/drawing/2010/main" xmlns="" w="9525">
+                  <a14:hiddenLine xmlns="" xmlns:a14="http://schemas.microsoft.com/office/drawing/2010/main" w="9525">
                     <a:solidFill>
                       <a:srgbClr val="000000"/>
                     </a:solidFill>
@@ -9235,7 +9239,7 @@
               </a:ln>
               <a:extLst>
                 <a:ext uri="{91240B29-F687-4f45-9708-019B960494DF}">
-                  <a14:hiddenLine xmlns:a14="http://schemas.microsoft.com/office/drawing/2010/main" xmlns="" w="9525">
+                  <a14:hiddenLine xmlns="" xmlns:a14="http://schemas.microsoft.com/office/drawing/2010/main" w="9525">
                     <a:solidFill>
                       <a:srgbClr val="000000"/>
                     </a:solidFill>
@@ -9297,7 +9301,7 @@
               </a:ln>
               <a:extLst>
                 <a:ext uri="{91240B29-F687-4f45-9708-019B960494DF}">
-                  <a14:hiddenLine xmlns:a14="http://schemas.microsoft.com/office/drawing/2010/main" xmlns="" w="9525">
+                  <a14:hiddenLine xmlns="" xmlns:a14="http://schemas.microsoft.com/office/drawing/2010/main" w="9525">
                     <a:solidFill>
                       <a:srgbClr val="000000"/>
                     </a:solidFill>
@@ -9387,7 +9391,7 @@
               </a:ln>
               <a:extLst>
                 <a:ext uri="{91240B29-F687-4f45-9708-019B960494DF}">
-                  <a14:hiddenLine xmlns:a14="http://schemas.microsoft.com/office/drawing/2010/main" xmlns="" w="9525">
+                  <a14:hiddenLine xmlns="" xmlns:a14="http://schemas.microsoft.com/office/drawing/2010/main" w="9525">
                     <a:solidFill>
                       <a:srgbClr val="000000"/>
                     </a:solidFill>
@@ -9449,7 +9453,7 @@
               </a:ln>
               <a:extLst>
                 <a:ext uri="{91240B29-F687-4f45-9708-019B960494DF}">
-                  <a14:hiddenLine xmlns:a14="http://schemas.microsoft.com/office/drawing/2010/main" xmlns="" w="9525">
+                  <a14:hiddenLine xmlns="" xmlns:a14="http://schemas.microsoft.com/office/drawing/2010/main" w="9525">
                     <a:solidFill>
                       <a:srgbClr val="000000"/>
                     </a:solidFill>
@@ -9511,7 +9515,7 @@
               </a:ln>
               <a:extLst>
                 <a:ext uri="{91240B29-F687-4f45-9708-019B960494DF}">
-                  <a14:hiddenLine xmlns:a14="http://schemas.microsoft.com/office/drawing/2010/main" xmlns="" w="9525">
+                  <a14:hiddenLine xmlns="" xmlns:a14="http://schemas.microsoft.com/office/drawing/2010/main" w="9525">
                     <a:solidFill>
                       <a:srgbClr val="000000"/>
                     </a:solidFill>
@@ -9601,7 +9605,7 @@
               </a:ln>
               <a:extLst>
                 <a:ext uri="{91240B29-F687-4f45-9708-019B960494DF}">
-                  <a14:hiddenLine xmlns:a14="http://schemas.microsoft.com/office/drawing/2010/main" xmlns="" w="9525">
+                  <a14:hiddenLine xmlns="" xmlns:a14="http://schemas.microsoft.com/office/drawing/2010/main" w="9525">
                     <a:solidFill>
                       <a:srgbClr val="000000"/>
                     </a:solidFill>
@@ -9691,7 +9695,7 @@
               </a:ln>
               <a:extLst>
                 <a:ext uri="{91240B29-F687-4f45-9708-019B960494DF}">
-                  <a14:hiddenLine xmlns:a14="http://schemas.microsoft.com/office/drawing/2010/main" xmlns="" w="9525">
+                  <a14:hiddenLine xmlns="" xmlns:a14="http://schemas.microsoft.com/office/drawing/2010/main" w="9525">
                     <a:solidFill>
                       <a:srgbClr val="000000"/>
                     </a:solidFill>
@@ -9753,7 +9757,7 @@
               </a:ln>
               <a:extLst>
                 <a:ext uri="{91240B29-F687-4f45-9708-019B960494DF}">
-                  <a14:hiddenLine xmlns:a14="http://schemas.microsoft.com/office/drawing/2010/main" xmlns="" w="9525">
+                  <a14:hiddenLine xmlns="" xmlns:a14="http://schemas.microsoft.com/office/drawing/2010/main" w="9525">
                     <a:solidFill>
                       <a:srgbClr val="000000"/>
                     </a:solidFill>
@@ -9863,7 +9867,7 @@
               </a:ln>
               <a:extLst>
                 <a:ext uri="{91240B29-F687-4f45-9708-019B960494DF}">
-                  <a14:hiddenLine xmlns:a14="http://schemas.microsoft.com/office/drawing/2010/main" xmlns="" w="9525">
+                  <a14:hiddenLine xmlns="" xmlns:a14="http://schemas.microsoft.com/office/drawing/2010/main" w="9525">
                     <a:solidFill>
                       <a:srgbClr val="000000"/>
                     </a:solidFill>
@@ -9947,7 +9951,7 @@
               </a:ln>
               <a:extLst>
                 <a:ext uri="{91240B29-F687-4f45-9708-019B960494DF}">
-                  <a14:hiddenLine xmlns:a14="http://schemas.microsoft.com/office/drawing/2010/main" xmlns="" w="9525">
+                  <a14:hiddenLine xmlns="" xmlns:a14="http://schemas.microsoft.com/office/drawing/2010/main" w="9525">
                     <a:solidFill>
                       <a:srgbClr val="000000"/>
                     </a:solidFill>
@@ -10009,7 +10013,7 @@
               </a:ln>
               <a:extLst>
                 <a:ext uri="{91240B29-F687-4f45-9708-019B960494DF}">
-                  <a14:hiddenLine xmlns:a14="http://schemas.microsoft.com/office/drawing/2010/main" xmlns="" w="9525">
+                  <a14:hiddenLine xmlns="" xmlns:a14="http://schemas.microsoft.com/office/drawing/2010/main" w="9525">
                     <a:solidFill>
                       <a:srgbClr val="000000"/>
                     </a:solidFill>
@@ -10071,7 +10075,7 @@
               </a:ln>
               <a:extLst>
                 <a:ext uri="{91240B29-F687-4f45-9708-019B960494DF}">
-                  <a14:hiddenLine xmlns:a14="http://schemas.microsoft.com/office/drawing/2010/main" xmlns="" w="9525">
+                  <a14:hiddenLine xmlns="" xmlns:a14="http://schemas.microsoft.com/office/drawing/2010/main" w="9525">
                     <a:solidFill>
                       <a:srgbClr val="000000"/>
                     </a:solidFill>
@@ -10161,7 +10165,7 @@
               </a:ln>
               <a:extLst>
                 <a:ext uri="{91240B29-F687-4f45-9708-019B960494DF}">
-                  <a14:hiddenLine xmlns:a14="http://schemas.microsoft.com/office/drawing/2010/main" xmlns="" w="9525">
+                  <a14:hiddenLine xmlns="" xmlns:a14="http://schemas.microsoft.com/office/drawing/2010/main" w="9525">
                     <a:solidFill>
                       <a:srgbClr val="000000"/>
                     </a:solidFill>
@@ -10195,7 +10199,7 @@
               </a:ln>
               <a:extLst>
                 <a:ext uri="{91240B29-F687-4f45-9708-019B960494DF}">
-                  <a14:hiddenLine xmlns:a14="http://schemas.microsoft.com/office/drawing/2010/main" xmlns="" w="9525">
+                  <a14:hiddenLine xmlns="" xmlns:a14="http://schemas.microsoft.com/office/drawing/2010/main" w="9525">
                     <a:solidFill>
                       <a:srgbClr val="000000"/>
                     </a:solidFill>
@@ -10260,7 +10264,7 @@
               </a:ln>
               <a:extLst>
                 <a:ext uri="{91240B29-F687-4f45-9708-019B960494DF}">
-                  <a14:hiddenLine xmlns:a14="http://schemas.microsoft.com/office/drawing/2010/main" xmlns="" w="9525">
+                  <a14:hiddenLine xmlns="" xmlns:a14="http://schemas.microsoft.com/office/drawing/2010/main" w="9525">
                     <a:solidFill>
                       <a:srgbClr val="000000"/>
                     </a:solidFill>
@@ -10350,7 +10354,7 @@
               </a:ln>
               <a:extLst>
                 <a:ext uri="{91240B29-F687-4f45-9708-019B960494DF}">
-                  <a14:hiddenLine xmlns:a14="http://schemas.microsoft.com/office/drawing/2010/main" xmlns="" w="9525">
+                  <a14:hiddenLine xmlns="" xmlns:a14="http://schemas.microsoft.com/office/drawing/2010/main" w="9525">
                     <a:solidFill>
                       <a:srgbClr val="000000"/>
                     </a:solidFill>
@@ -10412,7 +10416,7 @@
               </a:ln>
               <a:extLst>
                 <a:ext uri="{91240B29-F687-4f45-9708-019B960494DF}">
-                  <a14:hiddenLine xmlns:a14="http://schemas.microsoft.com/office/drawing/2010/main" xmlns="" w="9525">
+                  <a14:hiddenLine xmlns="" xmlns:a14="http://schemas.microsoft.com/office/drawing/2010/main" w="9525">
                     <a:solidFill>
                       <a:srgbClr val="000000"/>
                     </a:solidFill>
@@ -10502,7 +10506,7 @@
               </a:ln>
               <a:extLst>
                 <a:ext uri="{91240B29-F687-4f45-9708-019B960494DF}">
-                  <a14:hiddenLine xmlns:a14="http://schemas.microsoft.com/office/drawing/2010/main" xmlns="" w="9525">
+                  <a14:hiddenLine xmlns="" xmlns:a14="http://schemas.microsoft.com/office/drawing/2010/main" w="9525">
                     <a:solidFill>
                       <a:srgbClr val="000000"/>
                     </a:solidFill>
@@ -10567,7 +10571,7 @@
               </a:ln>
               <a:extLst>
                 <a:ext uri="{91240B29-F687-4f45-9708-019B960494DF}">
-                  <a14:hiddenLine xmlns:a14="http://schemas.microsoft.com/office/drawing/2010/main" xmlns="" w="9525">
+                  <a14:hiddenLine xmlns="" xmlns:a14="http://schemas.microsoft.com/office/drawing/2010/main" w="9525">
                     <a:solidFill>
                       <a:srgbClr val="000000"/>
                     </a:solidFill>
@@ -10629,7 +10633,7 @@
               </a:ln>
               <a:extLst>
                 <a:ext uri="{91240B29-F687-4f45-9708-019B960494DF}">
-                  <a14:hiddenLine xmlns:a14="http://schemas.microsoft.com/office/drawing/2010/main" xmlns="" w="9525">
+                  <a14:hiddenLine xmlns="" xmlns:a14="http://schemas.microsoft.com/office/drawing/2010/main" w="9525">
                     <a:solidFill>
                       <a:srgbClr val="000000"/>
                     </a:solidFill>
@@ -10719,7 +10723,7 @@
               </a:ln>
               <a:extLst>
                 <a:ext uri="{91240B29-F687-4f45-9708-019B960494DF}">
-                  <a14:hiddenLine xmlns:a14="http://schemas.microsoft.com/office/drawing/2010/main" xmlns="" w="9525">
+                  <a14:hiddenLine xmlns="" xmlns:a14="http://schemas.microsoft.com/office/drawing/2010/main" w="9525">
                     <a:solidFill>
                       <a:srgbClr val="000000"/>
                     </a:solidFill>
@@ -10809,7 +10813,7 @@
               </a:ln>
               <a:extLst>
                 <a:ext uri="{91240B29-F687-4f45-9708-019B960494DF}">
-                  <a14:hiddenLine xmlns:a14="http://schemas.microsoft.com/office/drawing/2010/main" xmlns="" w="9525">
+                  <a14:hiddenLine xmlns="" xmlns:a14="http://schemas.microsoft.com/office/drawing/2010/main" w="9525">
                     <a:solidFill>
                       <a:srgbClr val="000000"/>
                     </a:solidFill>
@@ -10874,7 +10878,7 @@
               </a:ln>
               <a:extLst>
                 <a:ext uri="{91240B29-F687-4f45-9708-019B960494DF}">
-                  <a14:hiddenLine xmlns:a14="http://schemas.microsoft.com/office/drawing/2010/main" xmlns="" w="9525">
+                  <a14:hiddenLine xmlns="" xmlns:a14="http://schemas.microsoft.com/office/drawing/2010/main" w="9525">
                     <a:solidFill>
                       <a:srgbClr val="000000"/>
                     </a:solidFill>
@@ -10994,7 +10998,7 @@
               </a:ln>
               <a:extLst>
                 <a:ext uri="{91240B29-F687-4f45-9708-019B960494DF}">
-                  <a14:hiddenLine xmlns:a14="http://schemas.microsoft.com/office/drawing/2010/main" xmlns="" w="9525">
+                  <a14:hiddenLine xmlns="" xmlns:a14="http://schemas.microsoft.com/office/drawing/2010/main" w="9525">
                     <a:solidFill>
                       <a:srgbClr val="000000"/>
                     </a:solidFill>
@@ -11092,7 +11096,7 @@
               </a:ln>
               <a:extLst>
                 <a:ext uri="{91240B29-F687-4f45-9708-019B960494DF}">
-                  <a14:hiddenLine xmlns:a14="http://schemas.microsoft.com/office/drawing/2010/main" xmlns="" w="9525">
+                  <a14:hiddenLine xmlns="" xmlns:a14="http://schemas.microsoft.com/office/drawing/2010/main" w="9525">
                     <a:solidFill>
                       <a:srgbClr val="000000"/>
                     </a:solidFill>
@@ -11207,7 +11211,7 @@
               </a:ln>
               <a:extLst>
                 <a:ext uri="{91240B29-F687-4f45-9708-019B960494DF}">
-                  <a14:hiddenLine xmlns:a14="http://schemas.microsoft.com/office/drawing/2010/main" xmlns="" w="9525">
+                  <a14:hiddenLine xmlns="" xmlns:a14="http://schemas.microsoft.com/office/drawing/2010/main" w="9525">
                     <a:solidFill>
                       <a:srgbClr val="000000"/>
                     </a:solidFill>
@@ -11297,7 +11301,7 @@
               </a:ln>
               <a:extLst>
                 <a:ext uri="{91240B29-F687-4f45-9708-019B960494DF}">
-                  <a14:hiddenLine xmlns:a14="http://schemas.microsoft.com/office/drawing/2010/main" xmlns="" w="9525">
+                  <a14:hiddenLine xmlns="" xmlns:a14="http://schemas.microsoft.com/office/drawing/2010/main" w="9525">
                     <a:solidFill>
                       <a:srgbClr val="000000"/>
                     </a:solidFill>
@@ -11362,7 +11366,7 @@
               </a:ln>
               <a:extLst>
                 <a:ext uri="{91240B29-F687-4f45-9708-019B960494DF}">
-                  <a14:hiddenLine xmlns:a14="http://schemas.microsoft.com/office/drawing/2010/main" xmlns="" w="9525">
+                  <a14:hiddenLine xmlns="" xmlns:a14="http://schemas.microsoft.com/office/drawing/2010/main" w="9525">
                     <a:solidFill>
                       <a:srgbClr val="000000"/>
                     </a:solidFill>
@@ -11452,7 +11456,7 @@
               </a:ln>
               <a:extLst>
                 <a:ext uri="{91240B29-F687-4f45-9708-019B960494DF}">
-                  <a14:hiddenLine xmlns:a14="http://schemas.microsoft.com/office/drawing/2010/main" xmlns="" w="9525">
+                  <a14:hiddenLine xmlns="" xmlns:a14="http://schemas.microsoft.com/office/drawing/2010/main" w="9525">
                     <a:solidFill>
                       <a:srgbClr val="000000"/>
                     </a:solidFill>
@@ -11520,7 +11524,7 @@
               </a:ln>
               <a:extLst>
                 <a:ext uri="{91240B29-F687-4f45-9708-019B960494DF}">
-                  <a14:hiddenLine xmlns:a14="http://schemas.microsoft.com/office/drawing/2010/main" xmlns="" w="9525">
+                  <a14:hiddenLine xmlns="" xmlns:a14="http://schemas.microsoft.com/office/drawing/2010/main" w="9525">
                     <a:solidFill>
                       <a:srgbClr val="000000"/>
                     </a:solidFill>
@@ -11610,7 +11614,7 @@
               </a:ln>
               <a:extLst>
                 <a:ext uri="{91240B29-F687-4f45-9708-019B960494DF}">
-                  <a14:hiddenLine xmlns:a14="http://schemas.microsoft.com/office/drawing/2010/main" xmlns="" w="9525">
+                  <a14:hiddenLine xmlns="" xmlns:a14="http://schemas.microsoft.com/office/drawing/2010/main" w="9525">
                     <a:solidFill>
                       <a:srgbClr val="000000"/>
                     </a:solidFill>
@@ -11678,7 +11682,7 @@
               </a:ln>
               <a:extLst>
                 <a:ext uri="{91240B29-F687-4f45-9708-019B960494DF}">
-                  <a14:hiddenLine xmlns:a14="http://schemas.microsoft.com/office/drawing/2010/main" xmlns="" w="9525">
+                  <a14:hiddenLine xmlns="" xmlns:a14="http://schemas.microsoft.com/office/drawing/2010/main" w="9525">
                     <a:solidFill>
                       <a:srgbClr val="000000"/>
                     </a:solidFill>
@@ -11768,7 +11772,7 @@
               </a:ln>
               <a:extLst>
                 <a:ext uri="{91240B29-F687-4f45-9708-019B960494DF}">
-                  <a14:hiddenLine xmlns:a14="http://schemas.microsoft.com/office/drawing/2010/main" xmlns="" w="9525">
+                  <a14:hiddenLine xmlns="" xmlns:a14="http://schemas.microsoft.com/office/drawing/2010/main" w="9525">
                     <a:solidFill>
                       <a:srgbClr val="000000"/>
                     </a:solidFill>
@@ -11802,7 +11806,7 @@
               </a:ln>
               <a:extLst>
                 <a:ext uri="{91240B29-F687-4f45-9708-019B960494DF}">
-                  <a14:hiddenLine xmlns:a14="http://schemas.microsoft.com/office/drawing/2010/main" xmlns="" w="9525">
+                  <a14:hiddenLine xmlns="" xmlns:a14="http://schemas.microsoft.com/office/drawing/2010/main" w="9525">
                     <a:solidFill>
                       <a:srgbClr val="000000"/>
                     </a:solidFill>
@@ -11943,7 +11947,7 @@
             <a:fld id="{48A87A34-81AB-432B-8DAE-1953F412C126}" type="datetimeFigureOut">
               <a:rPr lang="en-US" dirty="0"/>
               <a:pPr/>
-              <a:t>1/17/2022</a:t>
+              <a:t>1/20/2022</a:t>
             </a:fld>
             <a:endParaRPr lang="en-US" dirty="0"/>
           </a:p>
@@ -12389,6 +12393,36 @@
           </a:prstGeom>
         </p:spPr>
       </p:pic>
+      <p:pic>
+        <p:nvPicPr>
+          <p:cNvPr id="2" name="Image 1">
+            <a:extLst>
+              <a:ext uri="{FF2B5EF4-FFF2-40B4-BE49-F238E27FC236}">
+                <a16:creationId xmlns:a16="http://schemas.microsoft.com/office/drawing/2014/main" id="{72E276C9-374E-4F9F-A8CD-DC440650344C}"/>
+              </a:ext>
+            </a:extLst>
+          </p:cNvPr>
+          <p:cNvPicPr>
+            <a:picLocks noChangeAspect="1"/>
+          </p:cNvPicPr>
+          <p:nvPr/>
+        </p:nvPicPr>
+        <p:blipFill>
+          <a:blip r:embed="rId3"/>
+          <a:stretch>
+            <a:fillRect/>
+          </a:stretch>
+        </p:blipFill>
+        <p:spPr>
+          <a:xfrm>
+            <a:off x="11006173" y="6058565"/>
+            <a:ext cx="1040825" cy="648514"/>
+          </a:xfrm>
+          <a:prstGeom prst="rect">
+            <a:avLst/>
+          </a:prstGeom>
+        </p:spPr>
+      </p:pic>
     </p:spTree>
     <p:extLst>
       <p:ext uri="{BB962C8B-B14F-4D97-AF65-F5344CB8AC3E}">
@@ -12588,6 +12622,36 @@
           </a:p>
         </p:txBody>
       </p:sp>
+      <p:pic>
+        <p:nvPicPr>
+          <p:cNvPr id="4" name="Image 3">
+            <a:extLst>
+              <a:ext uri="{FF2B5EF4-FFF2-40B4-BE49-F238E27FC236}">
+                <a16:creationId xmlns:a16="http://schemas.microsoft.com/office/drawing/2014/main" id="{902B6EDA-CA84-4644-B02E-03E0B31EAC8E}"/>
+              </a:ext>
+            </a:extLst>
+          </p:cNvPr>
+          <p:cNvPicPr>
+            <a:picLocks noChangeAspect="1"/>
+          </p:cNvPicPr>
+          <p:nvPr/>
+        </p:nvPicPr>
+        <p:blipFill>
+          <a:blip r:embed="rId4"/>
+          <a:stretch>
+            <a:fillRect/>
+          </a:stretch>
+        </p:blipFill>
+        <p:spPr>
+          <a:xfrm>
+            <a:off x="11047410" y="6138593"/>
+            <a:ext cx="1042506" cy="646232"/>
+          </a:xfrm>
+          <a:prstGeom prst="rect">
+            <a:avLst/>
+          </a:prstGeom>
+        </p:spPr>
+      </p:pic>
     </p:spTree>
     <p:extLst>
       <p:ext uri="{BB962C8B-B14F-4D97-AF65-F5344CB8AC3E}">
@@ -12796,6 +12860,36 @@
           </a:p>
         </p:txBody>
       </p:sp>
+      <p:pic>
+        <p:nvPicPr>
+          <p:cNvPr id="4" name="Image 3">
+            <a:extLst>
+              <a:ext uri="{FF2B5EF4-FFF2-40B4-BE49-F238E27FC236}">
+                <a16:creationId xmlns:a16="http://schemas.microsoft.com/office/drawing/2014/main" id="{2BF0A4BE-4815-42CE-B8ED-48C19252AE1B}"/>
+              </a:ext>
+            </a:extLst>
+          </p:cNvPr>
+          <p:cNvPicPr>
+            <a:picLocks noChangeAspect="1"/>
+          </p:cNvPicPr>
+          <p:nvPr/>
+        </p:nvPicPr>
+        <p:blipFill>
+          <a:blip r:embed="rId4"/>
+          <a:stretch>
+            <a:fillRect/>
+          </a:stretch>
+        </p:blipFill>
+        <p:spPr>
+          <a:xfrm>
+            <a:off x="11047410" y="6173668"/>
+            <a:ext cx="1042506" cy="646232"/>
+          </a:xfrm>
+          <a:prstGeom prst="rect">
+            <a:avLst/>
+          </a:prstGeom>
+        </p:spPr>
+      </p:pic>
     </p:spTree>
     <p:extLst>
       <p:ext uri="{BB962C8B-B14F-4D97-AF65-F5344CB8AC3E}">
@@ -12991,6 +13085,36 @@
           <a:xfrm>
             <a:off x="264923" y="1185955"/>
             <a:ext cx="4754751" cy="5500595"/>
+          </a:xfrm>
+          <a:prstGeom prst="rect">
+            <a:avLst/>
+          </a:prstGeom>
+        </p:spPr>
+      </p:pic>
+      <p:pic>
+        <p:nvPicPr>
+          <p:cNvPr id="4" name="Image 3">
+            <a:extLst>
+              <a:ext uri="{FF2B5EF4-FFF2-40B4-BE49-F238E27FC236}">
+                <a16:creationId xmlns:a16="http://schemas.microsoft.com/office/drawing/2014/main" id="{565251E1-8128-45C0-8626-1E96BFCD0FB2}"/>
+              </a:ext>
+            </a:extLst>
+          </p:cNvPr>
+          <p:cNvPicPr>
+            <a:picLocks noChangeAspect="1"/>
+          </p:cNvPicPr>
+          <p:nvPr/>
+        </p:nvPicPr>
+        <p:blipFill>
+          <a:blip r:embed="rId4"/>
+          <a:stretch>
+            <a:fillRect/>
+          </a:stretch>
+        </p:blipFill>
+        <p:spPr>
+          <a:xfrm>
+            <a:off x="11047410" y="6068893"/>
+            <a:ext cx="1042506" cy="646232"/>
           </a:xfrm>
           <a:prstGeom prst="rect">
             <a:avLst/>
@@ -13202,6 +13326,36 @@
           </a:p>
         </p:txBody>
       </p:sp>
+      <p:pic>
+        <p:nvPicPr>
+          <p:cNvPr id="4" name="Image 3">
+            <a:extLst>
+              <a:ext uri="{FF2B5EF4-FFF2-40B4-BE49-F238E27FC236}">
+                <a16:creationId xmlns:a16="http://schemas.microsoft.com/office/drawing/2014/main" id="{0D098342-8E01-488F-ACB0-B9CE1CC32ADE}"/>
+              </a:ext>
+            </a:extLst>
+          </p:cNvPr>
+          <p:cNvPicPr>
+            <a:picLocks noChangeAspect="1"/>
+          </p:cNvPicPr>
+          <p:nvPr/>
+        </p:nvPicPr>
+        <p:blipFill>
+          <a:blip r:embed="rId4"/>
+          <a:stretch>
+            <a:fillRect/>
+          </a:stretch>
+        </p:blipFill>
+        <p:spPr>
+          <a:xfrm>
+            <a:off x="11054334" y="6121543"/>
+            <a:ext cx="1042506" cy="646232"/>
+          </a:xfrm>
+          <a:prstGeom prst="rect">
+            <a:avLst/>
+          </a:prstGeom>
+        </p:spPr>
+      </p:pic>
     </p:spTree>
     <p:extLst>
       <p:ext uri="{BB962C8B-B14F-4D97-AF65-F5344CB8AC3E}">
@@ -13368,7 +13522,7 @@
         </p:nvSpPr>
         <p:spPr>
           <a:xfrm>
-            <a:off x="7629524" y="2249487"/>
+            <a:off x="7629524" y="2260231"/>
             <a:ext cx="3417885" cy="3541714"/>
           </a:xfrm>
         </p:spPr>
@@ -13402,6 +13556,36 @@
           </a:p>
         </p:txBody>
       </p:sp>
+      <p:pic>
+        <p:nvPicPr>
+          <p:cNvPr id="4" name="Image 3">
+            <a:extLst>
+              <a:ext uri="{FF2B5EF4-FFF2-40B4-BE49-F238E27FC236}">
+                <a16:creationId xmlns:a16="http://schemas.microsoft.com/office/drawing/2014/main" id="{15B9B681-BB3F-4E73-9123-5D3411C67F1A}"/>
+              </a:ext>
+            </a:extLst>
+          </p:cNvPr>
+          <p:cNvPicPr>
+            <a:picLocks noChangeAspect="1"/>
+          </p:cNvPicPr>
+          <p:nvPr/>
+        </p:nvPicPr>
+        <p:blipFill>
+          <a:blip r:embed="rId4"/>
+          <a:stretch>
+            <a:fillRect/>
+          </a:stretch>
+        </p:blipFill>
+        <p:spPr>
+          <a:xfrm>
+            <a:off x="11047409" y="6106993"/>
+            <a:ext cx="1042506" cy="646232"/>
+          </a:xfrm>
+          <a:prstGeom prst="rect">
+            <a:avLst/>
+          </a:prstGeom>
+        </p:spPr>
+      </p:pic>
     </p:spTree>
     <p:extLst>
       <p:ext uri="{BB962C8B-B14F-4D97-AF65-F5344CB8AC3E}">
@@ -13506,7 +13690,7 @@
           <a:noFill/>
           <a:extLst>
             <a:ext uri="{909E8E84-426E-40dd-AFC4-6F175D3DCCD1}">
-              <a14:hiddenFill xmlns="" xmlns:a16="http://schemas.microsoft.com/office/drawing/2014/main" xmlns:a14="http://schemas.microsoft.com/office/drawing/2010/main">
+              <a14:hiddenFill xmlns:a14="http://schemas.microsoft.com/office/drawing/2010/main" xmlns:a16="http://schemas.microsoft.com/office/drawing/2014/main" xmlns="">
                 <a:solidFill>
                   <a:srgbClr val="FFFFFF"/>
                 </a:solidFill>
@@ -13598,7 +13782,7 @@
             </a:ln>
             <a:extLst>
               <a:ext uri="{91240B29-F687-4f45-9708-019B960494DF}">
-                <a14:hiddenLine xmlns="" xmlns:a16="http://schemas.microsoft.com/office/drawing/2014/main" xmlns:a14="http://schemas.microsoft.com/office/drawing/2010/main" w="9525">
+                <a14:hiddenLine xmlns:a14="http://schemas.microsoft.com/office/drawing/2010/main" xmlns:a16="http://schemas.microsoft.com/office/drawing/2014/main" xmlns="" w="9525">
                   <a:solidFill>
                     <a:srgbClr val="000000"/>
                   </a:solidFill>
@@ -13703,7 +13887,7 @@
             </a:ln>
             <a:extLst>
               <a:ext uri="{91240B29-F687-4f45-9708-019B960494DF}">
-                <a14:hiddenLine xmlns="" xmlns:a16="http://schemas.microsoft.com/office/drawing/2014/main" xmlns:a14="http://schemas.microsoft.com/office/drawing/2010/main" w="9525">
+                <a14:hiddenLine xmlns:a14="http://schemas.microsoft.com/office/drawing/2010/main" xmlns:a16="http://schemas.microsoft.com/office/drawing/2014/main" xmlns="" w="9525">
                   <a:solidFill>
                     <a:srgbClr val="000000"/>
                   </a:solidFill>
@@ -13808,7 +13992,7 @@
             </a:ln>
             <a:extLst>
               <a:ext uri="{91240B29-F687-4f45-9708-019B960494DF}">
-                <a14:hiddenLine xmlns="" xmlns:a16="http://schemas.microsoft.com/office/drawing/2014/main" xmlns:a14="http://schemas.microsoft.com/office/drawing/2010/main" w="9525">
+                <a14:hiddenLine xmlns:a14="http://schemas.microsoft.com/office/drawing/2010/main" xmlns:a16="http://schemas.microsoft.com/office/drawing/2014/main" xmlns="" w="9525">
                   <a:solidFill>
                     <a:srgbClr val="000000"/>
                   </a:solidFill>
@@ -13857,7 +14041,7 @@
             </a:ln>
             <a:extLst>
               <a:ext uri="{91240B29-F687-4f45-9708-019B960494DF}">
-                <a14:hiddenLine xmlns="" xmlns:a16="http://schemas.microsoft.com/office/drawing/2014/main" xmlns:a14="http://schemas.microsoft.com/office/drawing/2010/main" w="9525">
+                <a14:hiddenLine xmlns:a14="http://schemas.microsoft.com/office/drawing/2010/main" xmlns:a16="http://schemas.microsoft.com/office/drawing/2014/main" xmlns="" w="9525">
                   <a:solidFill>
                     <a:srgbClr val="000000"/>
                   </a:solidFill>
@@ -13962,7 +14146,7 @@
             </a:ln>
             <a:extLst>
               <a:ext uri="{91240B29-F687-4f45-9708-019B960494DF}">
-                <a14:hiddenLine xmlns="" xmlns:a16="http://schemas.microsoft.com/office/drawing/2014/main" xmlns:a14="http://schemas.microsoft.com/office/drawing/2010/main" w="9525">
+                <a14:hiddenLine xmlns:a14="http://schemas.microsoft.com/office/drawing/2010/main" xmlns:a16="http://schemas.microsoft.com/office/drawing/2014/main" xmlns="" w="9525">
                   <a:solidFill>
                     <a:srgbClr val="000000"/>
                   </a:solidFill>
@@ -14039,7 +14223,7 @@
             </a:ln>
             <a:extLst>
               <a:ext uri="{91240B29-F687-4f45-9708-019B960494DF}">
-                <a14:hiddenLine xmlns="" xmlns:a16="http://schemas.microsoft.com/office/drawing/2014/main" xmlns:a14="http://schemas.microsoft.com/office/drawing/2010/main" w="9525">
+                <a14:hiddenLine xmlns:a14="http://schemas.microsoft.com/office/drawing/2010/main" xmlns:a16="http://schemas.microsoft.com/office/drawing/2014/main" xmlns="" w="9525">
                   <a:solidFill>
                     <a:srgbClr val="000000"/>
                   </a:solidFill>
@@ -14116,7 +14300,7 @@
             </a:ln>
             <a:extLst>
               <a:ext uri="{91240B29-F687-4f45-9708-019B960494DF}">
-                <a14:hiddenLine xmlns="" xmlns:a16="http://schemas.microsoft.com/office/drawing/2014/main" xmlns:a14="http://schemas.microsoft.com/office/drawing/2010/main" w="9525">
+                <a14:hiddenLine xmlns:a14="http://schemas.microsoft.com/office/drawing/2010/main" xmlns:a16="http://schemas.microsoft.com/office/drawing/2014/main" xmlns="" w="9525">
                   <a:solidFill>
                     <a:srgbClr val="000000"/>
                   </a:solidFill>
@@ -14221,7 +14405,7 @@
             </a:ln>
             <a:extLst>
               <a:ext uri="{91240B29-F687-4f45-9708-019B960494DF}">
-                <a14:hiddenLine xmlns="" xmlns:a16="http://schemas.microsoft.com/office/drawing/2014/main" xmlns:a14="http://schemas.microsoft.com/office/drawing/2010/main" w="9525">
+                <a14:hiddenLine xmlns:a14="http://schemas.microsoft.com/office/drawing/2010/main" xmlns:a16="http://schemas.microsoft.com/office/drawing/2014/main" xmlns="" w="9525">
                   <a:solidFill>
                     <a:srgbClr val="000000"/>
                   </a:solidFill>
@@ -14298,7 +14482,7 @@
             </a:ln>
             <a:extLst>
               <a:ext uri="{91240B29-F687-4f45-9708-019B960494DF}">
-                <a14:hiddenLine xmlns="" xmlns:a16="http://schemas.microsoft.com/office/drawing/2014/main" xmlns:a14="http://schemas.microsoft.com/office/drawing/2010/main" w="9525">
+                <a14:hiddenLine xmlns:a14="http://schemas.microsoft.com/office/drawing/2010/main" xmlns:a16="http://schemas.microsoft.com/office/drawing/2014/main" xmlns="" w="9525">
                   <a:solidFill>
                     <a:srgbClr val="000000"/>
                   </a:solidFill>
@@ -14375,7 +14559,7 @@
             </a:ln>
             <a:extLst>
               <a:ext uri="{91240B29-F687-4f45-9708-019B960494DF}">
-                <a14:hiddenLine xmlns="" xmlns:a16="http://schemas.microsoft.com/office/drawing/2014/main" xmlns:a14="http://schemas.microsoft.com/office/drawing/2010/main" w="9525">
+                <a14:hiddenLine xmlns:a14="http://schemas.microsoft.com/office/drawing/2010/main" xmlns:a16="http://schemas.microsoft.com/office/drawing/2014/main" xmlns="" w="9525">
                   <a:solidFill>
                     <a:srgbClr val="000000"/>
                   </a:solidFill>
@@ -14480,7 +14664,7 @@
             </a:ln>
             <a:extLst>
               <a:ext uri="{91240B29-F687-4f45-9708-019B960494DF}">
-                <a14:hiddenLine xmlns="" xmlns:a16="http://schemas.microsoft.com/office/drawing/2014/main" xmlns:a14="http://schemas.microsoft.com/office/drawing/2010/main" w="9525">
+                <a14:hiddenLine xmlns:a14="http://schemas.microsoft.com/office/drawing/2010/main" xmlns:a16="http://schemas.microsoft.com/office/drawing/2014/main" xmlns="" w="9525">
                   <a:solidFill>
                     <a:srgbClr val="000000"/>
                   </a:solidFill>
@@ -14585,7 +14769,7 @@
             </a:ln>
             <a:extLst>
               <a:ext uri="{91240B29-F687-4f45-9708-019B960494DF}">
-                <a14:hiddenLine xmlns="" xmlns:a16="http://schemas.microsoft.com/office/drawing/2014/main" xmlns:a14="http://schemas.microsoft.com/office/drawing/2010/main" w="9525">
+                <a14:hiddenLine xmlns:a14="http://schemas.microsoft.com/office/drawing/2010/main" xmlns:a16="http://schemas.microsoft.com/office/drawing/2014/main" xmlns="" w="9525">
                   <a:solidFill>
                     <a:srgbClr val="000000"/>
                   </a:solidFill>
@@ -14662,7 +14846,7 @@
             </a:ln>
             <a:extLst>
               <a:ext uri="{91240B29-F687-4f45-9708-019B960494DF}">
-                <a14:hiddenLine xmlns="" xmlns:a16="http://schemas.microsoft.com/office/drawing/2014/main" xmlns:a14="http://schemas.microsoft.com/office/drawing/2010/main" w="9525">
+                <a14:hiddenLine xmlns:a14="http://schemas.microsoft.com/office/drawing/2010/main" xmlns:a16="http://schemas.microsoft.com/office/drawing/2014/main" xmlns="" w="9525">
                   <a:solidFill>
                     <a:srgbClr val="000000"/>
                   </a:solidFill>
@@ -14787,7 +14971,7 @@
             </a:ln>
             <a:extLst>
               <a:ext uri="{91240B29-F687-4f45-9708-019B960494DF}">
-                <a14:hiddenLine xmlns="" xmlns:a16="http://schemas.microsoft.com/office/drawing/2014/main" xmlns:a14="http://schemas.microsoft.com/office/drawing/2010/main" w="9525">
+                <a14:hiddenLine xmlns:a14="http://schemas.microsoft.com/office/drawing/2010/main" xmlns:a16="http://schemas.microsoft.com/office/drawing/2014/main" xmlns="" w="9525">
                   <a:solidFill>
                     <a:srgbClr val="000000"/>
                   </a:solidFill>
@@ -14864,7 +15048,7 @@
             </a:ln>
             <a:extLst>
               <a:ext uri="{91240B29-F687-4f45-9708-019B960494DF}">
-                <a14:hiddenLine xmlns="" xmlns:a16="http://schemas.microsoft.com/office/drawing/2014/main" xmlns:a14="http://schemas.microsoft.com/office/drawing/2010/main" w="9525">
+                <a14:hiddenLine xmlns:a14="http://schemas.microsoft.com/office/drawing/2010/main" xmlns:a16="http://schemas.microsoft.com/office/drawing/2014/main" xmlns="" w="9525">
                   <a:solidFill>
                     <a:srgbClr val="000000"/>
                   </a:solidFill>
@@ -14969,7 +15153,7 @@
             </a:ln>
             <a:extLst>
               <a:ext uri="{91240B29-F687-4f45-9708-019B960494DF}">
-                <a14:hiddenLine xmlns="" xmlns:a16="http://schemas.microsoft.com/office/drawing/2014/main" xmlns:a14="http://schemas.microsoft.com/office/drawing/2010/main" w="9525">
+                <a14:hiddenLine xmlns:a14="http://schemas.microsoft.com/office/drawing/2010/main" xmlns:a16="http://schemas.microsoft.com/office/drawing/2014/main" xmlns="" w="9525">
                   <a:solidFill>
                     <a:srgbClr val="000000"/>
                   </a:solidFill>
@@ -15074,7 +15258,7 @@
             </a:ln>
             <a:extLst>
               <a:ext uri="{91240B29-F687-4f45-9708-019B960494DF}">
-                <a14:hiddenLine xmlns="" xmlns:a16="http://schemas.microsoft.com/office/drawing/2014/main" xmlns:a14="http://schemas.microsoft.com/office/drawing/2010/main" w="9525">
+                <a14:hiddenLine xmlns:a14="http://schemas.microsoft.com/office/drawing/2010/main" xmlns:a16="http://schemas.microsoft.com/office/drawing/2014/main" xmlns="" w="9525">
                   <a:solidFill>
                     <a:srgbClr val="000000"/>
                   </a:solidFill>
@@ -15151,7 +15335,7 @@
             </a:ln>
             <a:extLst>
               <a:ext uri="{91240B29-F687-4f45-9708-019B960494DF}">
-                <a14:hiddenLine xmlns="" xmlns:a16="http://schemas.microsoft.com/office/drawing/2014/main" xmlns:a14="http://schemas.microsoft.com/office/drawing/2010/main" w="9525">
+                <a14:hiddenLine xmlns:a14="http://schemas.microsoft.com/office/drawing/2010/main" xmlns:a16="http://schemas.microsoft.com/office/drawing/2014/main" xmlns="" w="9525">
                   <a:solidFill>
                     <a:srgbClr val="000000"/>
                   </a:solidFill>
@@ -15256,7 +15440,7 @@
             </a:ln>
             <a:extLst>
               <a:ext uri="{91240B29-F687-4f45-9708-019B960494DF}">
-                <a14:hiddenLine xmlns="" xmlns:a16="http://schemas.microsoft.com/office/drawing/2014/main" xmlns:a14="http://schemas.microsoft.com/office/drawing/2010/main" w="9525">
+                <a14:hiddenLine xmlns:a14="http://schemas.microsoft.com/office/drawing/2010/main" xmlns:a16="http://schemas.microsoft.com/office/drawing/2014/main" xmlns="" w="9525">
                   <a:solidFill>
                     <a:srgbClr val="000000"/>
                   </a:solidFill>
@@ -15361,7 +15545,7 @@
             </a:ln>
             <a:extLst>
               <a:ext uri="{91240B29-F687-4f45-9708-019B960494DF}">
-                <a14:hiddenLine xmlns="" xmlns:a16="http://schemas.microsoft.com/office/drawing/2014/main" xmlns:a14="http://schemas.microsoft.com/office/drawing/2010/main" w="9525">
+                <a14:hiddenLine xmlns:a14="http://schemas.microsoft.com/office/drawing/2010/main" xmlns:a16="http://schemas.microsoft.com/office/drawing/2014/main" xmlns="" w="9525">
                   <a:solidFill>
                     <a:srgbClr val="000000"/>
                   </a:solidFill>
@@ -15432,7 +15616,7 @@
             </a:ln>
             <a:extLst>
               <a:ext uri="{91240B29-F687-4f45-9708-019B960494DF}">
-                <a14:hiddenLine xmlns="" xmlns:a16="http://schemas.microsoft.com/office/drawing/2014/main" xmlns:a14="http://schemas.microsoft.com/office/drawing/2010/main" w="9525">
+                <a14:hiddenLine xmlns:a14="http://schemas.microsoft.com/office/drawing/2010/main" xmlns:a16="http://schemas.microsoft.com/office/drawing/2014/main" xmlns="" w="9525">
                   <a:solidFill>
                     <a:srgbClr val="000000"/>
                   </a:solidFill>
@@ -15537,7 +15721,7 @@
             </a:ln>
             <a:extLst>
               <a:ext uri="{91240B29-F687-4f45-9708-019B960494DF}">
-                <a14:hiddenLine xmlns="" xmlns:a16="http://schemas.microsoft.com/office/drawing/2014/main" xmlns:a14="http://schemas.microsoft.com/office/drawing/2010/main" w="9525">
+                <a14:hiddenLine xmlns:a14="http://schemas.microsoft.com/office/drawing/2010/main" xmlns:a16="http://schemas.microsoft.com/office/drawing/2014/main" xmlns="" w="9525">
                   <a:solidFill>
                     <a:srgbClr val="000000"/>
                   </a:solidFill>
@@ -15608,7 +15792,7 @@
             </a:ln>
             <a:extLst>
               <a:ext uri="{91240B29-F687-4f45-9708-019B960494DF}">
-                <a14:hiddenLine xmlns="" xmlns:a16="http://schemas.microsoft.com/office/drawing/2014/main" xmlns:a14="http://schemas.microsoft.com/office/drawing/2010/main" w="9525">
+                <a14:hiddenLine xmlns:a14="http://schemas.microsoft.com/office/drawing/2010/main" xmlns:a16="http://schemas.microsoft.com/office/drawing/2014/main" xmlns="" w="9525">
                   <a:solidFill>
                     <a:srgbClr val="000000"/>
                   </a:solidFill>
@@ -15713,7 +15897,7 @@
             </a:ln>
             <a:extLst>
               <a:ext uri="{91240B29-F687-4f45-9708-019B960494DF}">
-                <a14:hiddenLine xmlns="" xmlns:a16="http://schemas.microsoft.com/office/drawing/2014/main" xmlns:a14="http://schemas.microsoft.com/office/drawing/2010/main" w="9525">
+                <a14:hiddenLine xmlns:a14="http://schemas.microsoft.com/office/drawing/2010/main" xmlns:a16="http://schemas.microsoft.com/office/drawing/2014/main" xmlns="" w="9525">
                   <a:solidFill>
                     <a:srgbClr val="000000"/>
                   </a:solidFill>
@@ -15796,7 +15980,7 @@
             </a:ln>
             <a:extLst>
               <a:ext uri="{91240B29-F687-4f45-9708-019B960494DF}">
-                <a14:hiddenLine xmlns="" xmlns:a16="http://schemas.microsoft.com/office/drawing/2014/main" xmlns:a14="http://schemas.microsoft.com/office/drawing/2010/main" w="9525">
+                <a14:hiddenLine xmlns:a14="http://schemas.microsoft.com/office/drawing/2010/main" xmlns:a16="http://schemas.microsoft.com/office/drawing/2014/main" xmlns="" w="9525">
                   <a:solidFill>
                     <a:srgbClr val="000000"/>
                   </a:solidFill>
@@ -15901,7 +16085,7 @@
             </a:ln>
             <a:extLst>
               <a:ext uri="{91240B29-F687-4f45-9708-019B960494DF}">
-                <a14:hiddenLine xmlns="" xmlns:a16="http://schemas.microsoft.com/office/drawing/2014/main" xmlns:a14="http://schemas.microsoft.com/office/drawing/2010/main" w="9525">
+                <a14:hiddenLine xmlns:a14="http://schemas.microsoft.com/office/drawing/2010/main" xmlns:a16="http://schemas.microsoft.com/office/drawing/2014/main" xmlns="" w="9525">
                   <a:solidFill>
                     <a:srgbClr val="000000"/>
                   </a:solidFill>
@@ -15984,7 +16168,7 @@
             </a:ln>
             <a:extLst>
               <a:ext uri="{91240B29-F687-4f45-9708-019B960494DF}">
-                <a14:hiddenLine xmlns="" xmlns:a16="http://schemas.microsoft.com/office/drawing/2014/main" xmlns:a14="http://schemas.microsoft.com/office/drawing/2010/main" w="9525">
+                <a14:hiddenLine xmlns:a14="http://schemas.microsoft.com/office/drawing/2010/main" xmlns:a16="http://schemas.microsoft.com/office/drawing/2014/main" xmlns="" w="9525">
                   <a:solidFill>
                     <a:srgbClr val="000000"/>
                   </a:solidFill>
@@ -16089,7 +16273,7 @@
             </a:ln>
             <a:extLst>
               <a:ext uri="{91240B29-F687-4f45-9708-019B960494DF}">
-                <a14:hiddenLine xmlns="" xmlns:a16="http://schemas.microsoft.com/office/drawing/2014/main" xmlns:a14="http://schemas.microsoft.com/office/drawing/2010/main" w="9525">
+                <a14:hiddenLine xmlns:a14="http://schemas.microsoft.com/office/drawing/2010/main" xmlns:a16="http://schemas.microsoft.com/office/drawing/2014/main" xmlns="" w="9525">
                   <a:solidFill>
                     <a:srgbClr val="000000"/>
                   </a:solidFill>
@@ -16138,7 +16322,7 @@
             </a:ln>
             <a:extLst>
               <a:ext uri="{91240B29-F687-4f45-9708-019B960494DF}">
-                <a14:hiddenLine xmlns="" xmlns:a16="http://schemas.microsoft.com/office/drawing/2014/main" xmlns:a14="http://schemas.microsoft.com/office/drawing/2010/main" w="9525">
+                <a14:hiddenLine xmlns:a14="http://schemas.microsoft.com/office/drawing/2010/main" xmlns:a16="http://schemas.microsoft.com/office/drawing/2014/main" xmlns="" w="9525">
                   <a:solidFill>
                     <a:srgbClr val="000000"/>
                   </a:solidFill>
@@ -16243,7 +16427,7 @@
             </a:ln>
             <a:extLst>
               <a:ext uri="{91240B29-F687-4f45-9708-019B960494DF}">
-                <a14:hiddenLine xmlns="" xmlns:a16="http://schemas.microsoft.com/office/drawing/2014/main" xmlns:a14="http://schemas.microsoft.com/office/drawing/2010/main" w="9525">
+                <a14:hiddenLine xmlns:a14="http://schemas.microsoft.com/office/drawing/2010/main" xmlns:a16="http://schemas.microsoft.com/office/drawing/2014/main" xmlns="" w="9525">
                   <a:solidFill>
                     <a:srgbClr val="000000"/>
                   </a:solidFill>
@@ -16320,7 +16504,7 @@
             </a:ln>
             <a:extLst>
               <a:ext uri="{91240B29-F687-4f45-9708-019B960494DF}">
-                <a14:hiddenLine xmlns="" xmlns:a16="http://schemas.microsoft.com/office/drawing/2014/main" xmlns:a14="http://schemas.microsoft.com/office/drawing/2010/main" w="9525">
+                <a14:hiddenLine xmlns:a14="http://schemas.microsoft.com/office/drawing/2010/main" xmlns:a16="http://schemas.microsoft.com/office/drawing/2014/main" xmlns="" w="9525">
                   <a:solidFill>
                     <a:srgbClr val="000000"/>
                   </a:solidFill>
@@ -16397,7 +16581,7 @@
             </a:ln>
             <a:extLst>
               <a:ext uri="{91240B29-F687-4f45-9708-019B960494DF}">
-                <a14:hiddenLine xmlns="" xmlns:a16="http://schemas.microsoft.com/office/drawing/2014/main" xmlns:a14="http://schemas.microsoft.com/office/drawing/2010/main" w="9525">
+                <a14:hiddenLine xmlns:a14="http://schemas.microsoft.com/office/drawing/2010/main" xmlns:a16="http://schemas.microsoft.com/office/drawing/2014/main" xmlns="" w="9525">
                   <a:solidFill>
                     <a:srgbClr val="000000"/>
                   </a:solidFill>
@@ -16502,7 +16686,7 @@
             </a:ln>
             <a:extLst>
               <a:ext uri="{91240B29-F687-4f45-9708-019B960494DF}">
-                <a14:hiddenLine xmlns="" xmlns:a16="http://schemas.microsoft.com/office/drawing/2014/main" xmlns:a14="http://schemas.microsoft.com/office/drawing/2010/main" w="9525">
+                <a14:hiddenLine xmlns:a14="http://schemas.microsoft.com/office/drawing/2010/main" xmlns:a16="http://schemas.microsoft.com/office/drawing/2014/main" xmlns="" w="9525">
                   <a:solidFill>
                     <a:srgbClr val="000000"/>
                   </a:solidFill>
@@ -16585,7 +16769,7 @@
             </a:ln>
             <a:extLst>
               <a:ext uri="{91240B29-F687-4f45-9708-019B960494DF}">
-                <a14:hiddenLine xmlns="" xmlns:a16="http://schemas.microsoft.com/office/drawing/2014/main" xmlns:a14="http://schemas.microsoft.com/office/drawing/2010/main" w="9525">
+                <a14:hiddenLine xmlns:a14="http://schemas.microsoft.com/office/drawing/2010/main" xmlns:a16="http://schemas.microsoft.com/office/drawing/2014/main" xmlns="" w="9525">
                   <a:solidFill>
                     <a:srgbClr val="000000"/>
                   </a:solidFill>
@@ -16662,7 +16846,7 @@
             </a:ln>
             <a:extLst>
               <a:ext uri="{91240B29-F687-4f45-9708-019B960494DF}">
-                <a14:hiddenLine xmlns="" xmlns:a16="http://schemas.microsoft.com/office/drawing/2014/main" xmlns:a14="http://schemas.microsoft.com/office/drawing/2010/main" w="9525">
+                <a14:hiddenLine xmlns:a14="http://schemas.microsoft.com/office/drawing/2010/main" xmlns:a16="http://schemas.microsoft.com/office/drawing/2014/main" xmlns="" w="9525">
                   <a:solidFill>
                     <a:srgbClr val="000000"/>
                   </a:solidFill>
@@ -16767,7 +16951,7 @@
             </a:ln>
             <a:extLst>
               <a:ext uri="{91240B29-F687-4f45-9708-019B960494DF}">
-                <a14:hiddenLine xmlns="" xmlns:a16="http://schemas.microsoft.com/office/drawing/2014/main" xmlns:a14="http://schemas.microsoft.com/office/drawing/2010/main" w="9525">
+                <a14:hiddenLine xmlns:a14="http://schemas.microsoft.com/office/drawing/2010/main" xmlns:a16="http://schemas.microsoft.com/office/drawing/2014/main" xmlns="" w="9525">
                   <a:solidFill>
                     <a:srgbClr val="000000"/>
                   </a:solidFill>
@@ -16844,7 +17028,7 @@
             </a:ln>
             <a:extLst>
               <a:ext uri="{91240B29-F687-4f45-9708-019B960494DF}">
-                <a14:hiddenLine xmlns="" xmlns:a16="http://schemas.microsoft.com/office/drawing/2014/main" xmlns:a14="http://schemas.microsoft.com/office/drawing/2010/main" w="9525">
+                <a14:hiddenLine xmlns:a14="http://schemas.microsoft.com/office/drawing/2010/main" xmlns:a16="http://schemas.microsoft.com/office/drawing/2014/main" xmlns="" w="9525">
                   <a:solidFill>
                     <a:srgbClr val="000000"/>
                   </a:solidFill>
@@ -16949,7 +17133,7 @@
             </a:ln>
             <a:extLst>
               <a:ext uri="{91240B29-F687-4f45-9708-019B960494DF}">
-                <a14:hiddenLine xmlns="" xmlns:a16="http://schemas.microsoft.com/office/drawing/2014/main" xmlns:a14="http://schemas.microsoft.com/office/drawing/2010/main" w="9525">
+                <a14:hiddenLine xmlns:a14="http://schemas.microsoft.com/office/drawing/2010/main" xmlns:a16="http://schemas.microsoft.com/office/drawing/2014/main" xmlns="" w="9525">
                   <a:solidFill>
                     <a:srgbClr val="000000"/>
                   </a:solidFill>
@@ -17026,7 +17210,7 @@
             </a:ln>
             <a:extLst>
               <a:ext uri="{91240B29-F687-4f45-9708-019B960494DF}">
-                <a14:hiddenLine xmlns="" xmlns:a16="http://schemas.microsoft.com/office/drawing/2014/main" xmlns:a14="http://schemas.microsoft.com/office/drawing/2010/main" w="9525">
+                <a14:hiddenLine xmlns:a14="http://schemas.microsoft.com/office/drawing/2010/main" xmlns:a16="http://schemas.microsoft.com/office/drawing/2014/main" xmlns="" w="9525">
                   <a:solidFill>
                     <a:srgbClr val="000000"/>
                   </a:solidFill>
@@ -17131,7 +17315,7 @@
             </a:ln>
             <a:extLst>
               <a:ext uri="{91240B29-F687-4f45-9708-019B960494DF}">
-                <a14:hiddenLine xmlns="" xmlns:a16="http://schemas.microsoft.com/office/drawing/2014/main" xmlns:a14="http://schemas.microsoft.com/office/drawing/2010/main" w="9525">
+                <a14:hiddenLine xmlns:a14="http://schemas.microsoft.com/office/drawing/2010/main" xmlns:a16="http://schemas.microsoft.com/office/drawing/2014/main" xmlns="" w="9525">
                   <a:solidFill>
                     <a:srgbClr val="000000"/>
                   </a:solidFill>
@@ -17180,7 +17364,7 @@
             </a:ln>
             <a:extLst>
               <a:ext uri="{91240B29-F687-4f45-9708-019B960494DF}">
-                <a14:hiddenLine xmlns="" xmlns:a16="http://schemas.microsoft.com/office/drawing/2014/main" xmlns:a14="http://schemas.microsoft.com/office/drawing/2010/main" w="9525">
+                <a14:hiddenLine xmlns:a14="http://schemas.microsoft.com/office/drawing/2010/main" xmlns:a16="http://schemas.microsoft.com/office/drawing/2014/main" xmlns="" w="9525">
                   <a:solidFill>
                     <a:srgbClr val="000000"/>
                   </a:solidFill>
@@ -17260,7 +17444,7 @@
             </a:ln>
             <a:extLst>
               <a:ext uri="{91240B29-F687-4f45-9708-019B960494DF}">
-                <a14:hiddenLine xmlns="" xmlns:a16="http://schemas.microsoft.com/office/drawing/2014/main" xmlns:a14="http://schemas.microsoft.com/office/drawing/2010/main" w="9525">
+                <a14:hiddenLine xmlns:a14="http://schemas.microsoft.com/office/drawing/2010/main" xmlns:a16="http://schemas.microsoft.com/office/drawing/2014/main" xmlns="" w="9525">
                   <a:solidFill>
                     <a:srgbClr val="000000"/>
                   </a:solidFill>
@@ -17365,7 +17549,7 @@
             </a:ln>
             <a:extLst>
               <a:ext uri="{91240B29-F687-4f45-9708-019B960494DF}">
-                <a14:hiddenLine xmlns="" xmlns:a16="http://schemas.microsoft.com/office/drawing/2014/main" xmlns:a14="http://schemas.microsoft.com/office/drawing/2010/main" w="9525">
+                <a14:hiddenLine xmlns:a14="http://schemas.microsoft.com/office/drawing/2010/main" xmlns:a16="http://schemas.microsoft.com/office/drawing/2014/main" xmlns="" w="9525">
                   <a:solidFill>
                     <a:srgbClr val="000000"/>
                   </a:solidFill>
@@ -17442,7 +17626,7 @@
             </a:ln>
             <a:extLst>
               <a:ext uri="{91240B29-F687-4f45-9708-019B960494DF}">
-                <a14:hiddenLine xmlns="" xmlns:a16="http://schemas.microsoft.com/office/drawing/2014/main" xmlns:a14="http://schemas.microsoft.com/office/drawing/2010/main" w="9525">
+                <a14:hiddenLine xmlns:a14="http://schemas.microsoft.com/office/drawing/2010/main" xmlns:a16="http://schemas.microsoft.com/office/drawing/2014/main" xmlns="" w="9525">
                   <a:solidFill>
                     <a:srgbClr val="000000"/>
                   </a:solidFill>
@@ -17547,7 +17731,7 @@
             </a:ln>
             <a:extLst>
               <a:ext uri="{91240B29-F687-4f45-9708-019B960494DF}">
-                <a14:hiddenLine xmlns="" xmlns:a16="http://schemas.microsoft.com/office/drawing/2014/main" xmlns:a14="http://schemas.microsoft.com/office/drawing/2010/main" w="9525">
+                <a14:hiddenLine xmlns:a14="http://schemas.microsoft.com/office/drawing/2010/main" xmlns:a16="http://schemas.microsoft.com/office/drawing/2014/main" xmlns="" w="9525">
                   <a:solidFill>
                     <a:srgbClr val="000000"/>
                   </a:solidFill>
@@ -17652,7 +17836,7 @@
             </a:ln>
             <a:extLst>
               <a:ext uri="{91240B29-F687-4f45-9708-019B960494DF}">
-                <a14:hiddenLine xmlns="" xmlns:a16="http://schemas.microsoft.com/office/drawing/2014/main" xmlns:a14="http://schemas.microsoft.com/office/drawing/2010/main" w="9525">
+                <a14:hiddenLine xmlns:a14="http://schemas.microsoft.com/office/drawing/2010/main" xmlns:a16="http://schemas.microsoft.com/office/drawing/2014/main" xmlns="" w="9525">
                   <a:solidFill>
                     <a:srgbClr val="000000"/>
                   </a:solidFill>
@@ -17732,7 +17916,7 @@
             </a:ln>
             <a:extLst>
               <a:ext uri="{91240B29-F687-4f45-9708-019B960494DF}">
-                <a14:hiddenLine xmlns="" xmlns:a16="http://schemas.microsoft.com/office/drawing/2014/main" xmlns:a14="http://schemas.microsoft.com/office/drawing/2010/main" w="9525">
+                <a14:hiddenLine xmlns:a14="http://schemas.microsoft.com/office/drawing/2010/main" xmlns:a16="http://schemas.microsoft.com/office/drawing/2014/main" xmlns="" w="9525">
                   <a:solidFill>
                     <a:srgbClr val="000000"/>
                   </a:solidFill>
@@ -17809,7 +17993,7 @@
             </a:ln>
             <a:extLst>
               <a:ext uri="{91240B29-F687-4f45-9708-019B960494DF}">
-                <a14:hiddenLine xmlns="" xmlns:a16="http://schemas.microsoft.com/office/drawing/2014/main" xmlns:a14="http://schemas.microsoft.com/office/drawing/2010/main" w="9525">
+                <a14:hiddenLine xmlns:a14="http://schemas.microsoft.com/office/drawing/2010/main" xmlns:a16="http://schemas.microsoft.com/office/drawing/2014/main" xmlns="" w="9525">
                   <a:solidFill>
                     <a:srgbClr val="000000"/>
                   </a:solidFill>
@@ -17914,7 +18098,7 @@
             </a:ln>
             <a:extLst>
               <a:ext uri="{91240B29-F687-4f45-9708-019B960494DF}">
-                <a14:hiddenLine xmlns="" xmlns:a16="http://schemas.microsoft.com/office/drawing/2014/main" xmlns:a14="http://schemas.microsoft.com/office/drawing/2010/main" w="9525">
+                <a14:hiddenLine xmlns:a14="http://schemas.microsoft.com/office/drawing/2010/main" xmlns:a16="http://schemas.microsoft.com/office/drawing/2014/main" xmlns="" w="9525">
                   <a:solidFill>
                     <a:srgbClr val="000000"/>
                   </a:solidFill>
@@ -18019,7 +18203,7 @@
             </a:ln>
             <a:extLst>
               <a:ext uri="{91240B29-F687-4f45-9708-019B960494DF}">
-                <a14:hiddenLine xmlns="" xmlns:a16="http://schemas.microsoft.com/office/drawing/2014/main" xmlns:a14="http://schemas.microsoft.com/office/drawing/2010/main" w="9525">
+                <a14:hiddenLine xmlns:a14="http://schemas.microsoft.com/office/drawing/2010/main" xmlns:a16="http://schemas.microsoft.com/office/drawing/2014/main" xmlns="" w="9525">
                   <a:solidFill>
                     <a:srgbClr val="000000"/>
                   </a:solidFill>
@@ -18096,7 +18280,7 @@
             </a:ln>
             <a:extLst>
               <a:ext uri="{91240B29-F687-4f45-9708-019B960494DF}">
-                <a14:hiddenLine xmlns="" xmlns:a16="http://schemas.microsoft.com/office/drawing/2014/main" xmlns:a14="http://schemas.microsoft.com/office/drawing/2010/main" w="9525">
+                <a14:hiddenLine xmlns:a14="http://schemas.microsoft.com/office/drawing/2010/main" xmlns:a16="http://schemas.microsoft.com/office/drawing/2014/main" xmlns="" w="9525">
                   <a:solidFill>
                     <a:srgbClr val="000000"/>
                   </a:solidFill>
@@ -18231,7 +18415,7 @@
             </a:ln>
             <a:extLst>
               <a:ext uri="{91240B29-F687-4f45-9708-019B960494DF}">
-                <a14:hiddenLine xmlns="" xmlns:a16="http://schemas.microsoft.com/office/drawing/2014/main" xmlns:a14="http://schemas.microsoft.com/office/drawing/2010/main" w="9525">
+                <a14:hiddenLine xmlns:a14="http://schemas.microsoft.com/office/drawing/2010/main" xmlns:a16="http://schemas.microsoft.com/office/drawing/2014/main" xmlns="" w="9525">
                   <a:solidFill>
                     <a:srgbClr val="000000"/>
                   </a:solidFill>
@@ -18314,7 +18498,7 @@
             </a:ln>
             <a:extLst>
               <a:ext uri="{91240B29-F687-4f45-9708-019B960494DF}">
-                <a14:hiddenLine xmlns="" xmlns:a16="http://schemas.microsoft.com/office/drawing/2014/main" xmlns:a14="http://schemas.microsoft.com/office/drawing/2010/main" w="9525">
+                <a14:hiddenLine xmlns:a14="http://schemas.microsoft.com/office/drawing/2010/main" xmlns:a16="http://schemas.microsoft.com/office/drawing/2014/main" xmlns="" w="9525">
                   <a:solidFill>
                     <a:srgbClr val="000000"/>
                   </a:solidFill>
@@ -18419,7 +18603,7 @@
             </a:ln>
             <a:extLst>
               <a:ext uri="{91240B29-F687-4f45-9708-019B960494DF}">
-                <a14:hiddenLine xmlns="" xmlns:a16="http://schemas.microsoft.com/office/drawing/2014/main" xmlns:a14="http://schemas.microsoft.com/office/drawing/2010/main" w="9525">
+                <a14:hiddenLine xmlns:a14="http://schemas.microsoft.com/office/drawing/2010/main" xmlns:a16="http://schemas.microsoft.com/office/drawing/2014/main" xmlns="" w="9525">
                   <a:solidFill>
                     <a:srgbClr val="000000"/>
                   </a:solidFill>
@@ -18576,7 +18760,7 @@
             <a:noFill/>
             <a:extLst>
               <a:ext uri="{909E8E84-426E-40dd-AFC4-6F175D3DCCD1}">
-                <a14:hiddenFill xmlns="" xmlns:a16="http://schemas.microsoft.com/office/drawing/2014/main" xmlns:p14="http://schemas.microsoft.com/office/powerpoint/2010/main" xmlns:a14="http://schemas.microsoft.com/office/drawing/2010/main">
+                <a14:hiddenFill xmlns:a14="http://schemas.microsoft.com/office/drawing/2010/main" xmlns:p14="http://schemas.microsoft.com/office/powerpoint/2010/main" xmlns:a16="http://schemas.microsoft.com/office/drawing/2014/main" xmlns="">
                   <a:solidFill>
                     <a:srgbClr val="FFFFFF"/>
                   </a:solidFill>
@@ -20567,6 +20751,36 @@
           </a:p>
         </p:txBody>
       </p:sp>
+      <p:pic>
+        <p:nvPicPr>
+          <p:cNvPr id="3" name="Image 2">
+            <a:extLst>
+              <a:ext uri="{FF2B5EF4-FFF2-40B4-BE49-F238E27FC236}">
+                <a16:creationId xmlns:a16="http://schemas.microsoft.com/office/drawing/2014/main" id="{4DAF63BC-72B7-42B3-BBB2-85FB319B3ECD}"/>
+              </a:ext>
+            </a:extLst>
+          </p:cNvPr>
+          <p:cNvPicPr>
+            <a:picLocks noChangeAspect="1"/>
+          </p:cNvPicPr>
+          <p:nvPr/>
+        </p:nvPicPr>
+        <p:blipFill>
+          <a:blip r:embed="rId3"/>
+          <a:stretch>
+            <a:fillRect/>
+          </a:stretch>
+        </p:blipFill>
+        <p:spPr>
+          <a:xfrm>
+            <a:off x="11108772" y="6107847"/>
+            <a:ext cx="1042506" cy="646232"/>
+          </a:xfrm>
+          <a:prstGeom prst="rect">
+            <a:avLst/>
+          </a:prstGeom>
+        </p:spPr>
+      </p:pic>
     </p:spTree>
     <p:extLst>
       <p:ext uri="{BB962C8B-B14F-4D97-AF65-F5344CB8AC3E}">
@@ -20673,95 +20887,6 @@
 </file>
 
 <file path=ppt/slides/slide16.xml><?xml version="1.0" encoding="utf-8"?>
-<p:sld xmlns:a="http://schemas.openxmlformats.org/drawingml/2006/main" xmlns:r="http://schemas.openxmlformats.org/officeDocument/2006/relationships" xmlns:p="http://schemas.openxmlformats.org/presentationml/2006/main">
-  <p:cSld>
-    <p:spTree>
-      <p:nvGrpSpPr>
-        <p:cNvPr id="1" name=""/>
-        <p:cNvGrpSpPr/>
-        <p:nvPr/>
-      </p:nvGrpSpPr>
-      <p:grpSpPr>
-        <a:xfrm>
-          <a:off x="0" y="0"/>
-          <a:ext cx="0" cy="0"/>
-          <a:chOff x="0" y="0"/>
-          <a:chExt cx="0" cy="0"/>
-        </a:xfrm>
-      </p:grpSpPr>
-      <p:sp>
-        <p:nvSpPr>
-          <p:cNvPr id="2" name="Titre 1">
-            <a:extLst>
-              <a:ext uri="{FF2B5EF4-FFF2-40B4-BE49-F238E27FC236}">
-                <a16:creationId xmlns:a16="http://schemas.microsoft.com/office/drawing/2014/main" id="{168F9393-0078-4363-94C0-44546DA30DA0}"/>
-              </a:ext>
-            </a:extLst>
-          </p:cNvPr>
-          <p:cNvSpPr>
-            <a:spLocks noGrp="1"/>
-          </p:cNvSpPr>
-          <p:nvPr>
-            <p:ph type="title"/>
-          </p:nvPr>
-        </p:nvSpPr>
-        <p:spPr/>
-        <p:txBody>
-          <a:bodyPr/>
-          <a:lstStyle/>
-          <a:p>
-            <a:r>
-              <a:rPr lang="fr-FR" dirty="0"/>
-              <a:t>Next versions</a:t>
-            </a:r>
-          </a:p>
-        </p:txBody>
-      </p:sp>
-      <p:sp>
-        <p:nvSpPr>
-          <p:cNvPr id="3" name="Espace réservé du contenu 2">
-            <a:extLst>
-              <a:ext uri="{FF2B5EF4-FFF2-40B4-BE49-F238E27FC236}">
-                <a16:creationId xmlns:a16="http://schemas.microsoft.com/office/drawing/2014/main" id="{8C0FFC97-6BEA-4FF4-B947-E7FF0DB82F1E}"/>
-              </a:ext>
-            </a:extLst>
-          </p:cNvPr>
-          <p:cNvSpPr>
-            <a:spLocks noGrp="1"/>
-          </p:cNvSpPr>
-          <p:nvPr>
-            <p:ph idx="1"/>
-          </p:nvPr>
-        </p:nvSpPr>
-        <p:spPr/>
-        <p:txBody>
-          <a:bodyPr/>
-          <a:lstStyle/>
-          <a:p>
-            <a:r>
-              <a:rPr lang="fr-FR" dirty="0"/>
-              <a:t>Recognition of more buildings</a:t>
-            </a:r>
-          </a:p>
-          <a:p>
-            <a:endParaRPr lang="fr-FR" dirty="0"/>
-          </a:p>
-        </p:txBody>
-      </p:sp>
-    </p:spTree>
-    <p:extLst>
-      <p:ext uri="{BB962C8B-B14F-4D97-AF65-F5344CB8AC3E}">
-        <p14:creationId xmlns:p14="http://schemas.microsoft.com/office/powerpoint/2010/main" val="2432417726"/>
-      </p:ext>
-    </p:extLst>
-  </p:cSld>
-  <p:clrMapOvr>
-    <a:masterClrMapping/>
-  </p:clrMapOvr>
-</p:sld>
-</file>
-
-<file path=ppt/slides/slide17.xml><?xml version="1.0" encoding="utf-8"?>
 <p:sld xmlns:a="http://schemas.openxmlformats.org/drawingml/2006/main" xmlns:r="http://schemas.openxmlformats.org/officeDocument/2006/relationships" xmlns:p="http://schemas.openxmlformats.org/presentationml/2006/main">
   <p:cSld>
     <p:bg>
@@ -20892,7 +21017,7 @@
           </a:prstGeom>
           <a:extLst>
             <a:ext uri="{909E8E84-426E-40dd-AFC4-6F175D3DCCD1}">
-              <a14:hiddenFill xmlns="" xmlns:a16="http://schemas.microsoft.com/office/drawing/2014/main" xmlns:p14="http://schemas.microsoft.com/office/powerpoint/2010/main" xmlns:a14="http://schemas.microsoft.com/office/drawing/2010/main">
+              <a14:hiddenFill xmlns:a14="http://schemas.microsoft.com/office/drawing/2010/main" xmlns:p14="http://schemas.microsoft.com/office/powerpoint/2010/main" xmlns:a16="http://schemas.microsoft.com/office/drawing/2014/main" xmlns="">
                 <a:solidFill>
                   <a:srgbClr val="FFFFFF"/>
                 </a:solidFill>
@@ -21016,7 +21141,7 @@
           <a:noFill/>
           <a:extLst>
             <a:ext uri="{909E8E84-426E-40dd-AFC4-6F175D3DCCD1}">
-              <a14:hiddenFill xmlns="" xmlns:a16="http://schemas.microsoft.com/office/drawing/2014/main" xmlns:p14="http://schemas.microsoft.com/office/powerpoint/2010/main" xmlns:a14="http://schemas.microsoft.com/office/drawing/2010/main">
+              <a14:hiddenFill xmlns:a14="http://schemas.microsoft.com/office/drawing/2010/main" xmlns:p14="http://schemas.microsoft.com/office/powerpoint/2010/main" xmlns:a16="http://schemas.microsoft.com/office/drawing/2014/main" xmlns="">
                 <a:solidFill>
                   <a:srgbClr val="FFFFFF"/>
                 </a:solidFill>
@@ -21210,7 +21335,7 @@
             </a:ln>
             <a:extLst>
               <a:ext uri="{91240B29-F687-4f45-9708-019B960494DF}">
-                <a14:hiddenLine xmlns="" xmlns:a16="http://schemas.microsoft.com/office/drawing/2014/main" xmlns:p14="http://schemas.microsoft.com/office/powerpoint/2010/main" xmlns:a14="http://schemas.microsoft.com/office/drawing/2010/main" w="9525">
+                <a14:hiddenLine xmlns:a14="http://schemas.microsoft.com/office/drawing/2010/main" xmlns:p14="http://schemas.microsoft.com/office/powerpoint/2010/main" xmlns:a16="http://schemas.microsoft.com/office/drawing/2014/main" xmlns="" w="9525">
                   <a:solidFill>
                     <a:srgbClr val="000000"/>
                   </a:solidFill>
@@ -21315,7 +21440,7 @@
             </a:ln>
             <a:extLst>
               <a:ext uri="{91240B29-F687-4f45-9708-019B960494DF}">
-                <a14:hiddenLine xmlns="" xmlns:a16="http://schemas.microsoft.com/office/drawing/2014/main" xmlns:p14="http://schemas.microsoft.com/office/powerpoint/2010/main" xmlns:a14="http://schemas.microsoft.com/office/drawing/2010/main" w="9525">
+                <a14:hiddenLine xmlns:a14="http://schemas.microsoft.com/office/drawing/2010/main" xmlns:p14="http://schemas.microsoft.com/office/powerpoint/2010/main" xmlns:a16="http://schemas.microsoft.com/office/drawing/2014/main" xmlns="" w="9525">
                   <a:solidFill>
                     <a:srgbClr val="000000"/>
                   </a:solidFill>
@@ -21420,7 +21545,7 @@
             </a:ln>
             <a:extLst>
               <a:ext uri="{91240B29-F687-4f45-9708-019B960494DF}">
-                <a14:hiddenLine xmlns="" xmlns:a16="http://schemas.microsoft.com/office/drawing/2014/main" xmlns:p14="http://schemas.microsoft.com/office/powerpoint/2010/main" xmlns:a14="http://schemas.microsoft.com/office/drawing/2010/main" w="9525">
+                <a14:hiddenLine xmlns:a14="http://schemas.microsoft.com/office/drawing/2010/main" xmlns:p14="http://schemas.microsoft.com/office/powerpoint/2010/main" xmlns:a16="http://schemas.microsoft.com/office/drawing/2014/main" xmlns="" w="9525">
                   <a:solidFill>
                     <a:srgbClr val="000000"/>
                   </a:solidFill>
@@ -21497,7 +21622,7 @@
             </a:ln>
             <a:extLst>
               <a:ext uri="{91240B29-F687-4f45-9708-019B960494DF}">
-                <a14:hiddenLine xmlns="" xmlns:a16="http://schemas.microsoft.com/office/drawing/2014/main" xmlns:p14="http://schemas.microsoft.com/office/powerpoint/2010/main" xmlns:a14="http://schemas.microsoft.com/office/drawing/2010/main" w="9525">
+                <a14:hiddenLine xmlns:a14="http://schemas.microsoft.com/office/drawing/2010/main" xmlns:p14="http://schemas.microsoft.com/office/powerpoint/2010/main" xmlns:a16="http://schemas.microsoft.com/office/drawing/2014/main" xmlns="" w="9525">
                   <a:solidFill>
                     <a:srgbClr val="000000"/>
                   </a:solidFill>
@@ -21602,7 +21727,7 @@
             </a:ln>
             <a:extLst>
               <a:ext uri="{91240B29-F687-4f45-9708-019B960494DF}">
-                <a14:hiddenLine xmlns="" xmlns:a16="http://schemas.microsoft.com/office/drawing/2014/main" xmlns:p14="http://schemas.microsoft.com/office/powerpoint/2010/main" xmlns:a14="http://schemas.microsoft.com/office/drawing/2010/main" w="9525">
+                <a14:hiddenLine xmlns:a14="http://schemas.microsoft.com/office/drawing/2010/main" xmlns:p14="http://schemas.microsoft.com/office/powerpoint/2010/main" xmlns:a16="http://schemas.microsoft.com/office/drawing/2014/main" xmlns="" w="9525">
                   <a:solidFill>
                     <a:srgbClr val="000000"/>
                   </a:solidFill>
@@ -21679,7 +21804,7 @@
             </a:ln>
             <a:extLst>
               <a:ext uri="{91240B29-F687-4f45-9708-019B960494DF}">
-                <a14:hiddenLine xmlns="" xmlns:a16="http://schemas.microsoft.com/office/drawing/2014/main" xmlns:p14="http://schemas.microsoft.com/office/powerpoint/2010/main" xmlns:a14="http://schemas.microsoft.com/office/drawing/2010/main" w="9525">
+                <a14:hiddenLine xmlns:a14="http://schemas.microsoft.com/office/drawing/2010/main" xmlns:p14="http://schemas.microsoft.com/office/powerpoint/2010/main" xmlns:a16="http://schemas.microsoft.com/office/drawing/2014/main" xmlns="" w="9525">
                   <a:solidFill>
                     <a:srgbClr val="000000"/>
                   </a:solidFill>
@@ -21756,7 +21881,7 @@
             </a:ln>
             <a:extLst>
               <a:ext uri="{91240B29-F687-4f45-9708-019B960494DF}">
-                <a14:hiddenLine xmlns="" xmlns:a16="http://schemas.microsoft.com/office/drawing/2014/main" xmlns:p14="http://schemas.microsoft.com/office/powerpoint/2010/main" xmlns:a14="http://schemas.microsoft.com/office/drawing/2010/main" w="9525">
+                <a14:hiddenLine xmlns:a14="http://schemas.microsoft.com/office/drawing/2010/main" xmlns:p14="http://schemas.microsoft.com/office/powerpoint/2010/main" xmlns:a16="http://schemas.microsoft.com/office/drawing/2014/main" xmlns="" w="9525">
                   <a:solidFill>
                     <a:srgbClr val="000000"/>
                   </a:solidFill>
@@ -21861,7 +21986,7 @@
             </a:ln>
             <a:extLst>
               <a:ext uri="{91240B29-F687-4f45-9708-019B960494DF}">
-                <a14:hiddenLine xmlns="" xmlns:a16="http://schemas.microsoft.com/office/drawing/2014/main" xmlns:p14="http://schemas.microsoft.com/office/powerpoint/2010/main" xmlns:a14="http://schemas.microsoft.com/office/drawing/2010/main" w="9525">
+                <a14:hiddenLine xmlns:a14="http://schemas.microsoft.com/office/drawing/2010/main" xmlns:p14="http://schemas.microsoft.com/office/powerpoint/2010/main" xmlns:a16="http://schemas.microsoft.com/office/drawing/2014/main" xmlns="" w="9525">
                   <a:solidFill>
                     <a:srgbClr val="000000"/>
                   </a:solidFill>
@@ -21966,7 +22091,7 @@
             </a:ln>
             <a:extLst>
               <a:ext uri="{91240B29-F687-4f45-9708-019B960494DF}">
-                <a14:hiddenLine xmlns="" xmlns:a16="http://schemas.microsoft.com/office/drawing/2014/main" xmlns:p14="http://schemas.microsoft.com/office/powerpoint/2010/main" xmlns:a14="http://schemas.microsoft.com/office/drawing/2010/main" w="9525">
+                <a14:hiddenLine xmlns:a14="http://schemas.microsoft.com/office/drawing/2010/main" xmlns:p14="http://schemas.microsoft.com/office/powerpoint/2010/main" xmlns:a16="http://schemas.microsoft.com/office/drawing/2014/main" xmlns="" w="9525">
                   <a:solidFill>
                     <a:srgbClr val="000000"/>
                   </a:solidFill>
@@ -22043,7 +22168,7 @@
             </a:ln>
             <a:extLst>
               <a:ext uri="{91240B29-F687-4f45-9708-019B960494DF}">
-                <a14:hiddenLine xmlns="" xmlns:a16="http://schemas.microsoft.com/office/drawing/2014/main" xmlns:p14="http://schemas.microsoft.com/office/powerpoint/2010/main" xmlns:a14="http://schemas.microsoft.com/office/drawing/2010/main" w="9525">
+                <a14:hiddenLine xmlns:a14="http://schemas.microsoft.com/office/drawing/2010/main" xmlns:p14="http://schemas.microsoft.com/office/powerpoint/2010/main" xmlns:a16="http://schemas.microsoft.com/office/drawing/2014/main" xmlns="" w="9525">
                   <a:solidFill>
                     <a:srgbClr val="000000"/>
                   </a:solidFill>
@@ -22168,7 +22293,7 @@
             </a:ln>
             <a:extLst>
               <a:ext uri="{91240B29-F687-4f45-9708-019B960494DF}">
-                <a14:hiddenLine xmlns="" xmlns:a16="http://schemas.microsoft.com/office/drawing/2014/main" xmlns:p14="http://schemas.microsoft.com/office/powerpoint/2010/main" xmlns:a14="http://schemas.microsoft.com/office/drawing/2010/main" w="9525">
+                <a14:hiddenLine xmlns:a14="http://schemas.microsoft.com/office/drawing/2010/main" xmlns:p14="http://schemas.microsoft.com/office/powerpoint/2010/main" xmlns:a16="http://schemas.microsoft.com/office/drawing/2014/main" xmlns="" w="9525">
                   <a:solidFill>
                     <a:srgbClr val="000000"/>
                   </a:solidFill>
@@ -22282,7 +22407,7 @@
             </a:ln>
             <a:extLst>
               <a:ext uri="{91240B29-F687-4f45-9708-019B960494DF}">
-                <a14:hiddenLine xmlns="" xmlns:a16="http://schemas.microsoft.com/office/drawing/2014/main" xmlns:p14="http://schemas.microsoft.com/office/powerpoint/2010/main" xmlns:a14="http://schemas.microsoft.com/office/drawing/2010/main" w="9525">
+                <a14:hiddenLine xmlns:a14="http://schemas.microsoft.com/office/drawing/2010/main" xmlns:p14="http://schemas.microsoft.com/office/powerpoint/2010/main" xmlns:a16="http://schemas.microsoft.com/office/drawing/2014/main" xmlns="" w="9525">
                   <a:solidFill>
                     <a:srgbClr val="000000"/>
                   </a:solidFill>
@@ -22359,7 +22484,7 @@
             </a:ln>
             <a:extLst>
               <a:ext uri="{91240B29-F687-4f45-9708-019B960494DF}">
-                <a14:hiddenLine xmlns="" xmlns:a16="http://schemas.microsoft.com/office/drawing/2014/main" xmlns:p14="http://schemas.microsoft.com/office/powerpoint/2010/main" xmlns:a14="http://schemas.microsoft.com/office/drawing/2010/main" w="9525">
+                <a14:hiddenLine xmlns:a14="http://schemas.microsoft.com/office/drawing/2010/main" xmlns:p14="http://schemas.microsoft.com/office/powerpoint/2010/main" xmlns:a16="http://schemas.microsoft.com/office/drawing/2014/main" xmlns="" w="9525">
                   <a:solidFill>
                     <a:srgbClr val="000000"/>
                   </a:solidFill>
@@ -22436,7 +22561,7 @@
             </a:ln>
             <a:extLst>
               <a:ext uri="{91240B29-F687-4f45-9708-019B960494DF}">
-                <a14:hiddenLine xmlns="" xmlns:a16="http://schemas.microsoft.com/office/drawing/2014/main" xmlns:p14="http://schemas.microsoft.com/office/powerpoint/2010/main" xmlns:a14="http://schemas.microsoft.com/office/drawing/2010/main" w="9525">
+                <a14:hiddenLine xmlns:a14="http://schemas.microsoft.com/office/drawing/2010/main" xmlns:p14="http://schemas.microsoft.com/office/powerpoint/2010/main" xmlns:a16="http://schemas.microsoft.com/office/drawing/2014/main" xmlns="" w="9525">
                   <a:solidFill>
                     <a:srgbClr val="000000"/>
                   </a:solidFill>
@@ -22541,7 +22666,7 @@
             </a:ln>
             <a:extLst>
               <a:ext uri="{91240B29-F687-4f45-9708-019B960494DF}">
-                <a14:hiddenLine xmlns="" xmlns:a16="http://schemas.microsoft.com/office/drawing/2014/main" xmlns:p14="http://schemas.microsoft.com/office/powerpoint/2010/main" xmlns:a14="http://schemas.microsoft.com/office/drawing/2010/main" w="9525">
+                <a14:hiddenLine xmlns:a14="http://schemas.microsoft.com/office/drawing/2010/main" xmlns:p14="http://schemas.microsoft.com/office/powerpoint/2010/main" xmlns:a16="http://schemas.microsoft.com/office/drawing/2014/main" xmlns="" w="9525">
                   <a:solidFill>
                     <a:srgbClr val="000000"/>
                   </a:solidFill>
@@ -22590,7 +22715,7 @@
             </a:ln>
             <a:extLst>
               <a:ext uri="{91240B29-F687-4f45-9708-019B960494DF}">
-                <a14:hiddenLine xmlns="" xmlns:a16="http://schemas.microsoft.com/office/drawing/2014/main" xmlns:p14="http://schemas.microsoft.com/office/powerpoint/2010/main" xmlns:a14="http://schemas.microsoft.com/office/drawing/2010/main" w="9525">
+                <a14:hiddenLine xmlns:a14="http://schemas.microsoft.com/office/drawing/2010/main" xmlns:p14="http://schemas.microsoft.com/office/powerpoint/2010/main" xmlns:a16="http://schemas.microsoft.com/office/drawing/2014/main" xmlns="" w="9525">
                   <a:solidFill>
                     <a:srgbClr val="000000"/>
                   </a:solidFill>
@@ -22670,7 +22795,7 @@
             </a:ln>
             <a:extLst>
               <a:ext uri="{91240B29-F687-4f45-9708-019B960494DF}">
-                <a14:hiddenLine xmlns="" xmlns:a16="http://schemas.microsoft.com/office/drawing/2014/main" xmlns:p14="http://schemas.microsoft.com/office/powerpoint/2010/main" xmlns:a14="http://schemas.microsoft.com/office/drawing/2010/main" w="9525">
+                <a14:hiddenLine xmlns:a14="http://schemas.microsoft.com/office/drawing/2010/main" xmlns:p14="http://schemas.microsoft.com/office/powerpoint/2010/main" xmlns:a16="http://schemas.microsoft.com/office/drawing/2014/main" xmlns="" w="9525">
                   <a:solidFill>
                     <a:srgbClr val="000000"/>
                   </a:solidFill>
@@ -22775,7 +22900,7 @@
             </a:ln>
             <a:extLst>
               <a:ext uri="{91240B29-F687-4f45-9708-019B960494DF}">
-                <a14:hiddenLine xmlns="" xmlns:a16="http://schemas.microsoft.com/office/drawing/2014/main" xmlns:p14="http://schemas.microsoft.com/office/powerpoint/2010/main" xmlns:a14="http://schemas.microsoft.com/office/drawing/2010/main" w="9525">
+                <a14:hiddenLine xmlns:a14="http://schemas.microsoft.com/office/drawing/2010/main" xmlns:p14="http://schemas.microsoft.com/office/powerpoint/2010/main" xmlns:a16="http://schemas.microsoft.com/office/drawing/2014/main" xmlns="" w="9525">
                   <a:solidFill>
                     <a:srgbClr val="000000"/>
                   </a:solidFill>
@@ -22852,7 +22977,7 @@
             </a:ln>
             <a:extLst>
               <a:ext uri="{91240B29-F687-4f45-9708-019B960494DF}">
-                <a14:hiddenLine xmlns="" xmlns:a16="http://schemas.microsoft.com/office/drawing/2014/main" xmlns:p14="http://schemas.microsoft.com/office/powerpoint/2010/main" xmlns:a14="http://schemas.microsoft.com/office/drawing/2010/main" w="9525">
+                <a14:hiddenLine xmlns:a14="http://schemas.microsoft.com/office/drawing/2010/main" xmlns:p14="http://schemas.microsoft.com/office/powerpoint/2010/main" xmlns:a16="http://schemas.microsoft.com/office/drawing/2014/main" xmlns="" w="9525">
                   <a:solidFill>
                     <a:srgbClr val="000000"/>
                   </a:solidFill>
@@ -22957,7 +23082,7 @@
             </a:ln>
             <a:extLst>
               <a:ext uri="{91240B29-F687-4f45-9708-019B960494DF}">
-                <a14:hiddenLine xmlns="" xmlns:a16="http://schemas.microsoft.com/office/drawing/2014/main" xmlns:p14="http://schemas.microsoft.com/office/powerpoint/2010/main" xmlns:a14="http://schemas.microsoft.com/office/drawing/2010/main" w="9525">
+                <a14:hiddenLine xmlns:a14="http://schemas.microsoft.com/office/drawing/2010/main" xmlns:p14="http://schemas.microsoft.com/office/powerpoint/2010/main" xmlns:a16="http://schemas.microsoft.com/office/drawing/2014/main" xmlns="" w="9525">
                   <a:solidFill>
                     <a:srgbClr val="000000"/>
                   </a:solidFill>
@@ -23037,7 +23162,7 @@
             </a:ln>
             <a:extLst>
               <a:ext uri="{91240B29-F687-4f45-9708-019B960494DF}">
-                <a14:hiddenLine xmlns="" xmlns:a16="http://schemas.microsoft.com/office/drawing/2014/main" xmlns:p14="http://schemas.microsoft.com/office/powerpoint/2010/main" xmlns:a14="http://schemas.microsoft.com/office/drawing/2010/main" w="9525">
+                <a14:hiddenLine xmlns:a14="http://schemas.microsoft.com/office/drawing/2010/main" xmlns:p14="http://schemas.microsoft.com/office/powerpoint/2010/main" xmlns:a16="http://schemas.microsoft.com/office/drawing/2014/main" xmlns="" w="9525">
                   <a:solidFill>
                     <a:srgbClr val="000000"/>
                   </a:solidFill>
@@ -23114,7 +23239,7 @@
             </a:ln>
             <a:extLst>
               <a:ext uri="{91240B29-F687-4f45-9708-019B960494DF}">
-                <a14:hiddenLine xmlns="" xmlns:a16="http://schemas.microsoft.com/office/drawing/2014/main" xmlns:p14="http://schemas.microsoft.com/office/powerpoint/2010/main" xmlns:a14="http://schemas.microsoft.com/office/drawing/2010/main" w="9525">
+                <a14:hiddenLine xmlns:a14="http://schemas.microsoft.com/office/drawing/2010/main" xmlns:p14="http://schemas.microsoft.com/office/powerpoint/2010/main" xmlns:a16="http://schemas.microsoft.com/office/drawing/2014/main" xmlns="" w="9525">
                   <a:solidFill>
                     <a:srgbClr val="000000"/>
                   </a:solidFill>
@@ -23219,7 +23344,7 @@
             </a:ln>
             <a:extLst>
               <a:ext uri="{91240B29-F687-4f45-9708-019B960494DF}">
-                <a14:hiddenLine xmlns="" xmlns:a16="http://schemas.microsoft.com/office/drawing/2014/main" xmlns:p14="http://schemas.microsoft.com/office/powerpoint/2010/main" xmlns:a14="http://schemas.microsoft.com/office/drawing/2010/main" w="9525">
+                <a14:hiddenLine xmlns:a14="http://schemas.microsoft.com/office/drawing/2010/main" xmlns:p14="http://schemas.microsoft.com/office/powerpoint/2010/main" xmlns:a16="http://schemas.microsoft.com/office/drawing/2014/main" xmlns="" w="9525">
                   <a:solidFill>
                     <a:srgbClr val="000000"/>
                   </a:solidFill>
@@ -23324,7 +23449,7 @@
             </a:ln>
             <a:extLst>
               <a:ext uri="{91240B29-F687-4f45-9708-019B960494DF}">
-                <a14:hiddenLine xmlns="" xmlns:a16="http://schemas.microsoft.com/office/drawing/2014/main" xmlns:p14="http://schemas.microsoft.com/office/powerpoint/2010/main" xmlns:a14="http://schemas.microsoft.com/office/drawing/2010/main" w="9525">
+                <a14:hiddenLine xmlns:a14="http://schemas.microsoft.com/office/drawing/2010/main" xmlns:p14="http://schemas.microsoft.com/office/powerpoint/2010/main" xmlns:a16="http://schemas.microsoft.com/office/drawing/2014/main" xmlns="" w="9525">
                   <a:solidFill>
                     <a:srgbClr val="000000"/>
                   </a:solidFill>
@@ -23404,7 +23529,7 @@
             </a:ln>
             <a:extLst>
               <a:ext uri="{91240B29-F687-4f45-9708-019B960494DF}">
-                <a14:hiddenLine xmlns="" xmlns:a16="http://schemas.microsoft.com/office/drawing/2014/main" xmlns:p14="http://schemas.microsoft.com/office/powerpoint/2010/main" xmlns:a14="http://schemas.microsoft.com/office/drawing/2010/main" w="9525">
+                <a14:hiddenLine xmlns:a14="http://schemas.microsoft.com/office/drawing/2010/main" xmlns:p14="http://schemas.microsoft.com/office/powerpoint/2010/main" xmlns:a16="http://schemas.microsoft.com/office/drawing/2014/main" xmlns="" w="9525">
                   <a:solidFill>
                     <a:srgbClr val="000000"/>
                   </a:solidFill>
@@ -23539,7 +23664,7 @@
             </a:ln>
             <a:extLst>
               <a:ext uri="{91240B29-F687-4f45-9708-019B960494DF}">
-                <a14:hiddenLine xmlns="" xmlns:a16="http://schemas.microsoft.com/office/drawing/2014/main" xmlns:p14="http://schemas.microsoft.com/office/powerpoint/2010/main" xmlns:a14="http://schemas.microsoft.com/office/drawing/2010/main" w="9525">
+                <a14:hiddenLine xmlns:a14="http://schemas.microsoft.com/office/drawing/2010/main" xmlns:p14="http://schemas.microsoft.com/office/powerpoint/2010/main" xmlns:a16="http://schemas.microsoft.com/office/drawing/2014/main" xmlns="" w="9525">
                   <a:solidFill>
                     <a:srgbClr val="000000"/>
                   </a:solidFill>
@@ -23596,6 +23721,36 @@
               </a14:hiddenFill>
             </a:ext>
           </a:extLst>
+        </p:spPr>
+      </p:pic>
+      <p:pic>
+        <p:nvPicPr>
+          <p:cNvPr id="4" name="Image 3">
+            <a:extLst>
+              <a:ext uri="{FF2B5EF4-FFF2-40B4-BE49-F238E27FC236}">
+                <a16:creationId xmlns:a16="http://schemas.microsoft.com/office/drawing/2014/main" id="{1EA17363-A978-49A1-BAFB-72CA35599460}"/>
+              </a:ext>
+            </a:extLst>
+          </p:cNvPr>
+          <p:cNvPicPr>
+            <a:picLocks noChangeAspect="1"/>
+          </p:cNvPicPr>
+          <p:nvPr/>
+        </p:nvPicPr>
+        <p:blipFill>
+          <a:blip r:embed="rId4"/>
+          <a:stretch>
+            <a:fillRect/>
+          </a:stretch>
+        </p:blipFill>
+        <p:spPr>
+          <a:xfrm>
+            <a:off x="11086547" y="6078478"/>
+            <a:ext cx="1042506" cy="646232"/>
+          </a:xfrm>
+          <a:prstGeom prst="rect">
+            <a:avLst/>
+          </a:prstGeom>
         </p:spPr>
       </p:pic>
     </p:spTree>
@@ -23787,7 +23942,7 @@
             </a:ln>
             <a:extLst>
               <a:ext uri="{91240B29-F687-4f45-9708-019B960494DF}">
-                <a14:hiddenLine xmlns="" xmlns:a16="http://schemas.microsoft.com/office/drawing/2014/main" xmlns:p14="http://schemas.microsoft.com/office/powerpoint/2010/main" xmlns:a14="http://schemas.microsoft.com/office/drawing/2010/main" w="9525">
+                <a14:hiddenLine xmlns:a14="http://schemas.microsoft.com/office/drawing/2010/main" xmlns:p14="http://schemas.microsoft.com/office/powerpoint/2010/main" xmlns:a16="http://schemas.microsoft.com/office/drawing/2014/main" xmlns="" w="9525">
                   <a:solidFill>
                     <a:srgbClr val="000000"/>
                   </a:solidFill>
@@ -23892,7 +24047,7 @@
             </a:ln>
             <a:extLst>
               <a:ext uri="{91240B29-F687-4f45-9708-019B960494DF}">
-                <a14:hiddenLine xmlns="" xmlns:a16="http://schemas.microsoft.com/office/drawing/2014/main" xmlns:p14="http://schemas.microsoft.com/office/powerpoint/2010/main" xmlns:a14="http://schemas.microsoft.com/office/drawing/2010/main" w="9525">
+                <a14:hiddenLine xmlns:a14="http://schemas.microsoft.com/office/drawing/2010/main" xmlns:p14="http://schemas.microsoft.com/office/powerpoint/2010/main" xmlns:a16="http://schemas.microsoft.com/office/drawing/2014/main" xmlns="" w="9525">
                   <a:solidFill>
                     <a:srgbClr val="000000"/>
                   </a:solidFill>
@@ -23997,7 +24152,7 @@
             </a:ln>
             <a:extLst>
               <a:ext uri="{91240B29-F687-4f45-9708-019B960494DF}">
-                <a14:hiddenLine xmlns="" xmlns:a16="http://schemas.microsoft.com/office/drawing/2014/main" xmlns:p14="http://schemas.microsoft.com/office/powerpoint/2010/main" xmlns:a14="http://schemas.microsoft.com/office/drawing/2010/main" w="9525">
+                <a14:hiddenLine xmlns:a14="http://schemas.microsoft.com/office/drawing/2010/main" xmlns:p14="http://schemas.microsoft.com/office/powerpoint/2010/main" xmlns:a16="http://schemas.microsoft.com/office/drawing/2014/main" xmlns="" w="9525">
                   <a:solidFill>
                     <a:srgbClr val="000000"/>
                   </a:solidFill>
@@ -24074,7 +24229,7 @@
             </a:ln>
             <a:extLst>
               <a:ext uri="{91240B29-F687-4f45-9708-019B960494DF}">
-                <a14:hiddenLine xmlns="" xmlns:a16="http://schemas.microsoft.com/office/drawing/2014/main" xmlns:p14="http://schemas.microsoft.com/office/powerpoint/2010/main" xmlns:a14="http://schemas.microsoft.com/office/drawing/2010/main" w="9525">
+                <a14:hiddenLine xmlns:a14="http://schemas.microsoft.com/office/drawing/2010/main" xmlns:p14="http://schemas.microsoft.com/office/powerpoint/2010/main" xmlns:a16="http://schemas.microsoft.com/office/drawing/2014/main" xmlns="" w="9525">
                   <a:solidFill>
                     <a:srgbClr val="000000"/>
                   </a:solidFill>
@@ -24179,7 +24334,7 @@
             </a:ln>
             <a:extLst>
               <a:ext uri="{91240B29-F687-4f45-9708-019B960494DF}">
-                <a14:hiddenLine xmlns="" xmlns:a16="http://schemas.microsoft.com/office/drawing/2014/main" xmlns:p14="http://schemas.microsoft.com/office/powerpoint/2010/main" xmlns:a14="http://schemas.microsoft.com/office/drawing/2010/main" w="9525">
+                <a14:hiddenLine xmlns:a14="http://schemas.microsoft.com/office/drawing/2010/main" xmlns:p14="http://schemas.microsoft.com/office/powerpoint/2010/main" xmlns:a16="http://schemas.microsoft.com/office/drawing/2014/main" xmlns="" w="9525">
                   <a:solidFill>
                     <a:srgbClr val="000000"/>
                   </a:solidFill>
@@ -24256,7 +24411,7 @@
             </a:ln>
             <a:extLst>
               <a:ext uri="{91240B29-F687-4f45-9708-019B960494DF}">
-                <a14:hiddenLine xmlns="" xmlns:a16="http://schemas.microsoft.com/office/drawing/2014/main" xmlns:p14="http://schemas.microsoft.com/office/powerpoint/2010/main" xmlns:a14="http://schemas.microsoft.com/office/drawing/2010/main" w="9525">
+                <a14:hiddenLine xmlns:a14="http://schemas.microsoft.com/office/drawing/2010/main" xmlns:p14="http://schemas.microsoft.com/office/powerpoint/2010/main" xmlns:a16="http://schemas.microsoft.com/office/drawing/2014/main" xmlns="" w="9525">
                   <a:solidFill>
                     <a:srgbClr val="000000"/>
                   </a:solidFill>
@@ -24333,7 +24488,7 @@
             </a:ln>
             <a:extLst>
               <a:ext uri="{91240B29-F687-4f45-9708-019B960494DF}">
-                <a14:hiddenLine xmlns="" xmlns:a16="http://schemas.microsoft.com/office/drawing/2014/main" xmlns:p14="http://schemas.microsoft.com/office/powerpoint/2010/main" xmlns:a14="http://schemas.microsoft.com/office/drawing/2010/main" w="9525">
+                <a14:hiddenLine xmlns:a14="http://schemas.microsoft.com/office/drawing/2010/main" xmlns:p14="http://schemas.microsoft.com/office/powerpoint/2010/main" xmlns:a16="http://schemas.microsoft.com/office/drawing/2014/main" xmlns="" w="9525">
                   <a:solidFill>
                     <a:srgbClr val="000000"/>
                   </a:solidFill>
@@ -24438,7 +24593,7 @@
             </a:ln>
             <a:extLst>
               <a:ext uri="{91240B29-F687-4f45-9708-019B960494DF}">
-                <a14:hiddenLine xmlns="" xmlns:a16="http://schemas.microsoft.com/office/drawing/2014/main" xmlns:p14="http://schemas.microsoft.com/office/powerpoint/2010/main" xmlns:a14="http://schemas.microsoft.com/office/drawing/2010/main" w="9525">
+                <a14:hiddenLine xmlns:a14="http://schemas.microsoft.com/office/drawing/2010/main" xmlns:p14="http://schemas.microsoft.com/office/powerpoint/2010/main" xmlns:a16="http://schemas.microsoft.com/office/drawing/2014/main" xmlns="" w="9525">
                   <a:solidFill>
                     <a:srgbClr val="000000"/>
                   </a:solidFill>
@@ -24543,7 +24698,7 @@
             </a:ln>
             <a:extLst>
               <a:ext uri="{91240B29-F687-4f45-9708-019B960494DF}">
-                <a14:hiddenLine xmlns="" xmlns:a16="http://schemas.microsoft.com/office/drawing/2014/main" xmlns:p14="http://schemas.microsoft.com/office/powerpoint/2010/main" xmlns:a14="http://schemas.microsoft.com/office/drawing/2010/main" w="9525">
+                <a14:hiddenLine xmlns:a14="http://schemas.microsoft.com/office/drawing/2010/main" xmlns:p14="http://schemas.microsoft.com/office/powerpoint/2010/main" xmlns:a16="http://schemas.microsoft.com/office/drawing/2014/main" xmlns="" w="9525">
                   <a:solidFill>
                     <a:srgbClr val="000000"/>
                   </a:solidFill>
@@ -24620,7 +24775,7 @@
             </a:ln>
             <a:extLst>
               <a:ext uri="{91240B29-F687-4f45-9708-019B960494DF}">
-                <a14:hiddenLine xmlns="" xmlns:a16="http://schemas.microsoft.com/office/drawing/2014/main" xmlns:p14="http://schemas.microsoft.com/office/powerpoint/2010/main" xmlns:a14="http://schemas.microsoft.com/office/drawing/2010/main" w="9525">
+                <a14:hiddenLine xmlns:a14="http://schemas.microsoft.com/office/drawing/2010/main" xmlns:p14="http://schemas.microsoft.com/office/powerpoint/2010/main" xmlns:a16="http://schemas.microsoft.com/office/drawing/2014/main" xmlns="" w="9525">
                   <a:solidFill>
                     <a:srgbClr val="000000"/>
                   </a:solidFill>
@@ -24745,7 +24900,7 @@
             </a:ln>
             <a:extLst>
               <a:ext uri="{91240B29-F687-4f45-9708-019B960494DF}">
-                <a14:hiddenLine xmlns="" xmlns:a16="http://schemas.microsoft.com/office/drawing/2014/main" xmlns:p14="http://schemas.microsoft.com/office/powerpoint/2010/main" xmlns:a14="http://schemas.microsoft.com/office/drawing/2010/main" w="9525">
+                <a14:hiddenLine xmlns:a14="http://schemas.microsoft.com/office/drawing/2010/main" xmlns:p14="http://schemas.microsoft.com/office/powerpoint/2010/main" xmlns:a16="http://schemas.microsoft.com/office/drawing/2014/main" xmlns="" w="9525">
                   <a:solidFill>
                     <a:srgbClr val="000000"/>
                   </a:solidFill>
@@ -24859,7 +25014,7 @@
             </a:ln>
             <a:extLst>
               <a:ext uri="{91240B29-F687-4f45-9708-019B960494DF}">
-                <a14:hiddenLine xmlns="" xmlns:a16="http://schemas.microsoft.com/office/drawing/2014/main" xmlns:p14="http://schemas.microsoft.com/office/powerpoint/2010/main" xmlns:a14="http://schemas.microsoft.com/office/drawing/2010/main" w="9525">
+                <a14:hiddenLine xmlns:a14="http://schemas.microsoft.com/office/drawing/2010/main" xmlns:p14="http://schemas.microsoft.com/office/powerpoint/2010/main" xmlns:a16="http://schemas.microsoft.com/office/drawing/2014/main" xmlns="" w="9525">
                   <a:solidFill>
                     <a:srgbClr val="000000"/>
                   </a:solidFill>
@@ -24936,7 +25091,7 @@
             </a:ln>
             <a:extLst>
               <a:ext uri="{91240B29-F687-4f45-9708-019B960494DF}">
-                <a14:hiddenLine xmlns="" xmlns:a16="http://schemas.microsoft.com/office/drawing/2014/main" xmlns:p14="http://schemas.microsoft.com/office/powerpoint/2010/main" xmlns:a14="http://schemas.microsoft.com/office/drawing/2010/main" w="9525">
+                <a14:hiddenLine xmlns:a14="http://schemas.microsoft.com/office/drawing/2010/main" xmlns:p14="http://schemas.microsoft.com/office/powerpoint/2010/main" xmlns:a16="http://schemas.microsoft.com/office/drawing/2014/main" xmlns="" w="9525">
                   <a:solidFill>
                     <a:srgbClr val="000000"/>
                   </a:solidFill>
@@ -25013,7 +25168,7 @@
             </a:ln>
             <a:extLst>
               <a:ext uri="{91240B29-F687-4f45-9708-019B960494DF}">
-                <a14:hiddenLine xmlns="" xmlns:a16="http://schemas.microsoft.com/office/drawing/2014/main" xmlns:p14="http://schemas.microsoft.com/office/powerpoint/2010/main" xmlns:a14="http://schemas.microsoft.com/office/drawing/2010/main" w="9525">
+                <a14:hiddenLine xmlns:a14="http://schemas.microsoft.com/office/drawing/2010/main" xmlns:p14="http://schemas.microsoft.com/office/powerpoint/2010/main" xmlns:a16="http://schemas.microsoft.com/office/drawing/2014/main" xmlns="" w="9525">
                   <a:solidFill>
                     <a:srgbClr val="000000"/>
                   </a:solidFill>
@@ -25118,7 +25273,7 @@
             </a:ln>
             <a:extLst>
               <a:ext uri="{91240B29-F687-4f45-9708-019B960494DF}">
-                <a14:hiddenLine xmlns="" xmlns:a16="http://schemas.microsoft.com/office/drawing/2014/main" xmlns:p14="http://schemas.microsoft.com/office/powerpoint/2010/main" xmlns:a14="http://schemas.microsoft.com/office/drawing/2010/main" w="9525">
+                <a14:hiddenLine xmlns:a14="http://schemas.microsoft.com/office/drawing/2010/main" xmlns:p14="http://schemas.microsoft.com/office/powerpoint/2010/main" xmlns:a16="http://schemas.microsoft.com/office/drawing/2014/main" xmlns="" w="9525">
                   <a:solidFill>
                     <a:srgbClr val="000000"/>
                   </a:solidFill>
@@ -25167,7 +25322,7 @@
             </a:ln>
             <a:extLst>
               <a:ext uri="{91240B29-F687-4f45-9708-019B960494DF}">
-                <a14:hiddenLine xmlns="" xmlns:a16="http://schemas.microsoft.com/office/drawing/2014/main" xmlns:p14="http://schemas.microsoft.com/office/powerpoint/2010/main" xmlns:a14="http://schemas.microsoft.com/office/drawing/2010/main" w="9525">
+                <a14:hiddenLine xmlns:a14="http://schemas.microsoft.com/office/drawing/2010/main" xmlns:p14="http://schemas.microsoft.com/office/powerpoint/2010/main" xmlns:a16="http://schemas.microsoft.com/office/drawing/2014/main" xmlns="" w="9525">
                   <a:solidFill>
                     <a:srgbClr val="000000"/>
                   </a:solidFill>
@@ -25247,7 +25402,7 @@
             </a:ln>
             <a:extLst>
               <a:ext uri="{91240B29-F687-4f45-9708-019B960494DF}">
-                <a14:hiddenLine xmlns="" xmlns:a16="http://schemas.microsoft.com/office/drawing/2014/main" xmlns:p14="http://schemas.microsoft.com/office/powerpoint/2010/main" xmlns:a14="http://schemas.microsoft.com/office/drawing/2010/main" w="9525">
+                <a14:hiddenLine xmlns:a14="http://schemas.microsoft.com/office/drawing/2010/main" xmlns:p14="http://schemas.microsoft.com/office/powerpoint/2010/main" xmlns:a16="http://schemas.microsoft.com/office/drawing/2014/main" xmlns="" w="9525">
                   <a:solidFill>
                     <a:srgbClr val="000000"/>
                   </a:solidFill>
@@ -25352,7 +25507,7 @@
             </a:ln>
             <a:extLst>
               <a:ext uri="{91240B29-F687-4f45-9708-019B960494DF}">
-                <a14:hiddenLine xmlns="" xmlns:a16="http://schemas.microsoft.com/office/drawing/2014/main" xmlns:p14="http://schemas.microsoft.com/office/powerpoint/2010/main" xmlns:a14="http://schemas.microsoft.com/office/drawing/2010/main" w="9525">
+                <a14:hiddenLine xmlns:a14="http://schemas.microsoft.com/office/drawing/2010/main" xmlns:p14="http://schemas.microsoft.com/office/powerpoint/2010/main" xmlns:a16="http://schemas.microsoft.com/office/drawing/2014/main" xmlns="" w="9525">
                   <a:solidFill>
                     <a:srgbClr val="000000"/>
                   </a:solidFill>
@@ -25429,7 +25584,7 @@
             </a:ln>
             <a:extLst>
               <a:ext uri="{91240B29-F687-4f45-9708-019B960494DF}">
-                <a14:hiddenLine xmlns="" xmlns:a16="http://schemas.microsoft.com/office/drawing/2014/main" xmlns:p14="http://schemas.microsoft.com/office/powerpoint/2010/main" xmlns:a14="http://schemas.microsoft.com/office/drawing/2010/main" w="9525">
+                <a14:hiddenLine xmlns:a14="http://schemas.microsoft.com/office/drawing/2010/main" xmlns:p14="http://schemas.microsoft.com/office/powerpoint/2010/main" xmlns:a16="http://schemas.microsoft.com/office/drawing/2014/main" xmlns="" w="9525">
                   <a:solidFill>
                     <a:srgbClr val="000000"/>
                   </a:solidFill>
@@ -25534,7 +25689,7 @@
             </a:ln>
             <a:extLst>
               <a:ext uri="{91240B29-F687-4f45-9708-019B960494DF}">
-                <a14:hiddenLine xmlns="" xmlns:a16="http://schemas.microsoft.com/office/drawing/2014/main" xmlns:p14="http://schemas.microsoft.com/office/powerpoint/2010/main" xmlns:a14="http://schemas.microsoft.com/office/drawing/2010/main" w="9525">
+                <a14:hiddenLine xmlns:a14="http://schemas.microsoft.com/office/drawing/2010/main" xmlns:p14="http://schemas.microsoft.com/office/powerpoint/2010/main" xmlns:a16="http://schemas.microsoft.com/office/drawing/2014/main" xmlns="" w="9525">
                   <a:solidFill>
                     <a:srgbClr val="000000"/>
                   </a:solidFill>
@@ -25614,7 +25769,7 @@
             </a:ln>
             <a:extLst>
               <a:ext uri="{91240B29-F687-4f45-9708-019B960494DF}">
-                <a14:hiddenLine xmlns="" xmlns:a16="http://schemas.microsoft.com/office/drawing/2014/main" xmlns:p14="http://schemas.microsoft.com/office/powerpoint/2010/main" xmlns:a14="http://schemas.microsoft.com/office/drawing/2010/main" w="9525">
+                <a14:hiddenLine xmlns:a14="http://schemas.microsoft.com/office/drawing/2010/main" xmlns:p14="http://schemas.microsoft.com/office/powerpoint/2010/main" xmlns:a16="http://schemas.microsoft.com/office/drawing/2014/main" xmlns="" w="9525">
                   <a:solidFill>
                     <a:srgbClr val="000000"/>
                   </a:solidFill>
@@ -25691,7 +25846,7 @@
             </a:ln>
             <a:extLst>
               <a:ext uri="{91240B29-F687-4f45-9708-019B960494DF}">
-                <a14:hiddenLine xmlns="" xmlns:a16="http://schemas.microsoft.com/office/drawing/2014/main" xmlns:p14="http://schemas.microsoft.com/office/powerpoint/2010/main" xmlns:a14="http://schemas.microsoft.com/office/drawing/2010/main" w="9525">
+                <a14:hiddenLine xmlns:a14="http://schemas.microsoft.com/office/drawing/2010/main" xmlns:p14="http://schemas.microsoft.com/office/powerpoint/2010/main" xmlns:a16="http://schemas.microsoft.com/office/drawing/2014/main" xmlns="" w="9525">
                   <a:solidFill>
                     <a:srgbClr val="000000"/>
                   </a:solidFill>
@@ -25796,7 +25951,7 @@
             </a:ln>
             <a:extLst>
               <a:ext uri="{91240B29-F687-4f45-9708-019B960494DF}">
-                <a14:hiddenLine xmlns="" xmlns:a16="http://schemas.microsoft.com/office/drawing/2014/main" xmlns:p14="http://schemas.microsoft.com/office/powerpoint/2010/main" xmlns:a14="http://schemas.microsoft.com/office/drawing/2010/main" w="9525">
+                <a14:hiddenLine xmlns:a14="http://schemas.microsoft.com/office/drawing/2010/main" xmlns:p14="http://schemas.microsoft.com/office/powerpoint/2010/main" xmlns:a16="http://schemas.microsoft.com/office/drawing/2014/main" xmlns="" w="9525">
                   <a:solidFill>
                     <a:srgbClr val="000000"/>
                   </a:solidFill>
@@ -25901,7 +26056,7 @@
             </a:ln>
             <a:extLst>
               <a:ext uri="{91240B29-F687-4f45-9708-019B960494DF}">
-                <a14:hiddenLine xmlns="" xmlns:a16="http://schemas.microsoft.com/office/drawing/2014/main" xmlns:p14="http://schemas.microsoft.com/office/powerpoint/2010/main" xmlns:a14="http://schemas.microsoft.com/office/drawing/2010/main" w="9525">
+                <a14:hiddenLine xmlns:a14="http://schemas.microsoft.com/office/drawing/2010/main" xmlns:p14="http://schemas.microsoft.com/office/powerpoint/2010/main" xmlns:a16="http://schemas.microsoft.com/office/drawing/2014/main" xmlns="" w="9525">
                   <a:solidFill>
                     <a:srgbClr val="000000"/>
                   </a:solidFill>
@@ -25981,7 +26136,7 @@
             </a:ln>
             <a:extLst>
               <a:ext uri="{91240B29-F687-4f45-9708-019B960494DF}">
-                <a14:hiddenLine xmlns="" xmlns:a16="http://schemas.microsoft.com/office/drawing/2014/main" xmlns:p14="http://schemas.microsoft.com/office/powerpoint/2010/main" xmlns:a14="http://schemas.microsoft.com/office/drawing/2010/main" w="9525">
+                <a14:hiddenLine xmlns:a14="http://schemas.microsoft.com/office/drawing/2010/main" xmlns:p14="http://schemas.microsoft.com/office/powerpoint/2010/main" xmlns:a16="http://schemas.microsoft.com/office/drawing/2014/main" xmlns="" w="9525">
                   <a:solidFill>
                     <a:srgbClr val="000000"/>
                   </a:solidFill>
@@ -26116,7 +26271,7 @@
             </a:ln>
             <a:extLst>
               <a:ext uri="{91240B29-F687-4f45-9708-019B960494DF}">
-                <a14:hiddenLine xmlns="" xmlns:a16="http://schemas.microsoft.com/office/drawing/2014/main" xmlns:p14="http://schemas.microsoft.com/office/powerpoint/2010/main" xmlns:a14="http://schemas.microsoft.com/office/drawing/2010/main" w="9525">
+                <a14:hiddenLine xmlns:a14="http://schemas.microsoft.com/office/drawing/2010/main" xmlns:p14="http://schemas.microsoft.com/office/powerpoint/2010/main" xmlns:a16="http://schemas.microsoft.com/office/drawing/2014/main" xmlns="" w="9525">
                   <a:solidFill>
                     <a:srgbClr val="000000"/>
                   </a:solidFill>
@@ -26249,21 +26404,67 @@
           <a:lstStyle/>
           <a:p>
             <a:r>
-              <a:rPr lang="fr-FR" sz="1800"/>
+              <a:rPr lang="fr-FR" sz="1800" dirty="0"/>
               <a:t>Sentence pitch</a:t>
             </a:r>
           </a:p>
           <a:p>
             <a:r>
-              <a:rPr lang="fr-FR" sz="1800"/>
+              <a:rPr lang="fr-FR" sz="1800" dirty="0" err="1"/>
               <a:t>Milestones</a:t>
+            </a:r>
+            <a:endParaRPr lang="fr-FR" sz="1800" dirty="0"/>
+          </a:p>
+          <a:p>
+            <a:r>
+              <a:rPr lang="fr-FR" sz="1800" dirty="0"/>
+              <a:t>Diagramme de séquence</a:t>
             </a:r>
           </a:p>
           <a:p>
             <a:r>
-              <a:rPr lang="fr-FR" sz="1800"/>
-              <a:t>Diagramme de séquence</a:t>
+              <a:rPr lang="fr-FR" sz="1800" dirty="0"/>
+              <a:t>Use cases</a:t>
             </a:r>
+          </a:p>
+          <a:p>
+            <a:r>
+              <a:rPr lang="fr-FR" sz="1800" dirty="0"/>
+              <a:t>Use case </a:t>
+            </a:r>
+            <a:r>
+              <a:rPr lang="fr-FR" sz="1800" dirty="0" err="1"/>
+              <a:t>diagram</a:t>
+            </a:r>
+            <a:endParaRPr lang="fr-FR" sz="1800" dirty="0"/>
+          </a:p>
+          <a:p>
+            <a:r>
+              <a:rPr lang="fr-FR" sz="1800" dirty="0"/>
+              <a:t>Architecture</a:t>
+            </a:r>
+          </a:p>
+          <a:p>
+            <a:r>
+              <a:rPr lang="fr-FR" sz="1800" dirty="0" err="1"/>
+              <a:t>Sequence</a:t>
+            </a:r>
+            <a:r>
+              <a:rPr lang="fr-FR" sz="1800" dirty="0"/>
+              <a:t> </a:t>
+            </a:r>
+            <a:r>
+              <a:rPr lang="fr-FR" sz="1800" dirty="0" err="1"/>
+              <a:t>diagram</a:t>
+            </a:r>
+            <a:endParaRPr lang="fr-FR" sz="1800" dirty="0"/>
+          </a:p>
+          <a:p>
+            <a:r>
+              <a:rPr lang="fr-FR" sz="1800" dirty="0" err="1"/>
+              <a:t>Demo</a:t>
+            </a:r>
+            <a:endParaRPr lang="fr-FR" sz="1800" dirty="0"/>
           </a:p>
         </p:txBody>
       </p:sp>
@@ -26371,7 +26572,7 @@
             </a:ln>
             <a:extLst>
               <a:ext uri="{91240B29-F687-4f45-9708-019B960494DF}">
-                <a14:hiddenLine xmlns="" xmlns:a16="http://schemas.microsoft.com/office/drawing/2014/main" xmlns:p14="http://schemas.microsoft.com/office/powerpoint/2010/main" xmlns:a14="http://schemas.microsoft.com/office/drawing/2010/main" w="9525">
+                <a14:hiddenLine xmlns:a14="http://schemas.microsoft.com/office/drawing/2010/main" xmlns:p14="http://schemas.microsoft.com/office/powerpoint/2010/main" xmlns:a16="http://schemas.microsoft.com/office/drawing/2014/main" xmlns="" w="9525">
                   <a:solidFill>
                     <a:srgbClr val="000000"/>
                   </a:solidFill>
@@ -26501,7 +26702,7 @@
             </a:ln>
             <a:extLst>
               <a:ext uri="{91240B29-F687-4f45-9708-019B960494DF}">
-                <a14:hiddenLine xmlns="" xmlns:a16="http://schemas.microsoft.com/office/drawing/2014/main" xmlns:p14="http://schemas.microsoft.com/office/powerpoint/2010/main" xmlns:a14="http://schemas.microsoft.com/office/drawing/2010/main" w="9525">
+                <a14:hiddenLine xmlns:a14="http://schemas.microsoft.com/office/drawing/2010/main" xmlns:p14="http://schemas.microsoft.com/office/powerpoint/2010/main" xmlns:a16="http://schemas.microsoft.com/office/drawing/2014/main" xmlns="" w="9525">
                   <a:solidFill>
                     <a:srgbClr val="000000"/>
                   </a:solidFill>
@@ -26606,7 +26807,7 @@
             </a:ln>
             <a:extLst>
               <a:ext uri="{91240B29-F687-4f45-9708-019B960494DF}">
-                <a14:hiddenLine xmlns="" xmlns:a16="http://schemas.microsoft.com/office/drawing/2014/main" xmlns:p14="http://schemas.microsoft.com/office/powerpoint/2010/main" xmlns:a14="http://schemas.microsoft.com/office/drawing/2010/main" w="9525">
+                <a14:hiddenLine xmlns:a14="http://schemas.microsoft.com/office/drawing/2010/main" xmlns:p14="http://schemas.microsoft.com/office/powerpoint/2010/main" xmlns:a16="http://schemas.microsoft.com/office/drawing/2014/main" xmlns="" w="9525">
                   <a:solidFill>
                     <a:srgbClr val="000000"/>
                   </a:solidFill>
@@ -26686,7 +26887,7 @@
             </a:ln>
             <a:extLst>
               <a:ext uri="{91240B29-F687-4f45-9708-019B960494DF}">
-                <a14:hiddenLine xmlns="" xmlns:a16="http://schemas.microsoft.com/office/drawing/2014/main" xmlns:p14="http://schemas.microsoft.com/office/powerpoint/2010/main" xmlns:a14="http://schemas.microsoft.com/office/drawing/2010/main" w="9525">
+                <a14:hiddenLine xmlns:a14="http://schemas.microsoft.com/office/drawing/2010/main" xmlns:p14="http://schemas.microsoft.com/office/powerpoint/2010/main" xmlns:a16="http://schemas.microsoft.com/office/drawing/2014/main" xmlns="" w="9525">
                   <a:solidFill>
                     <a:srgbClr val="000000"/>
                   </a:solidFill>
@@ -26791,7 +26992,7 @@
             </a:ln>
             <a:extLst>
               <a:ext uri="{91240B29-F687-4f45-9708-019B960494DF}">
-                <a14:hiddenLine xmlns="" xmlns:a16="http://schemas.microsoft.com/office/drawing/2014/main" xmlns:p14="http://schemas.microsoft.com/office/powerpoint/2010/main" xmlns:a14="http://schemas.microsoft.com/office/drawing/2010/main" w="9525">
+                <a14:hiddenLine xmlns:a14="http://schemas.microsoft.com/office/drawing/2010/main" xmlns:p14="http://schemas.microsoft.com/office/powerpoint/2010/main" xmlns:a16="http://schemas.microsoft.com/office/drawing/2014/main" xmlns="" w="9525">
                   <a:solidFill>
                     <a:srgbClr val="000000"/>
                   </a:solidFill>
@@ -26874,7 +27075,7 @@
             </a:ln>
             <a:extLst>
               <a:ext uri="{91240B29-F687-4f45-9708-019B960494DF}">
-                <a14:hiddenLine xmlns="" xmlns:a16="http://schemas.microsoft.com/office/drawing/2014/main" xmlns:p14="http://schemas.microsoft.com/office/powerpoint/2010/main" xmlns:a14="http://schemas.microsoft.com/office/drawing/2010/main" w="9525">
+                <a14:hiddenLine xmlns:a14="http://schemas.microsoft.com/office/drawing/2010/main" xmlns:p14="http://schemas.microsoft.com/office/powerpoint/2010/main" xmlns:a16="http://schemas.microsoft.com/office/drawing/2014/main" xmlns="" w="9525">
                   <a:solidFill>
                     <a:srgbClr val="000000"/>
                   </a:solidFill>
@@ -26979,7 +27180,7 @@
             </a:ln>
             <a:extLst>
               <a:ext uri="{91240B29-F687-4f45-9708-019B960494DF}">
-                <a14:hiddenLine xmlns="" xmlns:a16="http://schemas.microsoft.com/office/drawing/2014/main" xmlns:p14="http://schemas.microsoft.com/office/powerpoint/2010/main" xmlns:a14="http://schemas.microsoft.com/office/drawing/2010/main" w="9525">
+                <a14:hiddenLine xmlns:a14="http://schemas.microsoft.com/office/drawing/2010/main" xmlns:p14="http://schemas.microsoft.com/office/powerpoint/2010/main" xmlns:a16="http://schemas.microsoft.com/office/drawing/2014/main" xmlns="" w="9525">
                   <a:solidFill>
                     <a:srgbClr val="000000"/>
                   </a:solidFill>
@@ -27062,7 +27263,7 @@
             </a:ln>
             <a:extLst>
               <a:ext uri="{91240B29-F687-4f45-9708-019B960494DF}">
-                <a14:hiddenLine xmlns="" xmlns:a16="http://schemas.microsoft.com/office/drawing/2014/main" xmlns:p14="http://schemas.microsoft.com/office/powerpoint/2010/main" xmlns:a14="http://schemas.microsoft.com/office/drawing/2010/main" w="9525">
+                <a14:hiddenLine xmlns:a14="http://schemas.microsoft.com/office/drawing/2010/main" xmlns:p14="http://schemas.microsoft.com/office/powerpoint/2010/main" xmlns:a16="http://schemas.microsoft.com/office/drawing/2014/main" xmlns="" w="9525">
                   <a:solidFill>
                     <a:srgbClr val="000000"/>
                   </a:solidFill>
@@ -27167,7 +27368,7 @@
             </a:ln>
             <a:extLst>
               <a:ext uri="{91240B29-F687-4f45-9708-019B960494DF}">
-                <a14:hiddenLine xmlns="" xmlns:a16="http://schemas.microsoft.com/office/drawing/2014/main" xmlns:p14="http://schemas.microsoft.com/office/powerpoint/2010/main" xmlns:a14="http://schemas.microsoft.com/office/drawing/2010/main" w="9525">
+                <a14:hiddenLine xmlns:a14="http://schemas.microsoft.com/office/drawing/2010/main" xmlns:p14="http://schemas.microsoft.com/office/powerpoint/2010/main" xmlns:a16="http://schemas.microsoft.com/office/drawing/2014/main" xmlns="" w="9525">
                   <a:solidFill>
                     <a:srgbClr val="000000"/>
                   </a:solidFill>
@@ -27216,7 +27417,7 @@
             </a:ln>
             <a:extLst>
               <a:ext uri="{91240B29-F687-4f45-9708-019B960494DF}">
-                <a14:hiddenLine xmlns="" xmlns:a16="http://schemas.microsoft.com/office/drawing/2014/main" xmlns:p14="http://schemas.microsoft.com/office/powerpoint/2010/main" xmlns:a14="http://schemas.microsoft.com/office/drawing/2010/main" w="9525">
+                <a14:hiddenLine xmlns:a14="http://schemas.microsoft.com/office/drawing/2010/main" xmlns:p14="http://schemas.microsoft.com/office/powerpoint/2010/main" xmlns:a16="http://schemas.microsoft.com/office/drawing/2014/main" xmlns="" w="9525">
                   <a:solidFill>
                     <a:srgbClr val="000000"/>
                   </a:solidFill>
@@ -27229,6 +27430,36 @@
           </p:spPr>
         </p:sp>
       </p:grpSp>
+      <p:pic>
+        <p:nvPicPr>
+          <p:cNvPr id="4" name="Image 3">
+            <a:extLst>
+              <a:ext uri="{FF2B5EF4-FFF2-40B4-BE49-F238E27FC236}">
+                <a16:creationId xmlns:a16="http://schemas.microsoft.com/office/drawing/2014/main" id="{1BB2DB5F-17EE-420F-920B-04C675DDA272}"/>
+              </a:ext>
+            </a:extLst>
+          </p:cNvPr>
+          <p:cNvPicPr>
+            <a:picLocks noChangeAspect="1"/>
+          </p:cNvPicPr>
+          <p:nvPr/>
+        </p:nvPicPr>
+        <p:blipFill>
+          <a:blip r:embed="rId2"/>
+          <a:stretch>
+            <a:fillRect/>
+          </a:stretch>
+        </p:blipFill>
+        <p:spPr>
+          <a:xfrm>
+            <a:off x="11073846" y="6122015"/>
+            <a:ext cx="1042506" cy="646232"/>
+          </a:xfrm>
+          <a:prstGeom prst="rect">
+            <a:avLst/>
+          </a:prstGeom>
+        </p:spPr>
+      </p:pic>
     </p:spTree>
     <p:extLst>
       <p:ext uri="{BB962C8B-B14F-4D97-AF65-F5344CB8AC3E}">
@@ -27408,7 +27639,7 @@
             </a:ln>
             <a:extLst>
               <a:ext uri="{91240B29-F687-4f45-9708-019B960494DF}">
-                <a14:hiddenLine xmlns="" xmlns:a16="http://schemas.microsoft.com/office/drawing/2014/main" xmlns:p14="http://schemas.microsoft.com/office/powerpoint/2010/main" xmlns:a14="http://schemas.microsoft.com/office/drawing/2010/main" w="9525">
+                <a14:hiddenLine xmlns:a14="http://schemas.microsoft.com/office/drawing/2010/main" xmlns:p14="http://schemas.microsoft.com/office/powerpoint/2010/main" xmlns:a16="http://schemas.microsoft.com/office/drawing/2014/main" xmlns="" w="9525">
                   <a:solidFill>
                     <a:srgbClr val="000000"/>
                   </a:solidFill>
@@ -27513,7 +27744,7 @@
             </a:ln>
             <a:extLst>
               <a:ext uri="{91240B29-F687-4f45-9708-019B960494DF}">
-                <a14:hiddenLine xmlns="" xmlns:a16="http://schemas.microsoft.com/office/drawing/2014/main" xmlns:p14="http://schemas.microsoft.com/office/powerpoint/2010/main" xmlns:a14="http://schemas.microsoft.com/office/drawing/2010/main" w="9525">
+                <a14:hiddenLine xmlns:a14="http://schemas.microsoft.com/office/drawing/2010/main" xmlns:p14="http://schemas.microsoft.com/office/powerpoint/2010/main" xmlns:a16="http://schemas.microsoft.com/office/drawing/2014/main" xmlns="" w="9525">
                   <a:solidFill>
                     <a:srgbClr val="000000"/>
                   </a:solidFill>
@@ -27618,7 +27849,7 @@
             </a:ln>
             <a:extLst>
               <a:ext uri="{91240B29-F687-4f45-9708-019B960494DF}">
-                <a14:hiddenLine xmlns="" xmlns:a16="http://schemas.microsoft.com/office/drawing/2014/main" xmlns:p14="http://schemas.microsoft.com/office/powerpoint/2010/main" xmlns:a14="http://schemas.microsoft.com/office/drawing/2010/main" w="9525">
+                <a14:hiddenLine xmlns:a14="http://schemas.microsoft.com/office/drawing/2010/main" xmlns:p14="http://schemas.microsoft.com/office/powerpoint/2010/main" xmlns:a16="http://schemas.microsoft.com/office/drawing/2014/main" xmlns="" w="9525">
                   <a:solidFill>
                     <a:srgbClr val="000000"/>
                   </a:solidFill>
@@ -27695,7 +27926,7 @@
             </a:ln>
             <a:extLst>
               <a:ext uri="{91240B29-F687-4f45-9708-019B960494DF}">
-                <a14:hiddenLine xmlns="" xmlns:a16="http://schemas.microsoft.com/office/drawing/2014/main" xmlns:p14="http://schemas.microsoft.com/office/powerpoint/2010/main" xmlns:a14="http://schemas.microsoft.com/office/drawing/2010/main" w="9525">
+                <a14:hiddenLine xmlns:a14="http://schemas.microsoft.com/office/drawing/2010/main" xmlns:p14="http://schemas.microsoft.com/office/powerpoint/2010/main" xmlns:a16="http://schemas.microsoft.com/office/drawing/2014/main" xmlns="" w="9525">
                   <a:solidFill>
                     <a:srgbClr val="000000"/>
                   </a:solidFill>
@@ -27800,7 +28031,7 @@
             </a:ln>
             <a:extLst>
               <a:ext uri="{91240B29-F687-4f45-9708-019B960494DF}">
-                <a14:hiddenLine xmlns="" xmlns:a16="http://schemas.microsoft.com/office/drawing/2014/main" xmlns:p14="http://schemas.microsoft.com/office/powerpoint/2010/main" xmlns:a14="http://schemas.microsoft.com/office/drawing/2010/main" w="9525">
+                <a14:hiddenLine xmlns:a14="http://schemas.microsoft.com/office/drawing/2010/main" xmlns:p14="http://schemas.microsoft.com/office/powerpoint/2010/main" xmlns:a16="http://schemas.microsoft.com/office/drawing/2014/main" xmlns="" w="9525">
                   <a:solidFill>
                     <a:srgbClr val="000000"/>
                   </a:solidFill>
@@ -27877,7 +28108,7 @@
             </a:ln>
             <a:extLst>
               <a:ext uri="{91240B29-F687-4f45-9708-019B960494DF}">
-                <a14:hiddenLine xmlns="" xmlns:a16="http://schemas.microsoft.com/office/drawing/2014/main" xmlns:p14="http://schemas.microsoft.com/office/powerpoint/2010/main" xmlns:a14="http://schemas.microsoft.com/office/drawing/2010/main" w="9525">
+                <a14:hiddenLine xmlns:a14="http://schemas.microsoft.com/office/drawing/2010/main" xmlns:p14="http://schemas.microsoft.com/office/powerpoint/2010/main" xmlns:a16="http://schemas.microsoft.com/office/drawing/2014/main" xmlns="" w="9525">
                   <a:solidFill>
                     <a:srgbClr val="000000"/>
                   </a:solidFill>
@@ -27954,7 +28185,7 @@
             </a:ln>
             <a:extLst>
               <a:ext uri="{91240B29-F687-4f45-9708-019B960494DF}">
-                <a14:hiddenLine xmlns="" xmlns:a16="http://schemas.microsoft.com/office/drawing/2014/main" xmlns:p14="http://schemas.microsoft.com/office/powerpoint/2010/main" xmlns:a14="http://schemas.microsoft.com/office/drawing/2010/main" w="9525">
+                <a14:hiddenLine xmlns:a14="http://schemas.microsoft.com/office/drawing/2010/main" xmlns:p14="http://schemas.microsoft.com/office/powerpoint/2010/main" xmlns:a16="http://schemas.microsoft.com/office/drawing/2014/main" xmlns="" w="9525">
                   <a:solidFill>
                     <a:srgbClr val="000000"/>
                   </a:solidFill>
@@ -28059,7 +28290,7 @@
             </a:ln>
             <a:extLst>
               <a:ext uri="{91240B29-F687-4f45-9708-019B960494DF}">
-                <a14:hiddenLine xmlns="" xmlns:a16="http://schemas.microsoft.com/office/drawing/2014/main" xmlns:p14="http://schemas.microsoft.com/office/powerpoint/2010/main" xmlns:a14="http://schemas.microsoft.com/office/drawing/2010/main" w="9525">
+                <a14:hiddenLine xmlns:a14="http://schemas.microsoft.com/office/drawing/2010/main" xmlns:p14="http://schemas.microsoft.com/office/powerpoint/2010/main" xmlns:a16="http://schemas.microsoft.com/office/drawing/2014/main" xmlns="" w="9525">
                   <a:solidFill>
                     <a:srgbClr val="000000"/>
                   </a:solidFill>
@@ -28164,7 +28395,7 @@
             </a:ln>
             <a:extLst>
               <a:ext uri="{91240B29-F687-4f45-9708-019B960494DF}">
-                <a14:hiddenLine xmlns="" xmlns:a16="http://schemas.microsoft.com/office/drawing/2014/main" xmlns:p14="http://schemas.microsoft.com/office/powerpoint/2010/main" xmlns:a14="http://schemas.microsoft.com/office/drawing/2010/main" w="9525">
+                <a14:hiddenLine xmlns:a14="http://schemas.microsoft.com/office/drawing/2010/main" xmlns:p14="http://schemas.microsoft.com/office/powerpoint/2010/main" xmlns:a16="http://schemas.microsoft.com/office/drawing/2014/main" xmlns="" w="9525">
                   <a:solidFill>
                     <a:srgbClr val="000000"/>
                   </a:solidFill>
@@ -28241,7 +28472,7 @@
             </a:ln>
             <a:extLst>
               <a:ext uri="{91240B29-F687-4f45-9708-019B960494DF}">
-                <a14:hiddenLine xmlns="" xmlns:a16="http://schemas.microsoft.com/office/drawing/2014/main" xmlns:p14="http://schemas.microsoft.com/office/powerpoint/2010/main" xmlns:a14="http://schemas.microsoft.com/office/drawing/2010/main" w="9525">
+                <a14:hiddenLine xmlns:a14="http://schemas.microsoft.com/office/drawing/2010/main" xmlns:p14="http://schemas.microsoft.com/office/powerpoint/2010/main" xmlns:a16="http://schemas.microsoft.com/office/drawing/2014/main" xmlns="" w="9525">
                   <a:solidFill>
                     <a:srgbClr val="000000"/>
                   </a:solidFill>
@@ -28366,7 +28597,7 @@
             </a:ln>
             <a:extLst>
               <a:ext uri="{91240B29-F687-4f45-9708-019B960494DF}">
-                <a14:hiddenLine xmlns="" xmlns:a16="http://schemas.microsoft.com/office/drawing/2014/main" xmlns:p14="http://schemas.microsoft.com/office/powerpoint/2010/main" xmlns:a14="http://schemas.microsoft.com/office/drawing/2010/main" w="9525">
+                <a14:hiddenLine xmlns:a14="http://schemas.microsoft.com/office/drawing/2010/main" xmlns:p14="http://schemas.microsoft.com/office/powerpoint/2010/main" xmlns:a16="http://schemas.microsoft.com/office/drawing/2014/main" xmlns="" w="9525">
                   <a:solidFill>
                     <a:srgbClr val="000000"/>
                   </a:solidFill>
@@ -28480,7 +28711,7 @@
             </a:ln>
             <a:extLst>
               <a:ext uri="{91240B29-F687-4f45-9708-019B960494DF}">
-                <a14:hiddenLine xmlns="" xmlns:a16="http://schemas.microsoft.com/office/drawing/2014/main" xmlns:p14="http://schemas.microsoft.com/office/powerpoint/2010/main" xmlns:a14="http://schemas.microsoft.com/office/drawing/2010/main" w="9525">
+                <a14:hiddenLine xmlns:a14="http://schemas.microsoft.com/office/drawing/2010/main" xmlns:p14="http://schemas.microsoft.com/office/powerpoint/2010/main" xmlns:a16="http://schemas.microsoft.com/office/drawing/2014/main" xmlns="" w="9525">
                   <a:solidFill>
                     <a:srgbClr val="000000"/>
                   </a:solidFill>
@@ -28557,7 +28788,7 @@
             </a:ln>
             <a:extLst>
               <a:ext uri="{91240B29-F687-4f45-9708-019B960494DF}">
-                <a14:hiddenLine xmlns="" xmlns:a16="http://schemas.microsoft.com/office/drawing/2014/main" xmlns:p14="http://schemas.microsoft.com/office/powerpoint/2010/main" xmlns:a14="http://schemas.microsoft.com/office/drawing/2010/main" w="9525">
+                <a14:hiddenLine xmlns:a14="http://schemas.microsoft.com/office/drawing/2010/main" xmlns:p14="http://schemas.microsoft.com/office/powerpoint/2010/main" xmlns:a16="http://schemas.microsoft.com/office/drawing/2014/main" xmlns="" w="9525">
                   <a:solidFill>
                     <a:srgbClr val="000000"/>
                   </a:solidFill>
@@ -28634,7 +28865,7 @@
             </a:ln>
             <a:extLst>
               <a:ext uri="{91240B29-F687-4f45-9708-019B960494DF}">
-                <a14:hiddenLine xmlns="" xmlns:a16="http://schemas.microsoft.com/office/drawing/2014/main" xmlns:p14="http://schemas.microsoft.com/office/powerpoint/2010/main" xmlns:a14="http://schemas.microsoft.com/office/drawing/2010/main" w="9525">
+                <a14:hiddenLine xmlns:a14="http://schemas.microsoft.com/office/drawing/2010/main" xmlns:p14="http://schemas.microsoft.com/office/powerpoint/2010/main" xmlns:a16="http://schemas.microsoft.com/office/drawing/2014/main" xmlns="" w="9525">
                   <a:solidFill>
                     <a:srgbClr val="000000"/>
                   </a:solidFill>
@@ -28739,7 +28970,7 @@
             </a:ln>
             <a:extLst>
               <a:ext uri="{91240B29-F687-4f45-9708-019B960494DF}">
-                <a14:hiddenLine xmlns="" xmlns:a16="http://schemas.microsoft.com/office/drawing/2014/main" xmlns:p14="http://schemas.microsoft.com/office/powerpoint/2010/main" xmlns:a14="http://schemas.microsoft.com/office/drawing/2010/main" w="9525">
+                <a14:hiddenLine xmlns:a14="http://schemas.microsoft.com/office/drawing/2010/main" xmlns:p14="http://schemas.microsoft.com/office/powerpoint/2010/main" xmlns:a16="http://schemas.microsoft.com/office/drawing/2014/main" xmlns="" w="9525">
                   <a:solidFill>
                     <a:srgbClr val="000000"/>
                   </a:solidFill>
@@ -28788,7 +29019,7 @@
             </a:ln>
             <a:extLst>
               <a:ext uri="{91240B29-F687-4f45-9708-019B960494DF}">
-                <a14:hiddenLine xmlns="" xmlns:a16="http://schemas.microsoft.com/office/drawing/2014/main" xmlns:p14="http://schemas.microsoft.com/office/powerpoint/2010/main" xmlns:a14="http://schemas.microsoft.com/office/drawing/2010/main" w="9525">
+                <a14:hiddenLine xmlns:a14="http://schemas.microsoft.com/office/drawing/2010/main" xmlns:p14="http://schemas.microsoft.com/office/powerpoint/2010/main" xmlns:a16="http://schemas.microsoft.com/office/drawing/2014/main" xmlns="" w="9525">
                   <a:solidFill>
                     <a:srgbClr val="000000"/>
                   </a:solidFill>
@@ -28868,7 +29099,7 @@
             </a:ln>
             <a:extLst>
               <a:ext uri="{91240B29-F687-4f45-9708-019B960494DF}">
-                <a14:hiddenLine xmlns="" xmlns:a16="http://schemas.microsoft.com/office/drawing/2014/main" xmlns:p14="http://schemas.microsoft.com/office/powerpoint/2010/main" xmlns:a14="http://schemas.microsoft.com/office/drawing/2010/main" w="9525">
+                <a14:hiddenLine xmlns:a14="http://schemas.microsoft.com/office/drawing/2010/main" xmlns:p14="http://schemas.microsoft.com/office/powerpoint/2010/main" xmlns:a16="http://schemas.microsoft.com/office/drawing/2014/main" xmlns="" w="9525">
                   <a:solidFill>
                     <a:srgbClr val="000000"/>
                   </a:solidFill>
@@ -28973,7 +29204,7 @@
             </a:ln>
             <a:extLst>
               <a:ext uri="{91240B29-F687-4f45-9708-019B960494DF}">
-                <a14:hiddenLine xmlns="" xmlns:a16="http://schemas.microsoft.com/office/drawing/2014/main" xmlns:p14="http://schemas.microsoft.com/office/powerpoint/2010/main" xmlns:a14="http://schemas.microsoft.com/office/drawing/2010/main" w="9525">
+                <a14:hiddenLine xmlns:a14="http://schemas.microsoft.com/office/drawing/2010/main" xmlns:p14="http://schemas.microsoft.com/office/powerpoint/2010/main" xmlns:a16="http://schemas.microsoft.com/office/drawing/2014/main" xmlns="" w="9525">
                   <a:solidFill>
                     <a:srgbClr val="000000"/>
                   </a:solidFill>
@@ -29050,7 +29281,7 @@
             </a:ln>
             <a:extLst>
               <a:ext uri="{91240B29-F687-4f45-9708-019B960494DF}">
-                <a14:hiddenLine xmlns="" xmlns:a16="http://schemas.microsoft.com/office/drawing/2014/main" xmlns:p14="http://schemas.microsoft.com/office/powerpoint/2010/main" xmlns:a14="http://schemas.microsoft.com/office/drawing/2010/main" w="9525">
+                <a14:hiddenLine xmlns:a14="http://schemas.microsoft.com/office/drawing/2010/main" xmlns:p14="http://schemas.microsoft.com/office/powerpoint/2010/main" xmlns:a16="http://schemas.microsoft.com/office/drawing/2014/main" xmlns="" w="9525">
                   <a:solidFill>
                     <a:srgbClr val="000000"/>
                   </a:solidFill>
@@ -29155,7 +29386,7 @@
             </a:ln>
             <a:extLst>
               <a:ext uri="{91240B29-F687-4f45-9708-019B960494DF}">
-                <a14:hiddenLine xmlns="" xmlns:a16="http://schemas.microsoft.com/office/drawing/2014/main" xmlns:p14="http://schemas.microsoft.com/office/powerpoint/2010/main" xmlns:a14="http://schemas.microsoft.com/office/drawing/2010/main" w="9525">
+                <a14:hiddenLine xmlns:a14="http://schemas.microsoft.com/office/drawing/2010/main" xmlns:p14="http://schemas.microsoft.com/office/powerpoint/2010/main" xmlns:a16="http://schemas.microsoft.com/office/drawing/2014/main" xmlns="" w="9525">
                   <a:solidFill>
                     <a:srgbClr val="000000"/>
                   </a:solidFill>
@@ -29235,7 +29466,7 @@
             </a:ln>
             <a:extLst>
               <a:ext uri="{91240B29-F687-4f45-9708-019B960494DF}">
-                <a14:hiddenLine xmlns="" xmlns:a16="http://schemas.microsoft.com/office/drawing/2014/main" xmlns:p14="http://schemas.microsoft.com/office/powerpoint/2010/main" xmlns:a14="http://schemas.microsoft.com/office/drawing/2010/main" w="9525">
+                <a14:hiddenLine xmlns:a14="http://schemas.microsoft.com/office/drawing/2010/main" xmlns:p14="http://schemas.microsoft.com/office/powerpoint/2010/main" xmlns:a16="http://schemas.microsoft.com/office/drawing/2014/main" xmlns="" w="9525">
                   <a:solidFill>
                     <a:srgbClr val="000000"/>
                   </a:solidFill>
@@ -29312,7 +29543,7 @@
             </a:ln>
             <a:extLst>
               <a:ext uri="{91240B29-F687-4f45-9708-019B960494DF}">
-                <a14:hiddenLine xmlns="" xmlns:a16="http://schemas.microsoft.com/office/drawing/2014/main" xmlns:p14="http://schemas.microsoft.com/office/powerpoint/2010/main" xmlns:a14="http://schemas.microsoft.com/office/drawing/2010/main" w="9525">
+                <a14:hiddenLine xmlns:a14="http://schemas.microsoft.com/office/drawing/2010/main" xmlns:p14="http://schemas.microsoft.com/office/powerpoint/2010/main" xmlns:a16="http://schemas.microsoft.com/office/drawing/2014/main" xmlns="" w="9525">
                   <a:solidFill>
                     <a:srgbClr val="000000"/>
                   </a:solidFill>
@@ -29417,7 +29648,7 @@
             </a:ln>
             <a:extLst>
               <a:ext uri="{91240B29-F687-4f45-9708-019B960494DF}">
-                <a14:hiddenLine xmlns="" xmlns:a16="http://schemas.microsoft.com/office/drawing/2014/main" xmlns:p14="http://schemas.microsoft.com/office/powerpoint/2010/main" xmlns:a14="http://schemas.microsoft.com/office/drawing/2010/main" w="9525">
+                <a14:hiddenLine xmlns:a14="http://schemas.microsoft.com/office/drawing/2010/main" xmlns:p14="http://schemas.microsoft.com/office/powerpoint/2010/main" xmlns:a16="http://schemas.microsoft.com/office/drawing/2014/main" xmlns="" w="9525">
                   <a:solidFill>
                     <a:srgbClr val="000000"/>
                   </a:solidFill>
@@ -29522,7 +29753,7 @@
             </a:ln>
             <a:extLst>
               <a:ext uri="{91240B29-F687-4f45-9708-019B960494DF}">
-                <a14:hiddenLine xmlns="" xmlns:a16="http://schemas.microsoft.com/office/drawing/2014/main" xmlns:p14="http://schemas.microsoft.com/office/powerpoint/2010/main" xmlns:a14="http://schemas.microsoft.com/office/drawing/2010/main" w="9525">
+                <a14:hiddenLine xmlns:a14="http://schemas.microsoft.com/office/drawing/2010/main" xmlns:p14="http://schemas.microsoft.com/office/powerpoint/2010/main" xmlns:a16="http://schemas.microsoft.com/office/drawing/2014/main" xmlns="" w="9525">
                   <a:solidFill>
                     <a:srgbClr val="000000"/>
                   </a:solidFill>
@@ -29602,7 +29833,7 @@
             </a:ln>
             <a:extLst>
               <a:ext uri="{91240B29-F687-4f45-9708-019B960494DF}">
-                <a14:hiddenLine xmlns="" xmlns:a16="http://schemas.microsoft.com/office/drawing/2014/main" xmlns:p14="http://schemas.microsoft.com/office/powerpoint/2010/main" xmlns:a14="http://schemas.microsoft.com/office/drawing/2010/main" w="9525">
+                <a14:hiddenLine xmlns:a14="http://schemas.microsoft.com/office/drawing/2010/main" xmlns:p14="http://schemas.microsoft.com/office/powerpoint/2010/main" xmlns:a16="http://schemas.microsoft.com/office/drawing/2014/main" xmlns="" w="9525">
                   <a:solidFill>
                     <a:srgbClr val="000000"/>
                   </a:solidFill>
@@ -29737,7 +29968,7 @@
             </a:ln>
             <a:extLst>
               <a:ext uri="{91240B29-F687-4f45-9708-019B960494DF}">
-                <a14:hiddenLine xmlns="" xmlns:a16="http://schemas.microsoft.com/office/drawing/2014/main" xmlns:p14="http://schemas.microsoft.com/office/powerpoint/2010/main" xmlns:a14="http://schemas.microsoft.com/office/drawing/2010/main" w="9525">
+                <a14:hiddenLine xmlns:a14="http://schemas.microsoft.com/office/drawing/2010/main" xmlns:p14="http://schemas.microsoft.com/office/powerpoint/2010/main" xmlns:a16="http://schemas.microsoft.com/office/drawing/2014/main" xmlns="" w="9525">
                   <a:solidFill>
                     <a:srgbClr val="000000"/>
                   </a:solidFill>
@@ -29998,11 +30229,11 @@
             </a:r>
             <a:r>
               <a:rPr lang="fr-FR" dirty="0"/>
-              <a:t> art and sharing </a:t>
+              <a:t> art; </a:t>
             </a:r>
             <a:r>
               <a:rPr lang="fr-FR" dirty="0" err="1"/>
-              <a:t>it</a:t>
+              <a:t>while</a:t>
             </a:r>
             <a:r>
               <a:rPr lang="fr-FR" dirty="0"/>
@@ -30010,31 +30241,23 @@
             </a:r>
             <a:r>
               <a:rPr lang="fr-FR" dirty="0" err="1"/>
-              <a:t>with</a:t>
+              <a:t>offering</a:t>
             </a:r>
             <a:r>
               <a:rPr lang="fr-FR" dirty="0"/>
-              <a:t> a </a:t>
+              <a:t> the </a:t>
             </a:r>
             <a:r>
               <a:rPr lang="fr-FR" dirty="0" err="1"/>
-              <a:t>little</a:t>
+              <a:t>possibility</a:t>
             </a:r>
             <a:r>
               <a:rPr lang="fr-FR" dirty="0"/>
-              <a:t> mix of </a:t>
+              <a:t> of </a:t>
             </a:r>
             <a:r>
               <a:rPr lang="fr-FR" dirty="0" err="1"/>
-              <a:t>contests</a:t>
-            </a:r>
-            <a:r>
-              <a:rPr lang="fr-FR" dirty="0"/>
-              <a:t> at the end of </a:t>
-            </a:r>
-            <a:r>
-              <a:rPr lang="fr-FR" dirty="0" err="1"/>
-              <a:t>each</a:t>
+              <a:t>selling</a:t>
             </a:r>
             <a:r>
               <a:rPr lang="fr-FR" dirty="0"/>
@@ -30042,23 +30265,15 @@
             </a:r>
             <a:r>
               <a:rPr lang="fr-FR" dirty="0" err="1"/>
-              <a:t>month</a:t>
+              <a:t>their</a:t>
             </a:r>
             <a:r>
               <a:rPr lang="fr-FR" dirty="0"/>
-              <a:t> for </a:t>
+              <a:t> as </a:t>
             </a:r>
             <a:r>
               <a:rPr lang="fr-FR" dirty="0" err="1"/>
-              <a:t>every</a:t>
-            </a:r>
-            <a:r>
-              <a:rPr lang="fr-FR" dirty="0"/>
-              <a:t> </a:t>
-            </a:r>
-            <a:r>
-              <a:rPr lang="fr-FR" dirty="0" err="1"/>
-              <a:t>category</a:t>
+              <a:t>nfts</a:t>
             </a:r>
             <a:r>
               <a:rPr lang="fr-FR" dirty="0"/>
@@ -30067,6 +30282,36 @@
           </a:p>
         </p:txBody>
       </p:sp>
+      <p:pic>
+        <p:nvPicPr>
+          <p:cNvPr id="4" name="Image 3">
+            <a:extLst>
+              <a:ext uri="{FF2B5EF4-FFF2-40B4-BE49-F238E27FC236}">
+                <a16:creationId xmlns:a16="http://schemas.microsoft.com/office/drawing/2014/main" id="{DED9FF0E-2E34-4BB8-A6E1-52E993F9045F}"/>
+              </a:ext>
+            </a:extLst>
+          </p:cNvPr>
+          <p:cNvPicPr>
+            <a:picLocks noChangeAspect="1"/>
+          </p:cNvPicPr>
+          <p:nvPr/>
+        </p:nvPicPr>
+        <p:blipFill>
+          <a:blip r:embed="rId2"/>
+          <a:stretch>
+            <a:fillRect/>
+          </a:stretch>
+        </p:blipFill>
+        <p:spPr>
+          <a:xfrm>
+            <a:off x="11059167" y="6102396"/>
+            <a:ext cx="1042506" cy="646232"/>
+          </a:xfrm>
+          <a:prstGeom prst="rect">
+            <a:avLst/>
+          </a:prstGeom>
+        </p:spPr>
+      </p:pic>
     </p:spTree>
     <p:extLst>
       <p:ext uri="{BB962C8B-B14F-4D97-AF65-F5344CB8AC3E}">
@@ -32243,6 +32488,36 @@
           </a:p>
         </p:txBody>
       </p:sp>
+      <p:pic>
+        <p:nvPicPr>
+          <p:cNvPr id="4" name="Image 3">
+            <a:extLst>
+              <a:ext uri="{FF2B5EF4-FFF2-40B4-BE49-F238E27FC236}">
+                <a16:creationId xmlns:a16="http://schemas.microsoft.com/office/drawing/2014/main" id="{0016F9ED-6A4E-4616-84AA-A30B70DA5F77}"/>
+              </a:ext>
+            </a:extLst>
+          </p:cNvPr>
+          <p:cNvPicPr>
+            <a:picLocks noChangeAspect="1"/>
+          </p:cNvPicPr>
+          <p:nvPr/>
+        </p:nvPicPr>
+        <p:blipFill>
+          <a:blip r:embed="rId3"/>
+          <a:stretch>
+            <a:fillRect/>
+          </a:stretch>
+        </p:blipFill>
+        <p:spPr>
+          <a:xfrm>
+            <a:off x="11062734" y="6113931"/>
+            <a:ext cx="1042506" cy="646232"/>
+          </a:xfrm>
+          <a:prstGeom prst="rect">
+            <a:avLst/>
+          </a:prstGeom>
+        </p:spPr>
+      </p:pic>
     </p:spTree>
     <p:extLst>
       <p:ext uri="{BB962C8B-B14F-4D97-AF65-F5344CB8AC3E}">
@@ -32361,6 +32636,36 @@
               </a14:hiddenFill>
             </a:ext>
           </a:extLst>
+        </p:spPr>
+      </p:pic>
+      <p:pic>
+        <p:nvPicPr>
+          <p:cNvPr id="3" name="Image 2">
+            <a:extLst>
+              <a:ext uri="{FF2B5EF4-FFF2-40B4-BE49-F238E27FC236}">
+                <a16:creationId xmlns:a16="http://schemas.microsoft.com/office/drawing/2014/main" id="{534007EE-3F5C-4D07-8870-764FA0BAB1A1}"/>
+              </a:ext>
+            </a:extLst>
+          </p:cNvPr>
+          <p:cNvPicPr>
+            <a:picLocks noChangeAspect="1"/>
+          </p:cNvPicPr>
+          <p:nvPr/>
+        </p:nvPicPr>
+        <p:blipFill>
+          <a:blip r:embed="rId3"/>
+          <a:stretch>
+            <a:fillRect/>
+          </a:stretch>
+        </p:blipFill>
+        <p:spPr>
+          <a:xfrm>
+            <a:off x="11087099" y="6125309"/>
+            <a:ext cx="1042506" cy="646232"/>
+          </a:xfrm>
+          <a:prstGeom prst="rect">
+            <a:avLst/>
+          </a:prstGeom>
         </p:spPr>
       </p:pic>
     </p:spTree>
@@ -32507,7 +32812,7 @@
           </a:prstGeom>
           <a:extLst>
             <a:ext uri="{909E8E84-426E-40dd-AFC4-6F175D3DCCD1}">
-              <a14:hiddenFill xmlns="" xmlns:a16="http://schemas.microsoft.com/office/drawing/2014/main" xmlns:p14="http://schemas.microsoft.com/office/powerpoint/2010/main" xmlns:a14="http://schemas.microsoft.com/office/drawing/2010/main">
+              <a14:hiddenFill xmlns:a14="http://schemas.microsoft.com/office/drawing/2010/main" xmlns:p14="http://schemas.microsoft.com/office/powerpoint/2010/main" xmlns:a16="http://schemas.microsoft.com/office/drawing/2014/main" xmlns="">
                 <a:solidFill>
                   <a:srgbClr val="FFFFFF"/>
                 </a:solidFill>
@@ -32631,7 +32936,7 @@
           <a:noFill/>
           <a:extLst>
             <a:ext uri="{909E8E84-426E-40dd-AFC4-6F175D3DCCD1}">
-              <a14:hiddenFill xmlns="" xmlns:a16="http://schemas.microsoft.com/office/drawing/2014/main" xmlns:p14="http://schemas.microsoft.com/office/powerpoint/2010/main" xmlns:a14="http://schemas.microsoft.com/office/drawing/2010/main">
+              <a14:hiddenFill xmlns:a14="http://schemas.microsoft.com/office/drawing/2010/main" xmlns:p14="http://schemas.microsoft.com/office/powerpoint/2010/main" xmlns:a16="http://schemas.microsoft.com/office/drawing/2014/main" xmlns="">
                 <a:solidFill>
                   <a:srgbClr val="FFFFFF"/>
                 </a:solidFill>
@@ -32805,7 +33110,7 @@
             </a:ln>
             <a:extLst>
               <a:ext uri="{91240B29-F687-4f45-9708-019B960494DF}">
-                <a14:hiddenLine xmlns="" xmlns:a16="http://schemas.microsoft.com/office/drawing/2014/main" xmlns:p14="http://schemas.microsoft.com/office/powerpoint/2010/main" xmlns:a14="http://schemas.microsoft.com/office/drawing/2010/main" w="9525">
+                <a14:hiddenLine xmlns:a14="http://schemas.microsoft.com/office/drawing/2010/main" xmlns:p14="http://schemas.microsoft.com/office/powerpoint/2010/main" xmlns:a16="http://schemas.microsoft.com/office/drawing/2014/main" xmlns="" w="9525">
                   <a:solidFill>
                     <a:srgbClr val="000000"/>
                   </a:solidFill>
@@ -32910,7 +33215,7 @@
             </a:ln>
             <a:extLst>
               <a:ext uri="{91240B29-F687-4f45-9708-019B960494DF}">
-                <a14:hiddenLine xmlns="" xmlns:a16="http://schemas.microsoft.com/office/drawing/2014/main" xmlns:p14="http://schemas.microsoft.com/office/powerpoint/2010/main" xmlns:a14="http://schemas.microsoft.com/office/drawing/2010/main" w="9525">
+                <a14:hiddenLine xmlns:a14="http://schemas.microsoft.com/office/drawing/2010/main" xmlns:p14="http://schemas.microsoft.com/office/powerpoint/2010/main" xmlns:a16="http://schemas.microsoft.com/office/drawing/2014/main" xmlns="" w="9525">
                   <a:solidFill>
                     <a:srgbClr val="000000"/>
                   </a:solidFill>
@@ -33015,7 +33320,7 @@
             </a:ln>
             <a:extLst>
               <a:ext uri="{91240B29-F687-4f45-9708-019B960494DF}">
-                <a14:hiddenLine xmlns="" xmlns:a16="http://schemas.microsoft.com/office/drawing/2014/main" xmlns:p14="http://schemas.microsoft.com/office/powerpoint/2010/main" xmlns:a14="http://schemas.microsoft.com/office/drawing/2010/main" w="9525">
+                <a14:hiddenLine xmlns:a14="http://schemas.microsoft.com/office/drawing/2010/main" xmlns:p14="http://schemas.microsoft.com/office/powerpoint/2010/main" xmlns:a16="http://schemas.microsoft.com/office/drawing/2014/main" xmlns="" w="9525">
                   <a:solidFill>
                     <a:srgbClr val="000000"/>
                   </a:solidFill>
@@ -33092,7 +33397,7 @@
             </a:ln>
             <a:extLst>
               <a:ext uri="{91240B29-F687-4f45-9708-019B960494DF}">
-                <a14:hiddenLine xmlns="" xmlns:a16="http://schemas.microsoft.com/office/drawing/2014/main" xmlns:p14="http://schemas.microsoft.com/office/powerpoint/2010/main" xmlns:a14="http://schemas.microsoft.com/office/drawing/2010/main" w="9525">
+                <a14:hiddenLine xmlns:a14="http://schemas.microsoft.com/office/drawing/2010/main" xmlns:p14="http://schemas.microsoft.com/office/powerpoint/2010/main" xmlns:a16="http://schemas.microsoft.com/office/drawing/2014/main" xmlns="" w="9525">
                   <a:solidFill>
                     <a:srgbClr val="000000"/>
                   </a:solidFill>
@@ -33197,7 +33502,7 @@
             </a:ln>
             <a:extLst>
               <a:ext uri="{91240B29-F687-4f45-9708-019B960494DF}">
-                <a14:hiddenLine xmlns="" xmlns:a16="http://schemas.microsoft.com/office/drawing/2014/main" xmlns:p14="http://schemas.microsoft.com/office/powerpoint/2010/main" xmlns:a14="http://schemas.microsoft.com/office/drawing/2010/main" w="9525">
+                <a14:hiddenLine xmlns:a14="http://schemas.microsoft.com/office/drawing/2010/main" xmlns:p14="http://schemas.microsoft.com/office/powerpoint/2010/main" xmlns:a16="http://schemas.microsoft.com/office/drawing/2014/main" xmlns="" w="9525">
                   <a:solidFill>
                     <a:srgbClr val="000000"/>
                   </a:solidFill>
@@ -33274,7 +33579,7 @@
             </a:ln>
             <a:extLst>
               <a:ext uri="{91240B29-F687-4f45-9708-019B960494DF}">
-                <a14:hiddenLine xmlns="" xmlns:a16="http://schemas.microsoft.com/office/drawing/2014/main" xmlns:p14="http://schemas.microsoft.com/office/powerpoint/2010/main" xmlns:a14="http://schemas.microsoft.com/office/drawing/2010/main" w="9525">
+                <a14:hiddenLine xmlns:a14="http://schemas.microsoft.com/office/drawing/2010/main" xmlns:p14="http://schemas.microsoft.com/office/powerpoint/2010/main" xmlns:a16="http://schemas.microsoft.com/office/drawing/2014/main" xmlns="" w="9525">
                   <a:solidFill>
                     <a:srgbClr val="000000"/>
                   </a:solidFill>
@@ -33351,7 +33656,7 @@
             </a:ln>
             <a:extLst>
               <a:ext uri="{91240B29-F687-4f45-9708-019B960494DF}">
-                <a14:hiddenLine xmlns="" xmlns:a16="http://schemas.microsoft.com/office/drawing/2014/main" xmlns:p14="http://schemas.microsoft.com/office/powerpoint/2010/main" xmlns:a14="http://schemas.microsoft.com/office/drawing/2010/main" w="9525">
+                <a14:hiddenLine xmlns:a14="http://schemas.microsoft.com/office/drawing/2010/main" xmlns:p14="http://schemas.microsoft.com/office/powerpoint/2010/main" xmlns:a16="http://schemas.microsoft.com/office/drawing/2014/main" xmlns="" w="9525">
                   <a:solidFill>
                     <a:srgbClr val="000000"/>
                   </a:solidFill>
@@ -33456,7 +33761,7 @@
             </a:ln>
             <a:extLst>
               <a:ext uri="{91240B29-F687-4f45-9708-019B960494DF}">
-                <a14:hiddenLine xmlns="" xmlns:a16="http://schemas.microsoft.com/office/drawing/2014/main" xmlns:p14="http://schemas.microsoft.com/office/powerpoint/2010/main" xmlns:a14="http://schemas.microsoft.com/office/drawing/2010/main" w="9525">
+                <a14:hiddenLine xmlns:a14="http://schemas.microsoft.com/office/drawing/2010/main" xmlns:p14="http://schemas.microsoft.com/office/powerpoint/2010/main" xmlns:a16="http://schemas.microsoft.com/office/drawing/2014/main" xmlns="" w="9525">
                   <a:solidFill>
                     <a:srgbClr val="000000"/>
                   </a:solidFill>
@@ -33561,7 +33866,7 @@
             </a:ln>
             <a:extLst>
               <a:ext uri="{91240B29-F687-4f45-9708-019B960494DF}">
-                <a14:hiddenLine xmlns="" xmlns:a16="http://schemas.microsoft.com/office/drawing/2014/main" xmlns:p14="http://schemas.microsoft.com/office/powerpoint/2010/main" xmlns:a14="http://schemas.microsoft.com/office/drawing/2010/main" w="9525">
+                <a14:hiddenLine xmlns:a14="http://schemas.microsoft.com/office/drawing/2010/main" xmlns:p14="http://schemas.microsoft.com/office/powerpoint/2010/main" xmlns:a16="http://schemas.microsoft.com/office/drawing/2014/main" xmlns="" w="9525">
                   <a:solidFill>
                     <a:srgbClr val="000000"/>
                   </a:solidFill>
@@ -33638,7 +33943,7 @@
             </a:ln>
             <a:extLst>
               <a:ext uri="{91240B29-F687-4f45-9708-019B960494DF}">
-                <a14:hiddenLine xmlns="" xmlns:a16="http://schemas.microsoft.com/office/drawing/2014/main" xmlns:p14="http://schemas.microsoft.com/office/powerpoint/2010/main" xmlns:a14="http://schemas.microsoft.com/office/drawing/2010/main" w="9525">
+                <a14:hiddenLine xmlns:a14="http://schemas.microsoft.com/office/drawing/2010/main" xmlns:p14="http://schemas.microsoft.com/office/powerpoint/2010/main" xmlns:a16="http://schemas.microsoft.com/office/drawing/2014/main" xmlns="" w="9525">
                   <a:solidFill>
                     <a:srgbClr val="000000"/>
                   </a:solidFill>
@@ -33763,7 +34068,7 @@
             </a:ln>
             <a:extLst>
               <a:ext uri="{91240B29-F687-4f45-9708-019B960494DF}">
-                <a14:hiddenLine xmlns="" xmlns:a16="http://schemas.microsoft.com/office/drawing/2014/main" xmlns:p14="http://schemas.microsoft.com/office/powerpoint/2010/main" xmlns:a14="http://schemas.microsoft.com/office/drawing/2010/main" w="9525">
+                <a14:hiddenLine xmlns:a14="http://schemas.microsoft.com/office/drawing/2010/main" xmlns:p14="http://schemas.microsoft.com/office/powerpoint/2010/main" xmlns:a16="http://schemas.microsoft.com/office/drawing/2014/main" xmlns="" w="9525">
                   <a:solidFill>
                     <a:srgbClr val="000000"/>
                   </a:solidFill>
@@ -33877,7 +34182,7 @@
             </a:ln>
             <a:extLst>
               <a:ext uri="{91240B29-F687-4f45-9708-019B960494DF}">
-                <a14:hiddenLine xmlns="" xmlns:a16="http://schemas.microsoft.com/office/drawing/2014/main" xmlns:p14="http://schemas.microsoft.com/office/powerpoint/2010/main" xmlns:a14="http://schemas.microsoft.com/office/drawing/2010/main" w="9525">
+                <a14:hiddenLine xmlns:a14="http://schemas.microsoft.com/office/drawing/2010/main" xmlns:p14="http://schemas.microsoft.com/office/powerpoint/2010/main" xmlns:a16="http://schemas.microsoft.com/office/drawing/2014/main" xmlns="" w="9525">
                   <a:solidFill>
                     <a:srgbClr val="000000"/>
                   </a:solidFill>
@@ -33954,7 +34259,7 @@
             </a:ln>
             <a:extLst>
               <a:ext uri="{91240B29-F687-4f45-9708-019B960494DF}">
-                <a14:hiddenLine xmlns="" xmlns:a16="http://schemas.microsoft.com/office/drawing/2014/main" xmlns:p14="http://schemas.microsoft.com/office/powerpoint/2010/main" xmlns:a14="http://schemas.microsoft.com/office/drawing/2010/main" w="9525">
+                <a14:hiddenLine xmlns:a14="http://schemas.microsoft.com/office/drawing/2010/main" xmlns:p14="http://schemas.microsoft.com/office/powerpoint/2010/main" xmlns:a16="http://schemas.microsoft.com/office/drawing/2014/main" xmlns="" w="9525">
                   <a:solidFill>
                     <a:srgbClr val="000000"/>
                   </a:solidFill>
@@ -34031,7 +34336,7 @@
             </a:ln>
             <a:extLst>
               <a:ext uri="{91240B29-F687-4f45-9708-019B960494DF}">
-                <a14:hiddenLine xmlns="" xmlns:a16="http://schemas.microsoft.com/office/drawing/2014/main" xmlns:p14="http://schemas.microsoft.com/office/powerpoint/2010/main" xmlns:a14="http://schemas.microsoft.com/office/drawing/2010/main" w="9525">
+                <a14:hiddenLine xmlns:a14="http://schemas.microsoft.com/office/drawing/2010/main" xmlns:p14="http://schemas.microsoft.com/office/powerpoint/2010/main" xmlns:a16="http://schemas.microsoft.com/office/drawing/2014/main" xmlns="" w="9525">
                   <a:solidFill>
                     <a:srgbClr val="000000"/>
                   </a:solidFill>
@@ -34136,7 +34441,7 @@
             </a:ln>
             <a:extLst>
               <a:ext uri="{91240B29-F687-4f45-9708-019B960494DF}">
-                <a14:hiddenLine xmlns="" xmlns:a16="http://schemas.microsoft.com/office/drawing/2014/main" xmlns:p14="http://schemas.microsoft.com/office/powerpoint/2010/main" xmlns:a14="http://schemas.microsoft.com/office/drawing/2010/main" w="9525">
+                <a14:hiddenLine xmlns:a14="http://schemas.microsoft.com/office/drawing/2010/main" xmlns:p14="http://schemas.microsoft.com/office/powerpoint/2010/main" xmlns:a16="http://schemas.microsoft.com/office/drawing/2014/main" xmlns="" w="9525">
                   <a:solidFill>
                     <a:srgbClr val="000000"/>
                   </a:solidFill>
@@ -34185,7 +34490,7 @@
             </a:ln>
             <a:extLst>
               <a:ext uri="{91240B29-F687-4f45-9708-019B960494DF}">
-                <a14:hiddenLine xmlns="" xmlns:a16="http://schemas.microsoft.com/office/drawing/2014/main" xmlns:p14="http://schemas.microsoft.com/office/powerpoint/2010/main" xmlns:a14="http://schemas.microsoft.com/office/drawing/2010/main" w="9525">
+                <a14:hiddenLine xmlns:a14="http://schemas.microsoft.com/office/drawing/2010/main" xmlns:p14="http://schemas.microsoft.com/office/powerpoint/2010/main" xmlns:a16="http://schemas.microsoft.com/office/drawing/2014/main" xmlns="" w="9525">
                   <a:solidFill>
                     <a:srgbClr val="000000"/>
                   </a:solidFill>
@@ -34265,7 +34570,7 @@
             </a:ln>
             <a:extLst>
               <a:ext uri="{91240B29-F687-4f45-9708-019B960494DF}">
-                <a14:hiddenLine xmlns="" xmlns:a16="http://schemas.microsoft.com/office/drawing/2014/main" xmlns:p14="http://schemas.microsoft.com/office/powerpoint/2010/main" xmlns:a14="http://schemas.microsoft.com/office/drawing/2010/main" w="9525">
+                <a14:hiddenLine xmlns:a14="http://schemas.microsoft.com/office/drawing/2010/main" xmlns:p14="http://schemas.microsoft.com/office/powerpoint/2010/main" xmlns:a16="http://schemas.microsoft.com/office/drawing/2014/main" xmlns="" w="9525">
                   <a:solidFill>
                     <a:srgbClr val="000000"/>
                   </a:solidFill>
@@ -34370,7 +34675,7 @@
             </a:ln>
             <a:extLst>
               <a:ext uri="{91240B29-F687-4f45-9708-019B960494DF}">
-                <a14:hiddenLine xmlns="" xmlns:a16="http://schemas.microsoft.com/office/drawing/2014/main" xmlns:p14="http://schemas.microsoft.com/office/powerpoint/2010/main" xmlns:a14="http://schemas.microsoft.com/office/drawing/2010/main" w="9525">
+                <a14:hiddenLine xmlns:a14="http://schemas.microsoft.com/office/drawing/2010/main" xmlns:p14="http://schemas.microsoft.com/office/powerpoint/2010/main" xmlns:a16="http://schemas.microsoft.com/office/drawing/2014/main" xmlns="" w="9525">
                   <a:solidFill>
                     <a:srgbClr val="000000"/>
                   </a:solidFill>
@@ -34447,7 +34752,7 @@
             </a:ln>
             <a:extLst>
               <a:ext uri="{91240B29-F687-4f45-9708-019B960494DF}">
-                <a14:hiddenLine xmlns="" xmlns:a16="http://schemas.microsoft.com/office/drawing/2014/main" xmlns:p14="http://schemas.microsoft.com/office/powerpoint/2010/main" xmlns:a14="http://schemas.microsoft.com/office/drawing/2010/main" w="9525">
+                <a14:hiddenLine xmlns:a14="http://schemas.microsoft.com/office/drawing/2010/main" xmlns:p14="http://schemas.microsoft.com/office/powerpoint/2010/main" xmlns:a16="http://schemas.microsoft.com/office/drawing/2014/main" xmlns="" w="9525">
                   <a:solidFill>
                     <a:srgbClr val="000000"/>
                   </a:solidFill>
@@ -34552,7 +34857,7 @@
             </a:ln>
             <a:extLst>
               <a:ext uri="{91240B29-F687-4f45-9708-019B960494DF}">
-                <a14:hiddenLine xmlns="" xmlns:a16="http://schemas.microsoft.com/office/drawing/2014/main" xmlns:p14="http://schemas.microsoft.com/office/powerpoint/2010/main" xmlns:a14="http://schemas.microsoft.com/office/drawing/2010/main" w="9525">
+                <a14:hiddenLine xmlns:a14="http://schemas.microsoft.com/office/drawing/2010/main" xmlns:p14="http://schemas.microsoft.com/office/powerpoint/2010/main" xmlns:a16="http://schemas.microsoft.com/office/drawing/2014/main" xmlns="" w="9525">
                   <a:solidFill>
                     <a:srgbClr val="000000"/>
                   </a:solidFill>
@@ -34632,7 +34937,7 @@
             </a:ln>
             <a:extLst>
               <a:ext uri="{91240B29-F687-4f45-9708-019B960494DF}">
-                <a14:hiddenLine xmlns="" xmlns:a16="http://schemas.microsoft.com/office/drawing/2014/main" xmlns:p14="http://schemas.microsoft.com/office/powerpoint/2010/main" xmlns:a14="http://schemas.microsoft.com/office/drawing/2010/main" w="9525">
+                <a14:hiddenLine xmlns:a14="http://schemas.microsoft.com/office/drawing/2010/main" xmlns:p14="http://schemas.microsoft.com/office/powerpoint/2010/main" xmlns:a16="http://schemas.microsoft.com/office/drawing/2014/main" xmlns="" w="9525">
                   <a:solidFill>
                     <a:srgbClr val="000000"/>
                   </a:solidFill>
@@ -34709,7 +35014,7 @@
             </a:ln>
             <a:extLst>
               <a:ext uri="{91240B29-F687-4f45-9708-019B960494DF}">
-                <a14:hiddenLine xmlns="" xmlns:a16="http://schemas.microsoft.com/office/drawing/2014/main" xmlns:p14="http://schemas.microsoft.com/office/powerpoint/2010/main" xmlns:a14="http://schemas.microsoft.com/office/drawing/2010/main" w="9525">
+                <a14:hiddenLine xmlns:a14="http://schemas.microsoft.com/office/drawing/2010/main" xmlns:p14="http://schemas.microsoft.com/office/powerpoint/2010/main" xmlns:a16="http://schemas.microsoft.com/office/drawing/2014/main" xmlns="" w="9525">
                   <a:solidFill>
                     <a:srgbClr val="000000"/>
                   </a:solidFill>
@@ -34814,7 +35119,7 @@
             </a:ln>
             <a:extLst>
               <a:ext uri="{91240B29-F687-4f45-9708-019B960494DF}">
-                <a14:hiddenLine xmlns="" xmlns:a16="http://schemas.microsoft.com/office/drawing/2014/main" xmlns:p14="http://schemas.microsoft.com/office/powerpoint/2010/main" xmlns:a14="http://schemas.microsoft.com/office/drawing/2010/main" w="9525">
+                <a14:hiddenLine xmlns:a14="http://schemas.microsoft.com/office/drawing/2010/main" xmlns:p14="http://schemas.microsoft.com/office/powerpoint/2010/main" xmlns:a16="http://schemas.microsoft.com/office/drawing/2014/main" xmlns="" w="9525">
                   <a:solidFill>
                     <a:srgbClr val="000000"/>
                   </a:solidFill>
@@ -34919,7 +35224,7 @@
             </a:ln>
             <a:extLst>
               <a:ext uri="{91240B29-F687-4f45-9708-019B960494DF}">
-                <a14:hiddenLine xmlns="" xmlns:a16="http://schemas.microsoft.com/office/drawing/2014/main" xmlns:p14="http://schemas.microsoft.com/office/powerpoint/2010/main" xmlns:a14="http://schemas.microsoft.com/office/drawing/2010/main" w="9525">
+                <a14:hiddenLine xmlns:a14="http://schemas.microsoft.com/office/drawing/2010/main" xmlns:p14="http://schemas.microsoft.com/office/powerpoint/2010/main" xmlns:a16="http://schemas.microsoft.com/office/drawing/2014/main" xmlns="" w="9525">
                   <a:solidFill>
                     <a:srgbClr val="000000"/>
                   </a:solidFill>
@@ -34999,7 +35304,7 @@
             </a:ln>
             <a:extLst>
               <a:ext uri="{91240B29-F687-4f45-9708-019B960494DF}">
-                <a14:hiddenLine xmlns="" xmlns:a16="http://schemas.microsoft.com/office/drawing/2014/main" xmlns:p14="http://schemas.microsoft.com/office/powerpoint/2010/main" xmlns:a14="http://schemas.microsoft.com/office/drawing/2010/main" w="9525">
+                <a14:hiddenLine xmlns:a14="http://schemas.microsoft.com/office/drawing/2010/main" xmlns:p14="http://schemas.microsoft.com/office/powerpoint/2010/main" xmlns:a16="http://schemas.microsoft.com/office/drawing/2014/main" xmlns="" w="9525">
                   <a:solidFill>
                     <a:srgbClr val="000000"/>
                   </a:solidFill>
@@ -35134,7 +35439,7 @@
             </a:ln>
             <a:extLst>
               <a:ext uri="{91240B29-F687-4f45-9708-019B960494DF}">
-                <a14:hiddenLine xmlns="" xmlns:a16="http://schemas.microsoft.com/office/drawing/2014/main" xmlns:p14="http://schemas.microsoft.com/office/powerpoint/2010/main" xmlns:a14="http://schemas.microsoft.com/office/drawing/2010/main" w="9525">
+                <a14:hiddenLine xmlns:a14="http://schemas.microsoft.com/office/drawing/2010/main" xmlns:p14="http://schemas.microsoft.com/office/powerpoint/2010/main" xmlns:a16="http://schemas.microsoft.com/office/drawing/2014/main" xmlns="" w="9525">
                   <a:solidFill>
                     <a:srgbClr val="000000"/>
                   </a:solidFill>
@@ -35171,6 +35476,36 @@
           <a:xfrm>
             <a:off x="6158732" y="643467"/>
             <a:ext cx="3950137" cy="5566562"/>
+          </a:xfrm>
+          <a:prstGeom prst="rect">
+            <a:avLst/>
+          </a:prstGeom>
+        </p:spPr>
+      </p:pic>
+      <p:pic>
+        <p:nvPicPr>
+          <p:cNvPr id="4" name="Image 3">
+            <a:extLst>
+              <a:ext uri="{FF2B5EF4-FFF2-40B4-BE49-F238E27FC236}">
+                <a16:creationId xmlns:a16="http://schemas.microsoft.com/office/drawing/2014/main" id="{EB88EDF0-5D07-4244-8BDD-B776958618F7}"/>
+              </a:ext>
+            </a:extLst>
+          </p:cNvPr>
+          <p:cNvPicPr>
+            <a:picLocks noChangeAspect="1"/>
+          </p:cNvPicPr>
+          <p:nvPr/>
+        </p:nvPicPr>
+        <p:blipFill>
+          <a:blip r:embed="rId4"/>
+          <a:stretch>
+            <a:fillRect/>
+          </a:stretch>
+        </p:blipFill>
+        <p:spPr>
+          <a:xfrm>
+            <a:off x="11086547" y="6135687"/>
+            <a:ext cx="1042506" cy="646232"/>
           </a:xfrm>
           <a:prstGeom prst="rect">
             <a:avLst/>
@@ -35322,6 +35657,36 @@
               </a:prstClr>
             </a:outerShdw>
           </a:effectLst>
+        </p:spPr>
+      </p:pic>
+      <p:pic>
+        <p:nvPicPr>
+          <p:cNvPr id="3" name="Image 2">
+            <a:extLst>
+              <a:ext uri="{FF2B5EF4-FFF2-40B4-BE49-F238E27FC236}">
+                <a16:creationId xmlns:a16="http://schemas.microsoft.com/office/drawing/2014/main" id="{538B069A-C464-4D71-9DEA-A62E8DBCC2EC}"/>
+              </a:ext>
+            </a:extLst>
+          </p:cNvPr>
+          <p:cNvPicPr>
+            <a:picLocks noChangeAspect="1"/>
+          </p:cNvPicPr>
+          <p:nvPr/>
+        </p:nvPicPr>
+        <p:blipFill>
+          <a:blip r:embed="rId4"/>
+          <a:stretch>
+            <a:fillRect/>
+          </a:stretch>
+        </p:blipFill>
+        <p:spPr>
+          <a:xfrm>
+            <a:off x="11118298" y="6126043"/>
+            <a:ext cx="1042506" cy="646232"/>
+          </a:xfrm>
+          <a:prstGeom prst="rect">
+            <a:avLst/>
+          </a:prstGeom>
         </p:spPr>
       </p:pic>
     </p:spTree>
@@ -35494,6 +35859,36 @@
           </a:p>
         </p:txBody>
       </p:sp>
+      <p:pic>
+        <p:nvPicPr>
+          <p:cNvPr id="4" name="Image 3">
+            <a:extLst>
+              <a:ext uri="{FF2B5EF4-FFF2-40B4-BE49-F238E27FC236}">
+                <a16:creationId xmlns:a16="http://schemas.microsoft.com/office/drawing/2014/main" id="{FBCA99F3-90FF-45DD-86C1-DA622153F6EF}"/>
+              </a:ext>
+            </a:extLst>
+          </p:cNvPr>
+          <p:cNvPicPr>
+            <a:picLocks noChangeAspect="1"/>
+          </p:cNvPicPr>
+          <p:nvPr/>
+        </p:nvPicPr>
+        <p:blipFill>
+          <a:blip r:embed="rId2"/>
+          <a:stretch>
+            <a:fillRect/>
+          </a:stretch>
+        </p:blipFill>
+        <p:spPr>
+          <a:xfrm>
+            <a:off x="11047411" y="6164143"/>
+            <a:ext cx="1042506" cy="646232"/>
+          </a:xfrm>
+          <a:prstGeom prst="rect">
+            <a:avLst/>
+          </a:prstGeom>
+        </p:spPr>
+      </p:pic>
     </p:spTree>
     <p:extLst>
       <p:ext uri="{BB962C8B-B14F-4D97-AF65-F5344CB8AC3E}">
@@ -35634,6 +36029,36 @@
           </a:p>
         </p:txBody>
       </p:sp>
+      <p:pic>
+        <p:nvPicPr>
+          <p:cNvPr id="4" name="Image 3">
+            <a:extLst>
+              <a:ext uri="{FF2B5EF4-FFF2-40B4-BE49-F238E27FC236}">
+                <a16:creationId xmlns:a16="http://schemas.microsoft.com/office/drawing/2014/main" id="{82BD57DD-82B8-4C66-966F-85BFB5621488}"/>
+              </a:ext>
+            </a:extLst>
+          </p:cNvPr>
+          <p:cNvPicPr>
+            <a:picLocks noChangeAspect="1"/>
+          </p:cNvPicPr>
+          <p:nvPr/>
+        </p:nvPicPr>
+        <p:blipFill>
+          <a:blip r:embed="rId2"/>
+          <a:stretch>
+            <a:fillRect/>
+          </a:stretch>
+        </p:blipFill>
+        <p:spPr>
+          <a:xfrm>
+            <a:off x="11047411" y="6106259"/>
+            <a:ext cx="1042506" cy="646232"/>
+          </a:xfrm>
+          <a:prstGeom prst="rect">
+            <a:avLst/>
+          </a:prstGeom>
+        </p:spPr>
+      </p:pic>
     </p:spTree>
     <p:extLst>
       <p:ext uri="{BB962C8B-B14F-4D97-AF65-F5344CB8AC3E}">

--- a/Projet Virtual Tag.pptx
+++ b/Projet Virtual Tag.pptx
@@ -12423,6 +12423,62 @@
           </a:prstGeom>
         </p:spPr>
       </p:pic>
+      <p:sp>
+        <p:nvSpPr>
+          <p:cNvPr id="3" name="ZoneTexte 2">
+            <a:extLst>
+              <a:ext uri="{FF2B5EF4-FFF2-40B4-BE49-F238E27FC236}">
+                <a16:creationId xmlns:a16="http://schemas.microsoft.com/office/drawing/2014/main" id="{7F57B0B1-B5B1-4BEA-9DC4-727BFB4A63D2}"/>
+              </a:ext>
+            </a:extLst>
+          </p:cNvPr>
+          <p:cNvSpPr txBox="1"/>
+          <p:nvPr/>
+        </p:nvSpPr>
+        <p:spPr>
+          <a:xfrm>
+            <a:off x="8760532" y="5893540"/>
+            <a:ext cx="2846005" cy="1231106"/>
+          </a:xfrm>
+          <a:prstGeom prst="rect">
+            <a:avLst/>
+          </a:prstGeom>
+          <a:noFill/>
+        </p:spPr>
+        <p:txBody>
+          <a:bodyPr wrap="square" rtlCol="0">
+            <a:spAutoFit/>
+          </a:bodyPr>
+          <a:lstStyle/>
+          <a:p>
+            <a:r>
+              <a:rPr lang="fr-FR" sz="1400" dirty="0"/>
+              <a:t>HADHRI Achraf</a:t>
+            </a:r>
+          </a:p>
+          <a:p>
+            <a:r>
+              <a:rPr lang="fr-FR" sz="1400" dirty="0"/>
+              <a:t>LOPEZ-CHEFCHOUFI Célian</a:t>
+            </a:r>
+          </a:p>
+          <a:p>
+            <a:r>
+              <a:rPr lang="fr-FR" sz="1400" dirty="0"/>
+              <a:t>FOLTIER Tom</a:t>
+            </a:r>
+          </a:p>
+          <a:p>
+            <a:r>
+              <a:rPr lang="fr-FR" sz="1400" dirty="0"/>
+              <a:t>SCHACHTELE Damien</a:t>
+            </a:r>
+          </a:p>
+          <a:p>
+            <a:endParaRPr lang="fr-FR" dirty="0"/>
+          </a:p>
+        </p:txBody>
+      </p:sp>
     </p:spTree>
     <p:extLst>
       <p:ext uri="{BB962C8B-B14F-4D97-AF65-F5344CB8AC3E}">

--- a/Projet Virtual Tag.pptx
+++ b/Projet Virtual Tag.pptx
@@ -26474,12 +26474,6 @@
           <a:p>
             <a:r>
               <a:rPr lang="fr-FR" sz="1800" dirty="0"/>
-              <a:t>Diagramme de séquence</a:t>
-            </a:r>
-          </a:p>
-          <a:p>
-            <a:r>
-              <a:rPr lang="fr-FR" sz="1800" dirty="0"/>
               <a:t>Use cases</a:t>
             </a:r>
           </a:p>

--- a/Projet Virtual Tag.pptx
+++ b/Projet Virtual Tag.pptx
@@ -32598,47 +32598,6 @@
           <a:chExt cx="0" cy="0"/>
         </a:xfrm>
       </p:grpSpPr>
-      <p:sp>
-        <p:nvSpPr>
-          <p:cNvPr id="2" name="Titre 1">
-            <a:extLst>
-              <a:ext uri="{FF2B5EF4-FFF2-40B4-BE49-F238E27FC236}">
-                <a16:creationId xmlns:a16="http://schemas.microsoft.com/office/drawing/2014/main" id="{6642C5CB-A15C-4169-9EDF-B4A03566BE23}"/>
-              </a:ext>
-            </a:extLst>
-          </p:cNvPr>
-          <p:cNvSpPr>
-            <a:spLocks noGrp="1"/>
-          </p:cNvSpPr>
-          <p:nvPr>
-            <p:ph type="title"/>
-          </p:nvPr>
-        </p:nvSpPr>
-        <p:spPr>
-          <a:xfrm>
-            <a:off x="1143001" y="155426"/>
-            <a:ext cx="9905998" cy="848332"/>
-          </a:xfrm>
-        </p:spPr>
-        <p:txBody>
-          <a:bodyPr/>
-          <a:lstStyle/>
-          <a:p>
-            <a:r>
-              <a:rPr lang="fr-FR" dirty="0"/>
-              <a:t>Tag </a:t>
-            </a:r>
-            <a:r>
-              <a:rPr lang="fr-FR" dirty="0" err="1"/>
-              <a:t>artists</a:t>
-            </a:r>
-            <a:r>
-              <a:rPr lang="fr-FR" dirty="0"/>
-              <a:t> are</a:t>
-            </a:r>
-          </a:p>
-        </p:txBody>
-      </p:sp>
       <p:pic>
         <p:nvPicPr>
           <p:cNvPr id="1028" name="Picture 4">
@@ -32670,7 +32629,7 @@
         </p:blipFill>
         <p:spPr bwMode="auto">
           <a:xfrm>
-            <a:off x="1628774" y="1066412"/>
+            <a:off x="2108168" y="644256"/>
             <a:ext cx="7848601" cy="5569488"/>
           </a:xfrm>
           <a:prstGeom prst="rect">

--- a/Projet Virtual Tag.pptx
+++ b/Projet Virtual Tag.pptx
@@ -12780,8 +12780,8 @@
         </p:nvSpPr>
         <p:spPr>
           <a:xfrm>
-            <a:off x="1141413" y="618518"/>
-            <a:ext cx="9905998" cy="724507"/>
+            <a:off x="2809359" y="476475"/>
+            <a:ext cx="6573282" cy="724507"/>
           </a:xfrm>
         </p:spPr>
         <p:txBody>
@@ -12801,6 +12801,14 @@
             <a:r>
               <a:rPr lang="fr-FR" dirty="0" err="1"/>
               <a:t>diagram</a:t>
+            </a:r>
+            <a:r>
+              <a:rPr lang="fr-FR" dirty="0"/>
+              <a:t> : </a:t>
+            </a:r>
+            <a:r>
+              <a:rPr lang="fr-FR" dirty="0" err="1"/>
+              <a:t>pictures</a:t>
             </a:r>
             <a:endParaRPr lang="fr-FR" dirty="0"/>
           </a:p>
@@ -13041,6 +13049,14 @@
               <a:rPr lang="fr-FR" dirty="0" err="1"/>
               <a:t>diagram</a:t>
             </a:r>
+            <a:r>
+              <a:rPr lang="fr-FR" dirty="0"/>
+              <a:t> : </a:t>
+            </a:r>
+            <a:r>
+              <a:rPr lang="fr-FR" dirty="0" err="1"/>
+              <a:t>friends</a:t>
+            </a:r>
             <a:endParaRPr lang="fr-FR" dirty="0"/>
           </a:p>
         </p:txBody>
@@ -13249,8 +13265,8 @@
         </p:nvSpPr>
         <p:spPr>
           <a:xfrm>
-            <a:off x="1141413" y="618518"/>
-            <a:ext cx="9905998" cy="724507"/>
+            <a:off x="3199975" y="529742"/>
+            <a:ext cx="5792047" cy="724507"/>
           </a:xfrm>
         </p:spPr>
         <p:txBody>
@@ -13271,7 +13287,10 @@
               <a:rPr lang="fr-FR" dirty="0" err="1"/>
               <a:t>diagram</a:t>
             </a:r>
-            <a:endParaRPr lang="fr-FR" dirty="0"/>
+            <a:r>
+              <a:rPr lang="fr-FR" dirty="0"/>
+              <a:t> : post</a:t>
+            </a:r>
           </a:p>
         </p:txBody>
       </p:sp>
@@ -13484,8 +13503,8 @@
         </p:nvSpPr>
         <p:spPr>
           <a:xfrm>
-            <a:off x="1217613" y="104775"/>
-            <a:ext cx="9905998" cy="962024"/>
+            <a:off x="2416892" y="346927"/>
+            <a:ext cx="7358216" cy="962024"/>
           </a:xfrm>
         </p:spPr>
         <p:txBody>
@@ -13506,7 +13525,10 @@
               <a:rPr lang="fr-FR" dirty="0" err="1"/>
               <a:t>diagram</a:t>
             </a:r>
-            <a:endParaRPr lang="fr-FR" dirty="0"/>
+            <a:r>
+              <a:rPr lang="fr-FR" dirty="0"/>
+              <a:t> : Share a post</a:t>
+            </a:r>
           </a:p>
         </p:txBody>
       </p:sp>

--- a/Projet Virtual Tag.pptx
+++ b/Projet Virtual Tag.pptx
@@ -13390,14 +13390,13 @@
           <a:p>
             <a:r>
               <a:rPr lang="fr-FR" dirty="0"/>
-              <a:t>Like/comment a post</a:t>
+              <a:t>Like/comment </a:t>
             </a:r>
-          </a:p>
-          <a:p>
             <a:r>
-              <a:rPr lang="fr-FR" dirty="0"/>
-              <a:t>Save like/comment</a:t>
+              <a:rPr lang="fr-FR"/>
+              <a:t>a post</a:t>
             </a:r>
+            <a:endParaRPr lang="fr-FR" dirty="0"/>
           </a:p>
         </p:txBody>
       </p:sp>
